--- a/course/compiler/LectureNotes/(Spring2018)CourseReview.pptx
+++ b/course/compiler/LectureNotes/(Spring2018)CourseReview.pptx
@@ -5,10 +5,10 @@
     <p:sldMasterId id="2147483648" r:id="rId4"/>
   </p:sldMasterIdLst>
   <p:notesMasterIdLst>
-    <p:notesMasterId r:id="rId47"/>
+    <p:notesMasterId r:id="rId49"/>
   </p:notesMasterIdLst>
   <p:handoutMasterIdLst>
-    <p:handoutMasterId r:id="rId48"/>
+    <p:handoutMasterId r:id="rId50"/>
   </p:handoutMasterIdLst>
   <p:sldIdLst>
     <p:sldId id="256" r:id="rId5"/>
@@ -53,6 +53,8 @@
     <p:sldId id="316" r:id="rId44"/>
     <p:sldId id="317" r:id="rId45"/>
     <p:sldId id="315" r:id="rId46"/>
+    <p:sldId id="318" r:id="rId47"/>
+    <p:sldId id="319" r:id="rId48"/>
   </p:sldIdLst>
   <p:sldSz cx="9144000" cy="6858000" type="screen4x3"/>
   <p:notesSz cx="6858000" cy="9144000"/>
@@ -1381,13 +1383,6 @@
         </dgm:presLayoutVars>
       </dgm:prSet>
       <dgm:spPr/>
-      <dgm:t>
-        <a:bodyPr/>
-        <a:lstStyle/>
-        <a:p>
-          <a:endParaRPr lang="zh-CN" altLang="en-US"/>
-        </a:p>
-      </dgm:t>
     </dgm:pt>
     <dgm:pt modelId="{21512F9D-CB85-41E5-9782-82FB2BC55C5A}" type="pres">
       <dgm:prSet presAssocID="{7A7B0B22-734B-4B60-945C-1C217C0DCF06}" presName="parentText" presStyleLbl="node1" presStyleIdx="0" presStyleCnt="1" custScaleY="104096" custLinFactNeighborX="-4441" custLinFactNeighborY="-36117">
@@ -1397,13 +1392,6 @@
         </dgm:presLayoutVars>
       </dgm:prSet>
       <dgm:spPr/>
-      <dgm:t>
-        <a:bodyPr/>
-        <a:lstStyle/>
-        <a:p>
-          <a:endParaRPr lang="zh-CN" altLang="en-US"/>
-        </a:p>
-      </dgm:t>
     </dgm:pt>
     <dgm:pt modelId="{1FD7BE0E-4983-47C5-BFC4-098EA77686C0}" type="pres">
       <dgm:prSet presAssocID="{7A7B0B22-734B-4B60-945C-1C217C0DCF06}" presName="childText" presStyleLbl="revTx" presStyleIdx="0" presStyleCnt="1">
@@ -1412,29 +1400,22 @@
         </dgm:presLayoutVars>
       </dgm:prSet>
       <dgm:spPr/>
-      <dgm:t>
-        <a:bodyPr/>
-        <a:lstStyle/>
-        <a:p>
-          <a:endParaRPr lang="zh-CN" altLang="en-US"/>
-        </a:p>
-      </dgm:t>
     </dgm:pt>
   </dgm:ptLst>
   <dgm:cxnLst>
+    <dgm:cxn modelId="{DCF94907-6DF5-42B9-9B40-4B748013339F}" type="presOf" srcId="{DC995058-FF0E-41CB-83DE-49CB7AA0451B}" destId="{B8E74565-FFDD-4628-9D12-03E931DBC576}" srcOrd="0" destOrd="0" presId="urn:microsoft.com/office/officeart/2005/8/layout/vList2"/>
+    <dgm:cxn modelId="{75EFCF67-004A-4A13-AC60-80FC5828F0CC}" srcId="{7A7B0B22-734B-4B60-945C-1C217C0DCF06}" destId="{9E15A5BC-F5FB-4E00-804A-B436A47DF563}" srcOrd="0" destOrd="0" parTransId="{2CB3AB6F-EC4C-462C-B0A4-BF6AE9730CE1}" sibTransId="{AFC0727E-1890-487B-A3E2-065B0FBAA484}"/>
+    <dgm:cxn modelId="{85CADC55-BCF0-4E57-9CF1-60AC2789B93A}" type="presOf" srcId="{C901F106-DC0E-410B-B6B5-8ACA44DDD770}" destId="{1FD7BE0E-4983-47C5-BFC4-098EA77686C0}" srcOrd="0" destOrd="3" presId="urn:microsoft.com/office/officeart/2005/8/layout/vList2"/>
+    <dgm:cxn modelId="{168F9192-8636-48B1-AE42-A3701B68A268}" type="presOf" srcId="{371CAAA0-553A-4287-BC28-19D08863B9E7}" destId="{1FD7BE0E-4983-47C5-BFC4-098EA77686C0}" srcOrd="0" destOrd="2" presId="urn:microsoft.com/office/officeart/2005/8/layout/vList2"/>
+    <dgm:cxn modelId="{5DD742A0-E47B-434B-A367-28698D9A94AC}" srcId="{DC995058-FF0E-41CB-83DE-49CB7AA0451B}" destId="{7A7B0B22-734B-4B60-945C-1C217C0DCF06}" srcOrd="0" destOrd="0" parTransId="{456BE404-FE92-4653-847B-13A4C466193B}" sibTransId="{AE7C2B2F-D38B-4001-BCA5-264E08C8A118}"/>
+    <dgm:cxn modelId="{DAC12EA8-D868-4325-ACB9-D9BF3C7EDE4D}" type="presOf" srcId="{37B1083F-5F9D-4EF9-B7A1-F5D4A9BED552}" destId="{1FD7BE0E-4983-47C5-BFC4-098EA77686C0}" srcOrd="0" destOrd="4" presId="urn:microsoft.com/office/officeart/2005/8/layout/vList2"/>
+    <dgm:cxn modelId="{C73B15CA-F903-47C8-9A56-1F663AD6D45A}" type="presOf" srcId="{7A7B0B22-734B-4B60-945C-1C217C0DCF06}" destId="{21512F9D-CB85-41E5-9782-82FB2BC55C5A}" srcOrd="0" destOrd="0" presId="urn:microsoft.com/office/officeart/2005/8/layout/vList2"/>
     <dgm:cxn modelId="{47A244CF-CC22-4301-8F69-727FD5D93BC8}" srcId="{7A7B0B22-734B-4B60-945C-1C217C0DCF06}" destId="{4099513A-59D9-46D4-8773-E5C9061AA494}" srcOrd="1" destOrd="0" parTransId="{ED8F94D8-FA52-46E1-B737-9ACD1336EC6D}" sibTransId="{1F12A164-1875-48EC-A15E-F404BF810F89}"/>
-    <dgm:cxn modelId="{DCF94907-6DF5-42B9-9B40-4B748013339F}" type="presOf" srcId="{DC995058-FF0E-41CB-83DE-49CB7AA0451B}" destId="{B8E74565-FFDD-4628-9D12-03E931DBC576}" srcOrd="0" destOrd="0" presId="urn:microsoft.com/office/officeart/2005/8/layout/vList2"/>
+    <dgm:cxn modelId="{642EB2D3-C439-498A-B2D6-DAC8BC54BD1A}" type="presOf" srcId="{4099513A-59D9-46D4-8773-E5C9061AA494}" destId="{1FD7BE0E-4983-47C5-BFC4-098EA77686C0}" srcOrd="0" destOrd="1" presId="urn:microsoft.com/office/officeart/2005/8/layout/vList2"/>
     <dgm:cxn modelId="{98D043D9-AC68-412D-9D3F-EB90CA262758}" srcId="{7A7B0B22-734B-4B60-945C-1C217C0DCF06}" destId="{371CAAA0-553A-4287-BC28-19D08863B9E7}" srcOrd="2" destOrd="0" parTransId="{227C915B-E4DF-4E54-A3BB-05F0181BA3C1}" sibTransId="{4751C367-B6B0-4610-9A17-9E8523D1F0DB}"/>
-    <dgm:cxn modelId="{642EB2D3-C439-498A-B2D6-DAC8BC54BD1A}" type="presOf" srcId="{4099513A-59D9-46D4-8773-E5C9061AA494}" destId="{1FD7BE0E-4983-47C5-BFC4-098EA77686C0}" srcOrd="0" destOrd="1" presId="urn:microsoft.com/office/officeart/2005/8/layout/vList2"/>
+    <dgm:cxn modelId="{09BDFAE1-A3C1-4F6D-A37C-2EFD851F5F35}" type="presOf" srcId="{9E15A5BC-F5FB-4E00-804A-B436A47DF563}" destId="{1FD7BE0E-4983-47C5-BFC4-098EA77686C0}" srcOrd="0" destOrd="0" presId="urn:microsoft.com/office/officeart/2005/8/layout/vList2"/>
+    <dgm:cxn modelId="{170E3DF7-D70F-451A-A11A-51DF9A0BDAF6}" srcId="{7A7B0B22-734B-4B60-945C-1C217C0DCF06}" destId="{37B1083F-5F9D-4EF9-B7A1-F5D4A9BED552}" srcOrd="4" destOrd="0" parTransId="{B05BC6FF-B78D-402B-B893-CF46A53438BA}" sibTransId="{4B78AF72-CAF9-4DD9-A13F-E7A8318C9F99}"/>
     <dgm:cxn modelId="{9492A9F8-89BD-411D-AB21-5F59FED40E43}" srcId="{7A7B0B22-734B-4B60-945C-1C217C0DCF06}" destId="{C901F106-DC0E-410B-B6B5-8ACA44DDD770}" srcOrd="3" destOrd="0" parTransId="{DA845C3F-5661-4CEC-8AF9-3FF1E5A6733A}" sibTransId="{E25C93A2-ADAF-433A-A457-56D7ECD2B4F4}"/>
-    <dgm:cxn modelId="{C73B15CA-F903-47C8-9A56-1F663AD6D45A}" type="presOf" srcId="{7A7B0B22-734B-4B60-945C-1C217C0DCF06}" destId="{21512F9D-CB85-41E5-9782-82FB2BC55C5A}" srcOrd="0" destOrd="0" presId="urn:microsoft.com/office/officeart/2005/8/layout/vList2"/>
-    <dgm:cxn modelId="{168F9192-8636-48B1-AE42-A3701B68A268}" type="presOf" srcId="{371CAAA0-553A-4287-BC28-19D08863B9E7}" destId="{1FD7BE0E-4983-47C5-BFC4-098EA77686C0}" srcOrd="0" destOrd="2" presId="urn:microsoft.com/office/officeart/2005/8/layout/vList2"/>
-    <dgm:cxn modelId="{75EFCF67-004A-4A13-AC60-80FC5828F0CC}" srcId="{7A7B0B22-734B-4B60-945C-1C217C0DCF06}" destId="{9E15A5BC-F5FB-4E00-804A-B436A47DF563}" srcOrd="0" destOrd="0" parTransId="{2CB3AB6F-EC4C-462C-B0A4-BF6AE9730CE1}" sibTransId="{AFC0727E-1890-487B-A3E2-065B0FBAA484}"/>
-    <dgm:cxn modelId="{DAC12EA8-D868-4325-ACB9-D9BF3C7EDE4D}" type="presOf" srcId="{37B1083F-5F9D-4EF9-B7A1-F5D4A9BED552}" destId="{1FD7BE0E-4983-47C5-BFC4-098EA77686C0}" srcOrd="0" destOrd="4" presId="urn:microsoft.com/office/officeart/2005/8/layout/vList2"/>
-    <dgm:cxn modelId="{5DD742A0-E47B-434B-A367-28698D9A94AC}" srcId="{DC995058-FF0E-41CB-83DE-49CB7AA0451B}" destId="{7A7B0B22-734B-4B60-945C-1C217C0DCF06}" srcOrd="0" destOrd="0" parTransId="{456BE404-FE92-4653-847B-13A4C466193B}" sibTransId="{AE7C2B2F-D38B-4001-BCA5-264E08C8A118}"/>
-    <dgm:cxn modelId="{09BDFAE1-A3C1-4F6D-A37C-2EFD851F5F35}" type="presOf" srcId="{9E15A5BC-F5FB-4E00-804A-B436A47DF563}" destId="{1FD7BE0E-4983-47C5-BFC4-098EA77686C0}" srcOrd="0" destOrd="0" presId="urn:microsoft.com/office/officeart/2005/8/layout/vList2"/>
-    <dgm:cxn modelId="{85CADC55-BCF0-4E57-9CF1-60AC2789B93A}" type="presOf" srcId="{C901F106-DC0E-410B-B6B5-8ACA44DDD770}" destId="{1FD7BE0E-4983-47C5-BFC4-098EA77686C0}" srcOrd="0" destOrd="3" presId="urn:microsoft.com/office/officeart/2005/8/layout/vList2"/>
-    <dgm:cxn modelId="{170E3DF7-D70F-451A-A11A-51DF9A0BDAF6}" srcId="{7A7B0B22-734B-4B60-945C-1C217C0DCF06}" destId="{37B1083F-5F9D-4EF9-B7A1-F5D4A9BED552}" srcOrd="4" destOrd="0" parTransId="{B05BC6FF-B78D-402B-B893-CF46A53438BA}" sibTransId="{4B78AF72-CAF9-4DD9-A13F-E7A8318C9F99}"/>
     <dgm:cxn modelId="{AE537485-6DED-4404-AEF5-B924F6B18CE8}" type="presParOf" srcId="{B8E74565-FFDD-4628-9D12-03E931DBC576}" destId="{21512F9D-CB85-41E5-9782-82FB2BC55C5A}" srcOrd="0" destOrd="0" presId="urn:microsoft.com/office/officeart/2005/8/layout/vList2"/>
     <dgm:cxn modelId="{50B6E878-5107-4AB3-9262-FDA290DAFED9}" type="presParOf" srcId="{B8E74565-FFDD-4628-9D12-03E931DBC576}" destId="{1FD7BE0E-4983-47C5-BFC4-098EA77686C0}" srcOrd="1" destOrd="0" presId="urn:microsoft.com/office/officeart/2005/8/layout/vList2"/>
   </dgm:cxnLst>
@@ -1510,7 +1491,7 @@
         </a:bodyPr>
         <a:lstStyle/>
         <a:p>
-          <a:pPr lvl="0" algn="l" defTabSz="1066800" rtl="0">
+          <a:pPr marL="0" lvl="0" indent="0" algn="l" defTabSz="1066800" rtl="0">
             <a:lnSpc>
               <a:spcPct val="90000"/>
             </a:lnSpc>
@@ -1520,6 +1501,7 @@
             <a:spcAft>
               <a:spcPct val="35000"/>
             </a:spcAft>
+            <a:buNone/>
           </a:pPr>
           <a:r>
             <a:rPr lang="en-US" altLang="zh-CN" sz="2400" b="1" kern="1200" dirty="0"/>
@@ -1580,7 +1562,7 @@
             <a:spcAft>
               <a:spcPct val="20000"/>
             </a:spcAft>
-            <a:buChar char="••"/>
+            <a:buChar char="•"/>
           </a:pPr>
           <a:r>
             <a:rPr lang="en-US" sz="1900" kern="1200" dirty="0">
@@ -1627,7 +1609,7 @@
             <a:spcAft>
               <a:spcPct val="20000"/>
             </a:spcAft>
-            <a:buChar char="••"/>
+            <a:buChar char="•"/>
           </a:pPr>
           <a:r>
             <a:rPr lang="en-US" sz="1900" kern="1200" dirty="0">
@@ -1686,7 +1668,7 @@
             <a:spcAft>
               <a:spcPct val="20000"/>
             </a:spcAft>
-            <a:buChar char="••"/>
+            <a:buChar char="•"/>
           </a:pPr>
           <a:r>
             <a:rPr lang="en-US" sz="1900" kern="1200" dirty="0">
@@ -1753,7 +1735,7 @@
             <a:spcAft>
               <a:spcPct val="20000"/>
             </a:spcAft>
-            <a:buChar char="••"/>
+            <a:buChar char="•"/>
           </a:pPr>
           <a:r>
             <a:rPr lang="en-US" sz="1900" kern="1200" dirty="0">
@@ -1804,7 +1786,7 @@
             <a:spcAft>
               <a:spcPct val="20000"/>
             </a:spcAft>
-            <a:buChar char="••"/>
+            <a:buChar char="•"/>
           </a:pPr>
           <a:r>
             <a:rPr lang="en-US" sz="1900" kern="1200" dirty="0">
@@ -3142,7 +3124,7 @@
                 <a:ea typeface="微软雅黑" panose="020B0503020204020204" pitchFamily="34" charset="-122"/>
               </a:rPr>
               <a:pPr algn="r" rtl="0"/>
-              <a:t>2018/6/7</a:t>
+              <a:t>2018/6/11</a:t>
             </a:fld>
             <a:endParaRPr lang="zh-CN" altLang="en-US" dirty="0">
               <a:latin typeface="微软雅黑" panose="020B0503020204020204" pitchFamily="34" charset="-122"/>
@@ -3329,7 +3311,7 @@
             <a:fld id="{229B22C3-6CB1-491B-AD00-E0837F23A3F3}" type="datetime1">
               <a:rPr lang="zh-CN" altLang="en-US" smtClean="0"/>
               <a:pPr/>
-              <a:t>2018/6/7</a:t>
+              <a:t>2018/6/11</a:t>
             </a:fld>
             <a:endParaRPr lang="zh-CN" altLang="en-US" dirty="0"/>
           </a:p>
@@ -5411,7 +5393,7 @@
             <a:fld id="{A7392AAC-879E-4B39-8824-AF6B730A809E}" type="datetime1">
               <a:rPr lang="zh-CN" altLang="en-US" smtClean="0"/>
               <a:pPr/>
-              <a:t>2018/6/7</a:t>
+              <a:t>2018/6/11</a:t>
             </a:fld>
             <a:endParaRPr lang="zh-CN" altLang="en-US" dirty="0"/>
           </a:p>
@@ -5752,7 +5734,7 @@
             <a:fld id="{7118C275-B304-48F5-8C4F-015CBCF4E7C1}" type="datetime1">
               <a:rPr lang="zh-CN" altLang="en-US" smtClean="0"/>
               <a:pPr/>
-              <a:t>2018/6/7</a:t>
+              <a:t>2018/6/11</a:t>
             </a:fld>
             <a:r>
               <a:rPr lang="zh-CN" altLang="en-US" dirty="0"/>
@@ -5958,7 +5940,7 @@
             <a:fld id="{98791AA9-DDCB-4BA8-AD1D-963A3AA00622}" type="datetime1">
               <a:rPr lang="zh-CN" altLang="en-US" smtClean="0"/>
               <a:pPr/>
-              <a:t>2018/6/7</a:t>
+              <a:t>2018/6/11</a:t>
             </a:fld>
             <a:endParaRPr lang="zh-CN" altLang="en-US" dirty="0"/>
           </a:p>
@@ -6162,7 +6144,7 @@
             <a:fld id="{9170426F-E661-472B-BE42-25E072CD46D9}" type="datetime1">
               <a:rPr lang="zh-CN" altLang="en-US" smtClean="0"/>
               <a:pPr/>
-              <a:t>2018/6/7</a:t>
+              <a:t>2018/6/11</a:t>
             </a:fld>
             <a:endParaRPr lang="zh-CN" altLang="en-US" dirty="0"/>
           </a:p>
@@ -6484,7 +6466,7 @@
             <a:fld id="{9BA78444-6099-4C0A-A3A9-C6F3C5D7F289}" type="datetime1">
               <a:rPr lang="zh-CN" altLang="en-US" smtClean="0"/>
               <a:pPr/>
-              <a:t>2018/6/7</a:t>
+              <a:t>2018/6/11</a:t>
             </a:fld>
             <a:endParaRPr lang="zh-CN" altLang="en-US" dirty="0"/>
           </a:p>
@@ -7596,7 +7578,7 @@
             <a:fld id="{AF5F6A19-70BF-4380-9A40-68C9536408C6}" type="datetime1">
               <a:rPr lang="zh-CN" altLang="en-US" smtClean="0"/>
               <a:pPr/>
-              <a:t>2018/6/7</a:t>
+              <a:t>2018/6/11</a:t>
             </a:fld>
             <a:endParaRPr lang="zh-CN" altLang="en-US" dirty="0"/>
           </a:p>
@@ -7995,7 +7977,7 @@
             <a:fld id="{6017EB90-196C-4C15-BD31-13E0E0436C73}" type="datetime1">
               <a:rPr lang="zh-CN" altLang="en-US" smtClean="0"/>
               <a:pPr/>
-              <a:t>2018/6/7</a:t>
+              <a:t>2018/6/11</a:t>
             </a:fld>
             <a:r>
               <a:rPr lang="zh-CN" altLang="en-US" dirty="0"/>
@@ -8477,7 +8459,7 @@
             <a:fld id="{C2EC0F41-B48F-4298-A7F6-618EB9D22195}" type="datetime1">
               <a:rPr lang="zh-CN" altLang="en-US" smtClean="0"/>
               <a:pPr/>
-              <a:t>2018/6/7</a:t>
+              <a:t>2018/6/11</a:t>
             </a:fld>
             <a:endParaRPr lang="zh-CN" altLang="en-US" dirty="0"/>
           </a:p>
@@ -8628,7 +8610,7 @@
             <a:fld id="{7DB2D836-56E8-4B15-857C-14B1A5B3B67B}" type="datetime1">
               <a:rPr lang="zh-CN" altLang="en-US" smtClean="0"/>
               <a:pPr/>
-              <a:t>2018/6/7</a:t>
+              <a:t>2018/6/11</a:t>
             </a:fld>
             <a:endParaRPr lang="zh-CN" altLang="en-US" dirty="0"/>
           </a:p>
@@ -8746,7 +8728,7 @@
             <a:fld id="{038D929F-7D8C-4CC3-8AC7-BB9B8FE2DEBF}" type="datetime1">
               <a:rPr lang="zh-CN" altLang="en-US" smtClean="0"/>
               <a:pPr/>
-              <a:t>2018/6/7</a:t>
+              <a:t>2018/6/11</a:t>
             </a:fld>
             <a:endParaRPr lang="zh-CN" altLang="en-US" dirty="0"/>
           </a:p>
@@ -9049,7 +9031,7 @@
             <a:fld id="{F7892ACC-8BC8-4C9E-9D2B-0669DA5038B6}" type="datetime1">
               <a:rPr lang="zh-CN" altLang="en-US" smtClean="0"/>
               <a:pPr/>
-              <a:t>2018/6/7</a:t>
+              <a:t>2018/6/11</a:t>
             </a:fld>
             <a:endParaRPr lang="zh-CN" altLang="en-US" dirty="0"/>
           </a:p>
@@ -9315,7 +9297,7 @@
             <a:fld id="{660B6A15-7713-4A08-BBFD-F297CCC2B976}" type="datetime1">
               <a:rPr lang="zh-CN" altLang="en-US" smtClean="0"/>
               <a:pPr/>
-              <a:t>2018/6/7</a:t>
+              <a:t>2018/6/11</a:t>
             </a:fld>
             <a:r>
               <a:rPr lang="zh-CN" altLang="en-US" dirty="0"/>
@@ -10065,7 +10047,7 @@
           <a:lstStyle/>
           <a:p>
             <a:r>
-              <a:rPr lang="en-US" altLang="zh-CN" dirty="0" smtClean="0"/>
+              <a:rPr lang="en-US" altLang="zh-CN" dirty="0"/>
               <a:t>Token-Example</a:t>
             </a:r>
             <a:endParaRPr lang="zh-CN" altLang="en-US" dirty="0"/>
@@ -10248,12 +10230,8 @@
           <a:lstStyle/>
           <a:p>
             <a:r>
-              <a:rPr lang="en-US" altLang="zh-CN" dirty="0" smtClean="0"/>
-              <a:t>DFA </a:t>
-            </a:r>
-            <a:r>
               <a:rPr lang="en-US" altLang="zh-CN" dirty="0"/>
-              <a:t>and NFA – definition</a:t>
+              <a:t>DFA and NFA – definition</a:t>
             </a:r>
             <a:endParaRPr lang="zh-CN" altLang="en-US" dirty="0"/>
           </a:p>
@@ -14614,28 +14592,28 @@
                 <a:gridCol w="1774242">
                   <a:extLst>
                     <a:ext uri="{9D8B030D-6E8A-4147-A177-3AD203B41FA5}">
-                      <a16:colId xmlns:a16="http://schemas.microsoft.com/office/drawing/2014/main" xmlns="" val="20000"/>
+                      <a16:colId xmlns:a16="http://schemas.microsoft.com/office/drawing/2014/main" val="20000"/>
                     </a:ext>
                   </a:extLst>
                 </a:gridCol>
                 <a:gridCol w="3107999">
                   <a:extLst>
                     <a:ext uri="{9D8B030D-6E8A-4147-A177-3AD203B41FA5}">
-                      <a16:colId xmlns:a16="http://schemas.microsoft.com/office/drawing/2014/main" xmlns="" val="20001"/>
+                      <a16:colId xmlns:a16="http://schemas.microsoft.com/office/drawing/2014/main" val="20001"/>
                     </a:ext>
                   </a:extLst>
                 </a:gridCol>
                 <a:gridCol w="1159329">
                   <a:extLst>
                     <a:ext uri="{9D8B030D-6E8A-4147-A177-3AD203B41FA5}">
-                      <a16:colId xmlns:a16="http://schemas.microsoft.com/office/drawing/2014/main" xmlns="" val="20002"/>
+                      <a16:colId xmlns:a16="http://schemas.microsoft.com/office/drawing/2014/main" val="20002"/>
                     </a:ext>
                   </a:extLst>
                 </a:gridCol>
                 <a:gridCol w="881743">
                   <a:extLst>
                     <a:ext uri="{9D8B030D-6E8A-4147-A177-3AD203B41FA5}">
-                      <a16:colId xmlns:a16="http://schemas.microsoft.com/office/drawing/2014/main" xmlns="" val="20003"/>
+                      <a16:colId xmlns:a16="http://schemas.microsoft.com/office/drawing/2014/main" val="20003"/>
                     </a:ext>
                   </a:extLst>
                 </a:gridCol>
@@ -14755,7 +14733,7 @@
                 </a:tc>
                 <a:extLst>
                   <a:ext uri="{0D108BD9-81ED-4DB2-BD59-A6C34878D82A}">
-                    <a16:rowId xmlns:a16="http://schemas.microsoft.com/office/drawing/2014/main" xmlns="" val="10000"/>
+                    <a16:rowId xmlns:a16="http://schemas.microsoft.com/office/drawing/2014/main" val="10000"/>
                   </a:ext>
                 </a:extLst>
               </a:tr>
@@ -14889,7 +14867,7 @@
                 </a:tc>
                 <a:extLst>
                   <a:ext uri="{0D108BD9-81ED-4DB2-BD59-A6C34878D82A}">
-                    <a16:rowId xmlns:a16="http://schemas.microsoft.com/office/drawing/2014/main" xmlns="" val="10001"/>
+                    <a16:rowId xmlns:a16="http://schemas.microsoft.com/office/drawing/2014/main" val="10001"/>
                   </a:ext>
                 </a:extLst>
               </a:tr>
@@ -14951,7 +14929,7 @@
                 </a:tc>
                 <a:extLst>
                   <a:ext uri="{0D108BD9-81ED-4DB2-BD59-A6C34878D82A}">
-                    <a16:rowId xmlns:a16="http://schemas.microsoft.com/office/drawing/2014/main" xmlns="" val="10002"/>
+                    <a16:rowId xmlns:a16="http://schemas.microsoft.com/office/drawing/2014/main" val="10002"/>
                   </a:ext>
                 </a:extLst>
               </a:tr>
@@ -15681,7 +15659,7 @@
           <a:lstStyle/>
           <a:p>
             <a:r>
-              <a:rPr lang="en-US" altLang="zh-CN" dirty="0" smtClean="0"/>
+              <a:rPr lang="en-US" altLang="zh-CN" dirty="0"/>
               <a:t>Example</a:t>
             </a:r>
             <a:endParaRPr lang="zh-CN" altLang="en-US" dirty="0"/>
@@ -15773,7 +15751,7 @@
           <a:graphicData uri="http://schemas.openxmlformats.org/presentationml/2006/ole">
             <mc:AlternateContent xmlns:mc="http://schemas.openxmlformats.org/markup-compatibility/2006">
               <mc:Choice xmlns:v="urn:schemas-microsoft-com:vml" Requires="v">
-                <p:oleObj spid="_x0000_s3082" name="Visio" r:id="rId3" imgW="3314614" imgH="1504835" progId="Visio.Drawing.15">
+                <p:oleObj spid="_x0000_s3087" name="Visio" r:id="rId3" imgW="3314614" imgH="1504835" progId="Visio.Drawing.15">
                   <p:embed/>
                 </p:oleObj>
               </mc:Choice>
@@ -15843,9 +15821,27 @@
                 <a:tableStyleId>{5C22544A-7EE6-4342-B048-85BDC9FD1C3A}</a:tableStyleId>
               </a:tblPr>
               <a:tblGrid>
-                <a:gridCol w="1359517"/>
-                <a:gridCol w="2336356"/>
-                <a:gridCol w="2465441"/>
+                <a:gridCol w="1359517">
+                  <a:extLst>
+                    <a:ext uri="{9D8B030D-6E8A-4147-A177-3AD203B41FA5}">
+                      <a16:colId xmlns:a16="http://schemas.microsoft.com/office/drawing/2014/main" val="20000"/>
+                    </a:ext>
+                  </a:extLst>
+                </a:gridCol>
+                <a:gridCol w="2336356">
+                  <a:extLst>
+                    <a:ext uri="{9D8B030D-6E8A-4147-A177-3AD203B41FA5}">
+                      <a16:colId xmlns:a16="http://schemas.microsoft.com/office/drawing/2014/main" val="20001"/>
+                    </a:ext>
+                  </a:extLst>
+                </a:gridCol>
+                <a:gridCol w="2465441">
+                  <a:extLst>
+                    <a:ext uri="{9D8B030D-6E8A-4147-A177-3AD203B41FA5}">
+                      <a16:colId xmlns:a16="http://schemas.microsoft.com/office/drawing/2014/main" val="20002"/>
+                    </a:ext>
+                  </a:extLst>
+                </a:gridCol>
               </a:tblGrid>
               <a:tr h="389164">
                 <a:tc>
@@ -15973,6 +15969,11 @@
                   </a:txBody>
                   <a:tcPr marL="68580" marR="68580" marT="0" marB="0"/>
                 </a:tc>
+                <a:extLst>
+                  <a:ext uri="{0D108BD9-81ED-4DB2-BD59-A6C34878D82A}">
+                    <a16:rowId xmlns:a16="http://schemas.microsoft.com/office/drawing/2014/main" val="10000"/>
+                  </a:ext>
+                </a:extLst>
               </a:tr>
               <a:tr h="272143">
                 <a:tc>
@@ -16050,6 +16051,11 @@
                   </a:txBody>
                   <a:tcPr marL="68580" marR="68580" marT="0" marB="0"/>
                 </a:tc>
+                <a:extLst>
+                  <a:ext uri="{0D108BD9-81ED-4DB2-BD59-A6C34878D82A}">
+                    <a16:rowId xmlns:a16="http://schemas.microsoft.com/office/drawing/2014/main" val="10001"/>
+                  </a:ext>
+                </a:extLst>
               </a:tr>
               <a:tr h="239486">
                 <a:tc>
@@ -16127,6 +16133,11 @@
                   </a:txBody>
                   <a:tcPr marL="68580" marR="68580" marT="0" marB="0"/>
                 </a:tc>
+                <a:extLst>
+                  <a:ext uri="{0D108BD9-81ED-4DB2-BD59-A6C34878D82A}">
+                    <a16:rowId xmlns:a16="http://schemas.microsoft.com/office/drawing/2014/main" val="10002"/>
+                  </a:ext>
+                </a:extLst>
               </a:tr>
               <a:tr h="228600">
                 <a:tc>
@@ -16204,6 +16215,11 @@
                   </a:txBody>
                   <a:tcPr marL="68580" marR="68580" marT="0" marB="0"/>
                 </a:tc>
+                <a:extLst>
+                  <a:ext uri="{0D108BD9-81ED-4DB2-BD59-A6C34878D82A}">
+                    <a16:rowId xmlns:a16="http://schemas.microsoft.com/office/drawing/2014/main" val="10003"/>
+                  </a:ext>
+                </a:extLst>
               </a:tr>
               <a:tr h="360589">
                 <a:tc>
@@ -16281,6 +16297,11 @@
                   </a:txBody>
                   <a:tcPr marL="68580" marR="68580" marT="0" marB="0"/>
                 </a:tc>
+                <a:extLst>
+                  <a:ext uri="{0D108BD9-81ED-4DB2-BD59-A6C34878D82A}">
+                    <a16:rowId xmlns:a16="http://schemas.microsoft.com/office/drawing/2014/main" val="10004"/>
+                  </a:ext>
+                </a:extLst>
               </a:tr>
             </a:tbl>
           </a:graphicData>
@@ -16345,11 +16366,7 @@
           <a:p>
             <a:r>
               <a:rPr lang="en-US" altLang="zh-CN" dirty="0"/>
-              <a:t>2.2 Context-free Grammar – </a:t>
-            </a:r>
-            <a:r>
-              <a:rPr lang="en-US" altLang="zh-CN" dirty="0" smtClean="0"/>
-              <a:t>Derivations</a:t>
+              <a:t>2.2 Context-free Grammar – Derivations</a:t>
             </a:r>
             <a:endParaRPr lang="zh-CN" altLang="en-US" dirty="0"/>
           </a:p>
@@ -16373,16 +16390,15 @@
           <a:lstStyle/>
           <a:p>
             <a:r>
-              <a:rPr lang="en-US" altLang="zh-CN" sz="2000" dirty="0" smtClean="0"/>
+              <a:rPr lang="en-US" altLang="zh-CN" sz="2000" dirty="0"/>
               <a:t>A grammar derives strings by beginning with the start symbol and repeatedly replacing a nonterminal by the body of a production for that nonterminal. </a:t>
             </a:r>
           </a:p>
           <a:p>
             <a:r>
-              <a:rPr lang="en-US" altLang="zh-CN" sz="2000" dirty="0" smtClean="0"/>
+              <a:rPr lang="en-US" altLang="zh-CN" sz="2000" dirty="0"/>
               <a:t>Strictly, we call that          derives        in one step, i.e.,</a:t>
             </a:r>
-            <a:endParaRPr lang="en-US" altLang="zh-CN" sz="2000" dirty="0"/>
           </a:p>
           <a:p>
             <a:pPr marL="0" indent="0">
@@ -16390,11 +16406,7 @@
             </a:pPr>
             <a:r>
               <a:rPr lang="en-US" altLang="zh-CN" sz="2000" dirty="0"/>
-              <a:t> </a:t>
-            </a:r>
-            <a:r>
-              <a:rPr lang="en-US" altLang="zh-CN" sz="2000" dirty="0" smtClean="0"/>
-              <a:t>  if and only if            is a production, and                           . </a:t>
+              <a:t>   if and only if            is a production, and                           . </a:t>
             </a:r>
           </a:p>
           <a:p>
@@ -16403,11 +16415,7 @@
             </a:pPr>
             <a:r>
               <a:rPr lang="en-US" altLang="zh-CN" sz="2000" dirty="0"/>
-              <a:t> </a:t>
-            </a:r>
-            <a:r>
-              <a:rPr lang="en-US" altLang="zh-CN" sz="2000" dirty="0" smtClean="0"/>
-              <a:t>      means “derives in one step”. When a sequence of derivation steps                               rewrites             , we say </a:t>
+              <a:t>       means “derives in one step”. When a sequence of derivation steps                               rewrites             , we say </a:t>
             </a:r>
           </a:p>
           <a:p>
@@ -16416,35 +16424,7 @@
             </a:pPr>
             <a:r>
               <a:rPr lang="en-US" altLang="zh-CN" sz="2000" dirty="0"/>
-              <a:t> </a:t>
-            </a:r>
-            <a:r>
-              <a:rPr lang="en-US" altLang="zh-CN" sz="2000" dirty="0" smtClean="0"/>
-              <a:t>                    . We use symbol”    and symbol </a:t>
-            </a:r>
-            <a:r>
-              <a:rPr lang="en-US" altLang="zh-CN" sz="2000" dirty="0"/>
-              <a:t>to represent “derives in zero or more </a:t>
-            </a:r>
-            <a:r>
-              <a:rPr lang="en-US" altLang="zh-CN" sz="2000" dirty="0" smtClean="0"/>
-              <a:t>steps” and symbol        to </a:t>
-            </a:r>
-            <a:r>
-              <a:rPr lang="en-US" altLang="zh-CN" sz="2000" dirty="0"/>
-              <a:t>represent “derives in </a:t>
-            </a:r>
-            <a:r>
-              <a:rPr lang="en-US" altLang="zh-CN" sz="2000" dirty="0" smtClean="0"/>
-              <a:t>one or </a:t>
-            </a:r>
-            <a:r>
-              <a:rPr lang="en-US" altLang="zh-CN" sz="2000" dirty="0"/>
-              <a:t>more </a:t>
-            </a:r>
-            <a:r>
-              <a:rPr lang="en-US" altLang="zh-CN" sz="2000" dirty="0" smtClean="0"/>
-              <a:t>steps”.</a:t>
+              <a:t>                     . We use symbol”    and symbol to represent “derives in zero or more steps” and symbol        to represent “derives in one or more steps”.</a:t>
             </a:r>
           </a:p>
           <a:p>
@@ -16452,27 +16432,27 @@
               <a:buNone/>
             </a:pPr>
             <a:r>
-              <a:rPr lang="en-US" altLang="zh-CN" sz="2000" dirty="0" smtClean="0"/>
+              <a:rPr lang="en-US" altLang="zh-CN" sz="2000" dirty="0"/>
               <a:t>If            , where </a:t>
             </a:r>
             <a:r>
-              <a:rPr lang="en-US" altLang="zh-CN" sz="2000" i="1" dirty="0" smtClean="0"/>
+              <a:rPr lang="en-US" altLang="zh-CN" sz="2000" i="1" dirty="0"/>
               <a:t>S</a:t>
             </a:r>
             <a:r>
-              <a:rPr lang="en-US" altLang="zh-CN" sz="2000" dirty="0" smtClean="0"/>
+              <a:rPr lang="en-US" altLang="zh-CN" sz="2000" dirty="0"/>
               <a:t> is the start symbol of a grammar </a:t>
             </a:r>
             <a:r>
-              <a:rPr lang="en-US" altLang="zh-CN" sz="2000" i="1" dirty="0" smtClean="0"/>
+              <a:rPr lang="en-US" altLang="zh-CN" sz="2000" i="1" dirty="0"/>
               <a:t>G</a:t>
             </a:r>
             <a:r>
-              <a:rPr lang="en-US" altLang="zh-CN" sz="2000" dirty="0" smtClean="0"/>
+              <a:rPr lang="en-US" altLang="zh-CN" sz="2000" dirty="0"/>
               <a:t>, we say that    is a </a:t>
             </a:r>
             <a:r>
-              <a:rPr lang="en-US" altLang="zh-CN" sz="2000" i="1" dirty="0" smtClean="0">
+              <a:rPr lang="en-US" altLang="zh-CN" sz="2000" i="1" dirty="0">
                 <a:solidFill>
                   <a:srgbClr val="FF0000"/>
                 </a:solidFill>
@@ -16480,7 +16460,7 @@
               <a:t>sentential form </a:t>
             </a:r>
             <a:r>
-              <a:rPr lang="en-US" altLang="zh-CN" sz="2000" dirty="0" smtClean="0"/>
+              <a:rPr lang="en-US" altLang="zh-CN" sz="2000" dirty="0"/>
               <a:t>of G.</a:t>
             </a:r>
             <a:endParaRPr lang="zh-CN" altLang="en-US" sz="2000" dirty="0"/>
@@ -16505,7 +16485,7 @@
           <a:graphicData uri="http://schemas.openxmlformats.org/presentationml/2006/ole">
             <mc:AlternateContent xmlns:mc="http://schemas.openxmlformats.org/markup-compatibility/2006">
               <mc:Choice xmlns:v="urn:schemas-microsoft-com:vml" Requires="v">
-                <p:oleObj spid="_x0000_s7247" name="Equation" r:id="rId3" imgW="444240" imgH="203040" progId="Equation.DSMT4">
+                <p:oleObj spid="_x0000_s7312" name="Equation" r:id="rId3" imgW="444240" imgH="203040" progId="Equation.DSMT4">
                   <p:embed/>
                 </p:oleObj>
               </mc:Choice>
@@ -16558,7 +16538,7 @@
           <a:graphicData uri="http://schemas.openxmlformats.org/presentationml/2006/ole">
             <mc:AlternateContent xmlns:mc="http://schemas.openxmlformats.org/markup-compatibility/2006">
               <mc:Choice xmlns:v="urn:schemas-microsoft-com:vml" Requires="v">
-                <p:oleObj spid="_x0000_s7248" name="Equation" r:id="rId5" imgW="355320" imgH="203040" progId="Equation.DSMT4">
+                <p:oleObj spid="_x0000_s7313" name="Equation" r:id="rId5" imgW="355320" imgH="203040" progId="Equation.DSMT4">
                   <p:embed/>
                 </p:oleObj>
               </mc:Choice>
@@ -16611,7 +16591,7 @@
           <a:graphicData uri="http://schemas.openxmlformats.org/presentationml/2006/ole">
             <mc:AlternateContent xmlns:mc="http://schemas.openxmlformats.org/markup-compatibility/2006">
               <mc:Choice xmlns:v="urn:schemas-microsoft-com:vml" Requires="v">
-                <p:oleObj spid="_x0000_s7249" name="Equation" r:id="rId7" imgW="304560" imgH="203040" progId="Equation.DSMT4">
+                <p:oleObj spid="_x0000_s7314" name="Equation" r:id="rId7" imgW="304560" imgH="203040" progId="Equation.DSMT4">
                   <p:embed/>
                 </p:oleObj>
               </mc:Choice>
@@ -16664,7 +16644,7 @@
           <a:graphicData uri="http://schemas.openxmlformats.org/presentationml/2006/ole">
             <mc:AlternateContent xmlns:mc="http://schemas.openxmlformats.org/markup-compatibility/2006">
               <mc:Choice xmlns:v="urn:schemas-microsoft-com:vml" Requires="v">
-                <p:oleObj spid="_x0000_s7250" name="Equation" r:id="rId9" imgW="825480" imgH="203040" progId="Equation.DSMT4">
+                <p:oleObj spid="_x0000_s7315" name="Equation" r:id="rId9" imgW="825480" imgH="203040" progId="Equation.DSMT4">
                   <p:embed/>
                 </p:oleObj>
               </mc:Choice>
@@ -16717,7 +16697,7 @@
           <a:graphicData uri="http://schemas.openxmlformats.org/presentationml/2006/ole">
             <mc:AlternateContent xmlns:mc="http://schemas.openxmlformats.org/markup-compatibility/2006">
               <mc:Choice xmlns:v="urn:schemas-microsoft-com:vml" Requires="v">
-                <p:oleObj spid="_x0000_s7251" name="Equation" r:id="rId11" imgW="1079280" imgH="241200" progId="Equation.DSMT4">
+                <p:oleObj spid="_x0000_s7316" name="Equation" r:id="rId11" imgW="1079280" imgH="241200" progId="Equation.DSMT4">
                   <p:embed/>
                 </p:oleObj>
               </mc:Choice>
@@ -16770,7 +16750,7 @@
           <a:graphicData uri="http://schemas.openxmlformats.org/presentationml/2006/ole">
             <mc:AlternateContent xmlns:mc="http://schemas.openxmlformats.org/markup-compatibility/2006">
               <mc:Choice xmlns:v="urn:schemas-microsoft-com:vml" Requires="v">
-                <p:oleObj spid="_x0000_s7252" name="Equation" r:id="rId13" imgW="190440" imgH="152280" progId="Equation.DSMT4">
+                <p:oleObj spid="_x0000_s7317" name="Equation" r:id="rId13" imgW="190440" imgH="152280" progId="Equation.DSMT4">
                   <p:embed/>
                 </p:oleObj>
               </mc:Choice>
@@ -16823,7 +16803,7 @@
           <a:graphicData uri="http://schemas.openxmlformats.org/presentationml/2006/ole">
             <mc:AlternateContent xmlns:mc="http://schemas.openxmlformats.org/markup-compatibility/2006">
               <mc:Choice xmlns:v="urn:schemas-microsoft-com:vml" Requires="v">
-                <p:oleObj spid="_x0000_s7253" name="Equation" r:id="rId15" imgW="1257120" imgH="228600" progId="Equation.DSMT4">
+                <p:oleObj spid="_x0000_s7318" name="Equation" r:id="rId15" imgW="1257120" imgH="228600" progId="Equation.DSMT4">
                   <p:embed/>
                 </p:oleObj>
               </mc:Choice>
@@ -16876,7 +16856,7 @@
           <a:graphicData uri="http://schemas.openxmlformats.org/presentationml/2006/ole">
             <mc:AlternateContent xmlns:mc="http://schemas.openxmlformats.org/markup-compatibility/2006">
               <mc:Choice xmlns:v="urn:schemas-microsoft-com:vml" Requires="v">
-                <p:oleObj spid="_x0000_s7254" name="Equation" r:id="rId17" imgW="545760" imgH="228600" progId="Equation.DSMT4">
+                <p:oleObj spid="_x0000_s7319" name="Equation" r:id="rId17" imgW="545760" imgH="228600" progId="Equation.DSMT4">
                   <p:embed/>
                 </p:oleObj>
               </mc:Choice>
@@ -16929,7 +16909,7 @@
           <a:graphicData uri="http://schemas.openxmlformats.org/presentationml/2006/ole">
             <mc:AlternateContent xmlns:mc="http://schemas.openxmlformats.org/markup-compatibility/2006">
               <mc:Choice xmlns:v="urn:schemas-microsoft-com:vml" Requires="v">
-                <p:oleObj spid="_x0000_s7255" name="Equation" r:id="rId19" imgW="863280" imgH="228600" progId="Equation.DSMT4">
+                <p:oleObj spid="_x0000_s7320" name="Equation" r:id="rId19" imgW="863280" imgH="228600" progId="Equation.DSMT4">
                   <p:embed/>
                 </p:oleObj>
               </mc:Choice>
@@ -16982,7 +16962,7 @@
           <a:graphicData uri="http://schemas.openxmlformats.org/presentationml/2006/ole">
             <mc:AlternateContent xmlns:mc="http://schemas.openxmlformats.org/markup-compatibility/2006">
               <mc:Choice xmlns:v="urn:schemas-microsoft-com:vml" Requires="v">
-                <p:oleObj spid="_x0000_s7256" name="Equation" r:id="rId21" imgW="241200" imgH="203040" progId="Equation.DSMT4">
+                <p:oleObj spid="_x0000_s7321" name="Equation" r:id="rId21" imgW="241200" imgH="203040" progId="Equation.DSMT4">
                   <p:embed/>
                 </p:oleObj>
               </mc:Choice>
@@ -17035,7 +17015,7 @@
           <a:graphicData uri="http://schemas.openxmlformats.org/presentationml/2006/ole">
             <mc:AlternateContent xmlns:mc="http://schemas.openxmlformats.org/markup-compatibility/2006">
               <mc:Choice xmlns:v="urn:schemas-microsoft-com:vml" Requires="v">
-                <p:oleObj spid="_x0000_s7257" name="Equation" r:id="rId23" imgW="253800" imgH="203040" progId="Equation.DSMT4">
+                <p:oleObj spid="_x0000_s7322" name="Equation" r:id="rId23" imgW="253800" imgH="203040" progId="Equation.DSMT4">
                   <p:embed/>
                 </p:oleObj>
               </mc:Choice>
@@ -17088,7 +17068,7 @@
           <a:graphicData uri="http://schemas.openxmlformats.org/presentationml/2006/ole">
             <mc:AlternateContent xmlns:mc="http://schemas.openxmlformats.org/markup-compatibility/2006">
               <mc:Choice xmlns:v="urn:schemas-microsoft-com:vml" Requires="v">
-                <p:oleObj spid="_x0000_s7258" name="Equation" r:id="rId25" imgW="507960" imgH="203040" progId="Equation.DSMT4">
+                <p:oleObj spid="_x0000_s7323" name="Equation" r:id="rId25" imgW="507960" imgH="203040" progId="Equation.DSMT4">
                   <p:embed/>
                 </p:oleObj>
               </mc:Choice>
@@ -17141,7 +17121,7 @@
           <a:graphicData uri="http://schemas.openxmlformats.org/presentationml/2006/ole">
             <mc:AlternateContent xmlns:mc="http://schemas.openxmlformats.org/markup-compatibility/2006">
               <mc:Choice xmlns:v="urn:schemas-microsoft-com:vml" Requires="v">
-                <p:oleObj spid="_x0000_s7259" name="Equation" r:id="rId27" imgW="152280" imgH="139680" progId="Equation.DSMT4">
+                <p:oleObj spid="_x0000_s7324" name="Equation" r:id="rId27" imgW="152280" imgH="139680" progId="Equation.DSMT4">
                   <p:embed/>
                 </p:oleObj>
               </mc:Choice>
@@ -17275,7 +17255,7 @@
               <a:t>may contain both </a:t>
             </a:r>
             <a:r>
-              <a:rPr lang="en-US" altLang="zh-CN" sz="2000" dirty="0" smtClean="0">
+              <a:rPr lang="en-US" altLang="zh-CN" sz="2000" dirty="0">
                 <a:solidFill>
                   <a:srgbClr val="7030A0"/>
                 </a:solidFill>
@@ -17283,7 +17263,7 @@
               <a:t>terminals</a:t>
             </a:r>
             <a:r>
-              <a:rPr lang="en-US" altLang="zh-CN" sz="2000" dirty="0" smtClean="0"/>
+              <a:rPr lang="en-US" altLang="zh-CN" sz="2000" dirty="0"/>
               <a:t> and </a:t>
             </a:r>
             <a:r>
@@ -17316,11 +17296,7 @@
             </a:r>
             <a:r>
               <a:rPr lang="en-US" altLang="zh-CN" sz="2000" dirty="0"/>
-              <a:t> is a sentential form </a:t>
-            </a:r>
-            <a:r>
-              <a:rPr lang="en-US" altLang="zh-CN" sz="2000" dirty="0" smtClean="0"/>
-              <a:t>with no </a:t>
+              <a:t> is a sentential form with no </a:t>
             </a:r>
             <a:r>
               <a:rPr lang="en-US" altLang="zh-CN" sz="2000" dirty="0" err="1"/>
@@ -17331,27 +17307,19 @@
               <a:t>. The language generated by a grammar </a:t>
             </a:r>
             <a:r>
-              <a:rPr lang="en-US" altLang="zh-CN" sz="2000" i="1" dirty="0" smtClean="0"/>
+              <a:rPr lang="en-US" altLang="zh-CN" sz="2000" i="1" dirty="0"/>
               <a:t>G</a:t>
             </a:r>
             <a:r>
-              <a:rPr lang="en-US" altLang="zh-CN" sz="2000" dirty="0" smtClean="0"/>
-              <a:t> is </a:t>
-            </a:r>
-            <a:r>
               <a:rPr lang="en-US" altLang="zh-CN" sz="2000" dirty="0"/>
-              <a:t>its set of </a:t>
-            </a:r>
-            <a:r>
-              <a:rPr lang="en-US" altLang="zh-CN" sz="2000" dirty="0" smtClean="0"/>
-              <a:t>sentences, denoted by </a:t>
+              <a:t> is its set of sentences, denoted by </a:t>
             </a:r>
             <a:r>
               <a:rPr lang="en-US" altLang="zh-CN" sz="2000" i="1" dirty="0"/>
               <a:t>L(G) </a:t>
             </a:r>
             <a:r>
-              <a:rPr lang="en-US" altLang="zh-CN" sz="2000" dirty="0" smtClean="0"/>
+              <a:rPr lang="en-US" altLang="zh-CN" sz="2000" dirty="0"/>
               <a:t>.</a:t>
             </a:r>
           </a:p>
@@ -17359,16 +17327,12 @@
             <a:pPr marL="0" indent="0">
               <a:buNone/>
             </a:pPr>
-            <a:endParaRPr lang="en-US" altLang="zh-CN" sz="2000" dirty="0" smtClean="0"/>
-          </a:p>
-          <a:p>
-            <a:r>
-              <a:rPr lang="en-US" altLang="zh-CN" sz="2000" dirty="0" smtClean="0"/>
-              <a:t> Thus</a:t>
-            </a:r>
+            <a:endParaRPr lang="en-US" altLang="zh-CN" sz="2000" dirty="0"/>
+          </a:p>
+          <a:p>
             <a:r>
               <a:rPr lang="en-US" altLang="zh-CN" sz="2000" dirty="0"/>
-              <a:t>, a string of terminals </a:t>
+              <a:t> Thus, a string of terminals </a:t>
             </a:r>
             <a:r>
               <a:rPr lang="en-US" altLang="zh-CN" sz="2000" i="1" dirty="0"/>
@@ -17383,20 +17347,8 @@
               <a:t>L(G) </a:t>
             </a:r>
             <a:r>
-              <a:rPr lang="en-US" altLang="zh-CN" sz="2000" dirty="0" smtClean="0"/>
-              <a:t>, </a:t>
-            </a:r>
-            <a:r>
               <a:rPr lang="en-US" altLang="zh-CN" sz="2000" dirty="0"/>
-              <a:t>if </a:t>
-            </a:r>
-            <a:r>
-              <a:rPr lang="en-US" altLang="zh-CN" sz="2000" dirty="0" smtClean="0"/>
-              <a:t>and only </a:t>
-            </a:r>
-            <a:r>
-              <a:rPr lang="en-US" altLang="zh-CN" sz="2000" dirty="0"/>
-              <a:t>if </a:t>
+              <a:t>, if and only if </a:t>
             </a:r>
             <a:r>
               <a:rPr lang="en-US" altLang="zh-CN" sz="2000" i="1" dirty="0"/>
@@ -17412,23 +17364,7 @@
             </a:r>
             <a:r>
               <a:rPr lang="en-US" altLang="zh-CN" sz="2000" dirty="0"/>
-              <a:t> (</a:t>
-            </a:r>
-            <a:r>
-              <a:rPr lang="en-US" altLang="zh-CN" sz="2000" dirty="0" smtClean="0"/>
-              <a:t>or             ). </a:t>
-            </a:r>
-            <a:r>
-              <a:rPr lang="en-US" altLang="zh-CN" sz="2000" dirty="0"/>
-              <a:t>If two grammars generate </a:t>
-            </a:r>
-            <a:r>
-              <a:rPr lang="en-US" altLang="zh-CN" sz="2000" dirty="0" smtClean="0"/>
-              <a:t>the same </a:t>
-            </a:r>
-            <a:r>
-              <a:rPr lang="en-US" altLang="zh-CN" sz="2000" dirty="0"/>
-              <a:t>language, the grammars are said to be equivalent.</a:t>
+              <a:t> (or             ). If two grammars generate the same language, the grammars are said to be equivalent.</a:t>
             </a:r>
             <a:endParaRPr lang="zh-CN" altLang="en-US" sz="2000" dirty="0"/>
           </a:p>
@@ -17452,7 +17388,7 @@
           <a:graphicData uri="http://schemas.openxmlformats.org/presentationml/2006/ole">
             <mc:AlternateContent xmlns:mc="http://schemas.openxmlformats.org/markup-compatibility/2006">
               <mc:Choice xmlns:v="urn:schemas-microsoft-com:vml" Requires="v">
-                <p:oleObj spid="_x0000_s6157" name="Equation" r:id="rId3" imgW="507960" imgH="203040" progId="Equation.DSMT4">
+                <p:oleObj spid="_x0000_s6167" name="Equation" r:id="rId3" imgW="507960" imgH="203040" progId="Equation.DSMT4">
                   <p:embed/>
                 </p:oleObj>
               </mc:Choice>
@@ -17505,7 +17441,7 @@
           <a:graphicData uri="http://schemas.openxmlformats.org/presentationml/2006/ole">
             <mc:AlternateContent xmlns:mc="http://schemas.openxmlformats.org/markup-compatibility/2006">
               <mc:Choice xmlns:v="urn:schemas-microsoft-com:vml" Requires="v">
-                <p:oleObj spid="_x0000_s6158" name="Equation" r:id="rId5" imgW="1752480" imgH="241200" progId="Equation.DSMT4">
+                <p:oleObj spid="_x0000_s6168" name="Equation" r:id="rId5" imgW="1752480" imgH="241200" progId="Equation.DSMT4">
                   <p:embed/>
                 </p:oleObj>
               </mc:Choice>
@@ -17621,34 +17557,14 @@
           <a:lstStyle/>
           <a:p>
             <a:r>
-              <a:rPr lang="en-US" altLang="zh-CN" sz="2000" dirty="0" smtClean="0"/>
-              <a:t>We consider </a:t>
-            </a:r>
-            <a:r>
               <a:rPr lang="en-US" altLang="zh-CN" sz="2000" dirty="0"/>
-              <a:t>derivations in which </a:t>
-            </a:r>
-            <a:r>
-              <a:rPr lang="en-US" altLang="zh-CN" sz="2000" dirty="0" smtClean="0"/>
-              <a:t>the nonterminal </a:t>
-            </a:r>
-            <a:r>
-              <a:rPr lang="en-US" altLang="zh-CN" sz="2000" dirty="0"/>
-              <a:t>to be replaced at each step is chosen as </a:t>
-            </a:r>
-            <a:r>
-              <a:rPr lang="en-US" altLang="zh-CN" sz="2000" dirty="0" smtClean="0"/>
-              <a:t>follows:</a:t>
-            </a:r>
-          </a:p>
-          <a:p>
-            <a:r>
-              <a:rPr lang="en-US" altLang="zh-CN" sz="1600" dirty="0" smtClean="0"/>
-              <a:t>1</a:t>
-            </a:r>
+              <a:t>We consider derivations in which the nonterminal to be replaced at each step is chosen as follows:</a:t>
+            </a:r>
+          </a:p>
+          <a:p>
             <a:r>
               <a:rPr lang="en-US" altLang="zh-CN" sz="1600" dirty="0"/>
-              <a:t>. In </a:t>
+              <a:t>1. In </a:t>
             </a:r>
             <a:r>
               <a:rPr lang="en-US" altLang="zh-CN" sz="1600" i="1" dirty="0">
@@ -17668,23 +17584,7 @@
             </a:r>
             <a:r>
               <a:rPr lang="en-US" altLang="zh-CN" sz="1600" dirty="0"/>
-              <a:t>derivations, the leftmost nonterminal in each sentential is </a:t>
-            </a:r>
-            <a:r>
-              <a:rPr lang="en-US" altLang="zh-CN" sz="1600" dirty="0" smtClean="0"/>
-              <a:t>always chosen</a:t>
-            </a:r>
-            <a:r>
-              <a:rPr lang="en-US" altLang="zh-CN" sz="1600" dirty="0"/>
-              <a:t>. If </a:t>
-            </a:r>
-            <a:r>
-              <a:rPr lang="en-US" altLang="zh-CN" sz="1600" dirty="0" smtClean="0"/>
-              <a:t>           is </a:t>
-            </a:r>
-            <a:r>
-              <a:rPr lang="en-US" altLang="zh-CN" sz="1600" dirty="0"/>
-              <a:t>a step in which the </a:t>
+              <a:t>derivations, the leftmost nonterminal in each sentential is always chosen. If            is a step in which the </a:t>
             </a:r>
             <a:r>
               <a:rPr lang="en-US" altLang="zh-CN" sz="1600" b="1" dirty="0">
@@ -17704,17 +17604,8 @@
             </a:r>
             <a:r>
               <a:rPr lang="en-US" altLang="zh-CN" sz="1600" dirty="0"/>
-              <a:t>nonterminal </a:t>
-            </a:r>
-            <a:r>
-              <a:rPr lang="en-US" altLang="zh-CN" sz="1600" dirty="0" smtClean="0"/>
-              <a:t>in    is replaced</a:t>
-            </a:r>
-            <a:r>
-              <a:rPr lang="en-US" altLang="zh-CN" sz="1600" dirty="0"/>
-              <a:t>, we write </a:t>
-            </a:r>
-            <a:endParaRPr lang="en-US" altLang="zh-CN" sz="1600" dirty="0" smtClean="0"/>
+              <a:t>nonterminal in    is replaced, we write </a:t>
+            </a:r>
           </a:p>
           <a:p>
             <a:r>
@@ -17739,28 +17630,16 @@
             </a:r>
             <a:r>
               <a:rPr lang="en-US" altLang="zh-CN" sz="1600" dirty="0"/>
-              <a:t>derivations, the rightmost nonterminal is always chosen; </a:t>
-            </a:r>
-            <a:r>
-              <a:rPr lang="en-US" altLang="zh-CN" sz="1600" dirty="0" smtClean="0"/>
-              <a:t>we write                 in </a:t>
-            </a:r>
+              <a:t>derivations, the rightmost nonterminal is always chosen; we write                 in this case.</a:t>
+            </a:r>
+          </a:p>
+          <a:p>
             <a:r>
               <a:rPr lang="en-US" altLang="zh-CN" sz="1600" dirty="0"/>
-              <a:t>this case</a:t>
-            </a:r>
-            <a:r>
-              <a:rPr lang="en-US" altLang="zh-CN" sz="1600" dirty="0" smtClean="0"/>
-              <a:t>.</a:t>
-            </a:r>
-          </a:p>
-          <a:p>
-            <a:r>
-              <a:rPr lang="en-US" altLang="zh-CN" sz="1600" dirty="0" smtClean="0"/>
               <a:t>Rightmost derivations are sometimes called </a:t>
             </a:r>
             <a:r>
-              <a:rPr lang="en-US" altLang="zh-CN" sz="1600" i="1" dirty="0" smtClean="0">
+              <a:rPr lang="en-US" altLang="zh-CN" sz="1600" i="1" dirty="0">
                 <a:solidFill>
                   <a:srgbClr val="00B050"/>
                 </a:solidFill>
@@ -17768,7 +17647,7 @@
               <a:t>canonical</a:t>
             </a:r>
             <a:r>
-              <a:rPr lang="en-US" altLang="zh-CN" sz="1600" dirty="0" smtClean="0">
+              <a:rPr lang="en-US" altLang="zh-CN" sz="1600" dirty="0">
                 <a:solidFill>
                   <a:srgbClr val="00B050"/>
                 </a:solidFill>
@@ -17776,10 +17655,9 @@
               <a:t> </a:t>
             </a:r>
             <a:r>
-              <a:rPr lang="en-US" altLang="zh-CN" sz="1600" dirty="0" smtClean="0"/>
+              <a:rPr lang="en-US" altLang="zh-CN" sz="1600" dirty="0"/>
               <a:t>derivations.</a:t>
             </a:r>
-            <a:endParaRPr lang="en-US" altLang="zh-CN" sz="1600" dirty="0"/>
           </a:p>
         </p:txBody>
       </p:sp>
@@ -17801,7 +17679,7 @@
           <a:graphicData uri="http://schemas.openxmlformats.org/presentationml/2006/ole">
             <mc:AlternateContent xmlns:mc="http://schemas.openxmlformats.org/markup-compatibility/2006">
               <mc:Choice xmlns:v="urn:schemas-microsoft-com:vml" Requires="v">
-                <p:oleObj spid="_x0000_s5145" name="Equation" r:id="rId3" imgW="469800" imgH="203040" progId="Equation.DSMT4">
+                <p:oleObj spid="_x0000_s5165" name="Equation" r:id="rId3" imgW="469800" imgH="203040" progId="Equation.DSMT4">
                   <p:embed/>
                 </p:oleObj>
               </mc:Choice>
@@ -17854,7 +17732,7 @@
           <a:graphicData uri="http://schemas.openxmlformats.org/presentationml/2006/ole">
             <mc:AlternateContent xmlns:mc="http://schemas.openxmlformats.org/markup-compatibility/2006">
               <mc:Choice xmlns:v="urn:schemas-microsoft-com:vml" Requires="v">
-                <p:oleObj spid="_x0000_s5146" name="Equation" r:id="rId5" imgW="152280" imgH="139680" progId="Equation.DSMT4">
+                <p:oleObj spid="_x0000_s5166" name="Equation" r:id="rId5" imgW="152280" imgH="139680" progId="Equation.DSMT4">
                   <p:embed/>
                 </p:oleObj>
               </mc:Choice>
@@ -17907,7 +17785,7 @@
           <a:graphicData uri="http://schemas.openxmlformats.org/presentationml/2006/ole">
             <mc:AlternateContent xmlns:mc="http://schemas.openxmlformats.org/markup-compatibility/2006">
               <mc:Choice xmlns:v="urn:schemas-microsoft-com:vml" Requires="v">
-                <p:oleObj spid="_x0000_s5147" name="Equation" r:id="rId7" imgW="583920" imgH="228600" progId="Equation.DSMT4">
+                <p:oleObj spid="_x0000_s5167" name="Equation" r:id="rId7" imgW="583920" imgH="228600" progId="Equation.DSMT4">
                   <p:embed/>
                 </p:oleObj>
               </mc:Choice>
@@ -17960,7 +17838,7 @@
           <a:graphicData uri="http://schemas.openxmlformats.org/presentationml/2006/ole">
             <mc:AlternateContent xmlns:mc="http://schemas.openxmlformats.org/markup-compatibility/2006">
               <mc:Choice xmlns:v="urn:schemas-microsoft-com:vml" Requires="v">
-                <p:oleObj spid="_x0000_s5148" name="Equation" r:id="rId9" imgW="596880" imgH="228600" progId="Equation.DSMT4">
+                <p:oleObj spid="_x0000_s5168" name="Equation" r:id="rId9" imgW="596880" imgH="228600" progId="Equation.DSMT4">
                   <p:embed/>
                 </p:oleObj>
               </mc:Choice>
@@ -18053,7 +17931,7 @@
           <a:lstStyle/>
           <a:p>
             <a:r>
-              <a:rPr lang="en-US" altLang="zh-CN" dirty="0" smtClean="0"/>
+              <a:rPr lang="en-US" altLang="zh-CN" dirty="0"/>
               <a:t>Example</a:t>
             </a:r>
             <a:endParaRPr lang="zh-CN" altLang="en-US" dirty="0"/>
@@ -18082,7 +17960,7 @@
           <a:graphicData uri="http://schemas.openxmlformats.org/presentationml/2006/ole">
             <mc:AlternateContent xmlns:mc="http://schemas.openxmlformats.org/markup-compatibility/2006">
               <mc:Choice xmlns:v="urn:schemas-microsoft-com:vml" Requires="v">
-                <p:oleObj spid="_x0000_s4145" name="Equation" r:id="rId3" imgW="901309" imgH="431613" progId="Equation.DSMT4">
+                <p:oleObj spid="_x0000_s4170" name="Equation" r:id="rId3" imgW="901309" imgH="431613" progId="Equation.DSMT4">
                   <p:embed/>
                 </p:oleObj>
               </mc:Choice>
@@ -18149,7 +18027,7 @@
           <a:graphicData uri="http://schemas.openxmlformats.org/presentationml/2006/ole">
             <mc:AlternateContent xmlns:mc="http://schemas.openxmlformats.org/markup-compatibility/2006">
               <mc:Choice xmlns:v="urn:schemas-microsoft-com:vml" Requires="v">
-                <p:oleObj spid="_x0000_s4146" name="Equation" r:id="rId5" imgW="3314700" imgH="228600" progId="Equation.DSMT4">
+                <p:oleObj spid="_x0000_s4171" name="Equation" r:id="rId5" imgW="3314700" imgH="228600" progId="Equation.DSMT4">
                   <p:embed/>
                 </p:oleObj>
               </mc:Choice>
@@ -18216,7 +18094,7 @@
           <a:graphicData uri="http://schemas.openxmlformats.org/presentationml/2006/ole">
             <mc:AlternateContent xmlns:mc="http://schemas.openxmlformats.org/markup-compatibility/2006">
               <mc:Choice xmlns:v="urn:schemas-microsoft-com:vml" Requires="v">
-                <p:oleObj spid="_x0000_s4147" name="Equation" r:id="rId7" imgW="3390900" imgH="228600" progId="Equation.DSMT4">
+                <p:oleObj spid="_x0000_s4172" name="Equation" r:id="rId7" imgW="3390900" imgH="228600" progId="Equation.DSMT4">
                   <p:embed/>
                 </p:oleObj>
               </mc:Choice>
@@ -18283,7 +18161,7 @@
           <a:graphicData uri="http://schemas.openxmlformats.org/presentationml/2006/ole">
             <mc:AlternateContent xmlns:mc="http://schemas.openxmlformats.org/markup-compatibility/2006">
               <mc:Choice xmlns:v="urn:schemas-microsoft-com:vml" Requires="v">
-                <p:oleObj spid="_x0000_s4148" name="Equation" r:id="rId9" imgW="3073400" imgH="736600" progId="Equation.DSMT4">
+                <p:oleObj spid="_x0000_s4173" name="Equation" r:id="rId9" imgW="3073400" imgH="736600" progId="Equation.DSMT4">
                   <p:embed/>
                 </p:oleObj>
               </mc:Choice>
@@ -18350,7 +18228,7 @@
           <a:graphicData uri="http://schemas.openxmlformats.org/presentationml/2006/ole">
             <mc:AlternateContent xmlns:mc="http://schemas.openxmlformats.org/markup-compatibility/2006">
               <mc:Choice xmlns:v="urn:schemas-microsoft-com:vml" Requires="v">
-                <p:oleObj spid="_x0000_s4149" name="Equation" r:id="rId11" imgW="2463800" imgH="431800" progId="Equation.DSMT4">
+                <p:oleObj spid="_x0000_s4174" name="Equation" r:id="rId11" imgW="2463800" imgH="431800" progId="Equation.DSMT4">
                   <p:embed/>
                 </p:oleObj>
               </mc:Choice>
@@ -18598,7 +18476,7 @@
               <a:tabLst/>
             </a:pPr>
             <a:r>
-              <a:rPr kumimoji="0" lang="en-US" altLang="zh-CN" sz="2000" b="0" i="0" u="none" strike="noStrike" cap="none" normalizeH="0" baseline="0" dirty="0" smtClean="0">
+              <a:rPr kumimoji="0" lang="en-US" altLang="zh-CN" sz="2000" b="0" i="0" u="none" strike="noStrike" cap="none" normalizeH="0" baseline="0" dirty="0">
                 <a:ln>
                   <a:noFill/>
                 </a:ln>
@@ -18612,7 +18490,7 @@
               </a:rPr>
               <a:t>Consider grammar G1:</a:t>
             </a:r>
-            <a:endParaRPr kumimoji="0" lang="en-US" altLang="zh-CN" sz="2000" b="0" i="0" u="none" strike="noStrike" cap="none" normalizeH="0" baseline="0" dirty="0" smtClean="0">
+            <a:endParaRPr kumimoji="0" lang="en-US" altLang="zh-CN" sz="2000" b="0" i="0" u="none" strike="noStrike" cap="none" normalizeH="0" baseline="0" dirty="0">
               <a:ln>
                 <a:noFill/>
               </a:ln>
@@ -18639,7 +18517,7 @@
               <a:buNone/>
               <a:tabLst/>
             </a:pPr>
-            <a:endParaRPr kumimoji="0" lang="en-US" altLang="zh-CN" sz="1800" b="0" i="0" u="none" strike="noStrike" cap="none" normalizeH="0" baseline="0" dirty="0" smtClean="0">
+            <a:endParaRPr kumimoji="0" lang="en-US" altLang="zh-CN" sz="1800" b="0" i="0" u="none" strike="noStrike" cap="none" normalizeH="0" baseline="0" dirty="0">
               <a:ln>
                 <a:noFill/>
               </a:ln>
@@ -18728,7 +18606,7 @@
               <a:tabLst/>
             </a:pPr>
             <a:r>
-              <a:rPr kumimoji="0" lang="en-US" altLang="zh-CN" b="0" i="0" u="none" strike="noStrike" cap="none" normalizeH="0" baseline="0" dirty="0" smtClean="0">
+              <a:rPr kumimoji="0" lang="en-US" altLang="zh-CN" b="0" i="0" u="none" strike="noStrike" cap="none" normalizeH="0" baseline="0" dirty="0">
                 <a:ln>
                   <a:noFill/>
                 </a:ln>
@@ -18743,7 +18621,7 @@
               <a:t>(a) Write the leftmost derivation for sentence </a:t>
             </a:r>
             <a:r>
-              <a:rPr kumimoji="0" lang="en-US" altLang="zh-CN" b="0" i="0" u="none" strike="noStrike" cap="none" normalizeH="0" baseline="0" dirty="0" smtClean="0">
+              <a:rPr kumimoji="0" lang="en-US" altLang="zh-CN" b="0" i="0" u="none" strike="noStrike" cap="none" normalizeH="0" baseline="0" dirty="0">
                 <a:ln>
                   <a:noFill/>
                 </a:ln>
@@ -18757,7 +18635,7 @@
               </a:rPr>
               <a:t>(a,^) </a:t>
             </a:r>
-            <a:endParaRPr kumimoji="0" lang="en-US" altLang="zh-CN" b="0" i="0" u="none" strike="noStrike" cap="none" normalizeH="0" baseline="0" dirty="0" smtClean="0">
+            <a:endParaRPr kumimoji="0" lang="en-US" altLang="zh-CN" b="0" i="0" u="none" strike="noStrike" cap="none" normalizeH="0" baseline="0" dirty="0">
               <a:ln>
                 <a:noFill/>
               </a:ln>
@@ -18846,7 +18724,7 @@
               <a:tabLst/>
             </a:pPr>
             <a:r>
-              <a:rPr kumimoji="0" lang="en-US" altLang="zh-CN" b="0" i="0" u="none" strike="noStrike" cap="none" normalizeH="0" baseline="0" dirty="0" smtClean="0">
+              <a:rPr kumimoji="0" lang="en-US" altLang="zh-CN" b="0" i="0" u="none" strike="noStrike" cap="none" normalizeH="0" baseline="0" dirty="0">
                 <a:ln>
                   <a:noFill/>
                 </a:ln>
@@ -18861,7 +18739,7 @@
               <a:t>(c) Write the rightmost derivation for sentence </a:t>
             </a:r>
             <a:r>
-              <a:rPr kumimoji="0" lang="en-US" altLang="zh-CN" b="0" i="0" u="none" strike="noStrike" cap="none" normalizeH="0" baseline="0" dirty="0" smtClean="0">
+              <a:rPr kumimoji="0" lang="en-US" altLang="zh-CN" b="0" i="0" u="none" strike="noStrike" cap="none" normalizeH="0" baseline="0" dirty="0">
                 <a:ln>
                   <a:noFill/>
                 </a:ln>
@@ -18875,7 +18753,7 @@
               </a:rPr>
               <a:t>(a, (^, a)</a:t>
             </a:r>
-            <a:endParaRPr kumimoji="0" lang="en-US" altLang="zh-CN" b="0" i="0" u="none" strike="noStrike" cap="none" normalizeH="0" baseline="0" dirty="0" smtClean="0">
+            <a:endParaRPr kumimoji="0" lang="en-US" altLang="zh-CN" b="0" i="0" u="none" strike="noStrike" cap="none" normalizeH="0" baseline="0" dirty="0">
               <a:ln>
                 <a:noFill/>
               </a:ln>
@@ -18964,7 +18842,7 @@
               <a:tabLst/>
             </a:pPr>
             <a:r>
-              <a:rPr kumimoji="0" lang="en-US" altLang="zh-CN" b="0" i="0" u="none" strike="noStrike" cap="none" normalizeH="0" baseline="0" dirty="0" smtClean="0">
+              <a:rPr kumimoji="0" lang="en-US" altLang="zh-CN" b="0" i="0" u="none" strike="noStrike" cap="none" normalizeH="0" baseline="0" dirty="0">
                 <a:ln>
                   <a:noFill/>
                 </a:ln>
@@ -18979,7 +18857,7 @@
               <a:t>(b) Write the right derivation for sentence </a:t>
             </a:r>
             <a:r>
-              <a:rPr kumimoji="0" lang="en-US" altLang="zh-CN" b="0" i="0" u="none" strike="noStrike" cap="none" normalizeH="0" baseline="0" dirty="0" smtClean="0">
+              <a:rPr kumimoji="0" lang="en-US" altLang="zh-CN" b="0" i="0" u="none" strike="noStrike" cap="none" normalizeH="0" baseline="0" dirty="0">
                 <a:ln>
                   <a:noFill/>
                 </a:ln>
@@ -18993,7 +18871,7 @@
               </a:rPr>
               <a:t>(a,^) </a:t>
             </a:r>
-            <a:endParaRPr kumimoji="0" lang="en-US" altLang="zh-CN" b="0" i="0" u="none" strike="noStrike" cap="none" normalizeH="0" baseline="0" dirty="0" smtClean="0">
+            <a:endParaRPr kumimoji="0" lang="en-US" altLang="zh-CN" b="0" i="0" u="none" strike="noStrike" cap="none" normalizeH="0" baseline="0" dirty="0">
               <a:ln>
                 <a:noFill/>
               </a:ln>
@@ -19074,7 +18952,7 @@
               </a:spcAft>
             </a:pPr>
             <a:r>
-              <a:rPr kumimoji="0" lang="en-US" altLang="zh-CN" b="0" i="0" u="none" strike="noStrike" cap="none" normalizeH="0" baseline="0" dirty="0" smtClean="0">
+              <a:rPr kumimoji="0" lang="en-US" altLang="zh-CN" b="0" i="0" u="none" strike="noStrike" cap="none" normalizeH="0" baseline="0" dirty="0">
                 <a:ln>
                   <a:noFill/>
                 </a:ln>
@@ -19097,7 +18975,7 @@
               <a:t>of the of each step in the normal reduction of sentence </a:t>
             </a:r>
             <a:r>
-              <a:rPr kumimoji="0" lang="en-US" altLang="zh-CN" b="0" i="0" u="none" strike="noStrike" cap="none" normalizeH="0" baseline="0" dirty="0" smtClean="0">
+              <a:rPr kumimoji="0" lang="en-US" altLang="zh-CN" b="0" i="0" u="none" strike="noStrike" cap="none" normalizeH="0" baseline="0" dirty="0">
                 <a:ln>
                   <a:noFill/>
                 </a:ln>
@@ -19111,7 +18989,7 @@
               </a:rPr>
               <a:t>(a, (^, a)</a:t>
             </a:r>
-            <a:endParaRPr kumimoji="0" lang="en-US" altLang="zh-CN" b="0" i="0" u="none" strike="noStrike" cap="none" normalizeH="0" baseline="0" dirty="0" smtClean="0">
+            <a:endParaRPr kumimoji="0" lang="en-US" altLang="zh-CN" b="0" i="0" u="none" strike="noStrike" cap="none" normalizeH="0" baseline="0" dirty="0">
               <a:ln>
                 <a:noFill/>
               </a:ln>
@@ -19183,7 +19061,7 @@
           <a:p>
             <a:pPr rtl="0"/>
             <a:r>
-              <a:rPr lang="en-US" altLang="zh-CN" dirty="0" smtClean="0"/>
+              <a:rPr lang="en-US" altLang="zh-CN" dirty="0"/>
               <a:t>Course Review</a:t>
             </a:r>
             <a:endParaRPr lang="en-US" dirty="0"/>
@@ -19268,7 +19146,7 @@
           <a:lstStyle/>
           <a:p>
             <a:r>
-              <a:rPr lang="en-US" altLang="zh-CN" dirty="0" smtClean="0"/>
+              <a:rPr lang="en-US" altLang="zh-CN" dirty="0"/>
               <a:t>Parse Tree</a:t>
             </a:r>
             <a:endParaRPr lang="zh-CN" altLang="en-US" dirty="0"/>
@@ -19297,15 +19175,7 @@
           <a:p>
             <a:r>
               <a:rPr lang="en-US" altLang="zh-CN" dirty="0"/>
-              <a:t>A parse tree pictorially shows how the start symbol of a grammar derives </a:t>
-            </a:r>
-            <a:r>
-              <a:rPr lang="en-US" altLang="zh-CN" dirty="0" smtClean="0"/>
-              <a:t>a string </a:t>
-            </a:r>
-            <a:r>
-              <a:rPr lang="en-US" altLang="zh-CN" dirty="0"/>
-              <a:t>in the language. If nonterminal </a:t>
+              <a:t>A parse tree pictorially shows how the start symbol of a grammar derives a string in the language. If nonterminal </a:t>
             </a:r>
             <a:r>
               <a:rPr lang="en-US" altLang="zh-CN" i="1" dirty="0"/>
@@ -19313,31 +19183,7 @@
             </a:r>
             <a:r>
               <a:rPr lang="en-US" altLang="zh-CN" dirty="0"/>
-              <a:t> has a </a:t>
-            </a:r>
-            <a:r>
-              <a:rPr lang="en-US" altLang="zh-CN" dirty="0" smtClean="0"/>
-              <a:t>production              , </a:t>
-            </a:r>
-            <a:r>
-              <a:rPr lang="en-US" altLang="zh-CN" dirty="0"/>
-              <a:t>then </a:t>
-            </a:r>
-            <a:r>
-              <a:rPr lang="en-US" altLang="zh-CN" dirty="0" smtClean="0"/>
-              <a:t>a parse </a:t>
-            </a:r>
-            <a:r>
-              <a:rPr lang="en-US" altLang="zh-CN" dirty="0"/>
-              <a:t>tree may have an interior node labeled A with three children labeled </a:t>
-            </a:r>
-            <a:r>
-              <a:rPr lang="en-US" altLang="zh-CN" dirty="0" smtClean="0"/>
-              <a:t>X, Y</a:t>
-            </a:r>
-            <a:r>
-              <a:rPr lang="en-US" altLang="zh-CN" dirty="0"/>
-              <a:t>, and Z, from left to right:</a:t>
+              <a:t> has a production              , then a parse tree may have an interior node labeled A with three children labeled X, Y, and Z, from left to right:</a:t>
             </a:r>
             <a:endParaRPr lang="zh-CN" altLang="en-US" dirty="0"/>
           </a:p>
@@ -19361,7 +19207,7 @@
           <a:graphicData uri="http://schemas.openxmlformats.org/presentationml/2006/ole">
             <mc:AlternateContent xmlns:mc="http://schemas.openxmlformats.org/markup-compatibility/2006">
               <mc:Choice xmlns:v="urn:schemas-microsoft-com:vml" Requires="v">
-                <p:oleObj spid="_x0000_s8219" name="Equation" r:id="rId3" imgW="647640" imgH="177480" progId="Equation.DSMT4">
+                <p:oleObj spid="_x0000_s8244" name="Equation" r:id="rId3" imgW="647640" imgH="177480" progId="Equation.DSMT4">
                   <p:embed/>
                 </p:oleObj>
               </mc:Choice>
@@ -19419,7 +19265,7 @@
           <a:lstStyle/>
           <a:p>
             <a:r>
-              <a:rPr lang="en-US" altLang="zh-CN" dirty="0" smtClean="0"/>
+              <a:rPr lang="en-US" altLang="zh-CN" dirty="0"/>
               <a:t>A</a:t>
             </a:r>
             <a:endParaRPr lang="zh-CN" altLang="en-US" dirty="0"/>
@@ -19449,7 +19295,7 @@
           <a:lstStyle/>
           <a:p>
             <a:r>
-              <a:rPr lang="en-US" altLang="zh-CN" dirty="0" smtClean="0"/>
+              <a:rPr lang="en-US" altLang="zh-CN" dirty="0"/>
               <a:t>X</a:t>
             </a:r>
             <a:endParaRPr lang="zh-CN" altLang="en-US" dirty="0"/>
@@ -19479,7 +19325,7 @@
           <a:lstStyle/>
           <a:p>
             <a:r>
-              <a:rPr lang="en-US" altLang="zh-CN" dirty="0" smtClean="0"/>
+              <a:rPr lang="en-US" altLang="zh-CN" dirty="0"/>
               <a:t>Y</a:t>
             </a:r>
             <a:endParaRPr lang="zh-CN" altLang="en-US" dirty="0"/>
@@ -19681,7 +19527,7 @@
               <a:t>Each leaf is labeled by a terminal or by   </a:t>
             </a:r>
             <a:r>
-              <a:rPr lang="en-US" altLang="zh-CN" sz="1600" dirty="0" smtClean="0"/>
+              <a:rPr lang="en-US" altLang="zh-CN" sz="1600" dirty="0"/>
               <a:t>.</a:t>
             </a:r>
           </a:p>
@@ -19701,19 +19547,8 @@
                 <a:latin typeface="微软雅黑" panose="020B0503020204020204" pitchFamily="34" charset="-122"/>
                 <a:ea typeface="微软雅黑" panose="020B0503020204020204" pitchFamily="34" charset="-122"/>
               </a:rPr>
-              <a:t>Each interior node is labeled by a </a:t>
-            </a:r>
-            <a:r>
-              <a:rPr lang="en-US" altLang="zh-CN" sz="1500" dirty="0" smtClean="0">
-                <a:latin typeface="微软雅黑" panose="020B0503020204020204" pitchFamily="34" charset="-122"/>
-                <a:ea typeface="微软雅黑" panose="020B0503020204020204" pitchFamily="34" charset="-122"/>
-              </a:rPr>
-              <a:t>nonterminal</a:t>
-            </a:r>
-            <a:endParaRPr lang="en-US" altLang="zh-CN" sz="1500" dirty="0">
-              <a:latin typeface="微软雅黑" panose="020B0503020204020204" pitchFamily="34" charset="-122"/>
-              <a:ea typeface="微软雅黑" panose="020B0503020204020204" pitchFamily="34" charset="-122"/>
-            </a:endParaRPr>
+              <a:t>Each interior node is labeled by a nonterminal</a:t>
+            </a:r>
           </a:p>
           <a:p>
             <a:pPr marL="171450" indent="-171450" defTabSz="685800">
@@ -19790,172 +19625,102 @@
               <a:t> </a:t>
             </a:r>
             <a:r>
-              <a:rPr lang="en-US" altLang="zh-CN" sz="1500" dirty="0" smtClean="0">
-                <a:latin typeface="微软雅黑" panose="020B0503020204020204" pitchFamily="34" charset="-122"/>
-                <a:ea typeface="微软雅黑" panose="020B0503020204020204" pitchFamily="34" charset="-122"/>
-              </a:rPr>
-              <a:t>are the </a:t>
-            </a:r>
-            <a:r>
               <a:rPr lang="en-US" altLang="zh-CN" sz="1500" dirty="0">
                 <a:latin typeface="微软雅黑" panose="020B0503020204020204" pitchFamily="34" charset="-122"/>
                 <a:ea typeface="微软雅黑" panose="020B0503020204020204" pitchFamily="34" charset="-122"/>
               </a:rPr>
-              <a:t>labels of the children of that node from left to right, then there </a:t>
-            </a:r>
-            <a:r>
-              <a:rPr lang="en-US" altLang="zh-CN" sz="1500" dirty="0" smtClean="0">
+              <a:t>are the labels of the children of that node from left to right, then there must be a production                            . Here, </a:t>
+            </a:r>
+            <a:r>
+              <a:rPr lang="en-US" altLang="zh-CN" sz="1500" i="1" dirty="0">
                 <a:latin typeface="微软雅黑" panose="020B0503020204020204" pitchFamily="34" charset="-122"/>
                 <a:ea typeface="微软雅黑" panose="020B0503020204020204" pitchFamily="34" charset="-122"/>
               </a:rPr>
-              <a:t>must be </a:t>
+              <a:t>X</a:t>
+            </a:r>
+            <a:r>
+              <a:rPr lang="en-US" altLang="zh-CN" sz="1500" i="1" baseline="-25000" dirty="0">
+                <a:latin typeface="微软雅黑" panose="020B0503020204020204" pitchFamily="34" charset="-122"/>
+                <a:ea typeface="微软雅黑" panose="020B0503020204020204" pitchFamily="34" charset="-122"/>
+              </a:rPr>
+              <a:t>I</a:t>
+            </a:r>
+            <a:r>
+              <a:rPr lang="en-US" altLang="zh-CN" sz="1500" i="1" dirty="0">
+                <a:latin typeface="微软雅黑" panose="020B0503020204020204" pitchFamily="34" charset="-122"/>
+                <a:ea typeface="微软雅黑" panose="020B0503020204020204" pitchFamily="34" charset="-122"/>
+              </a:rPr>
+              <a:t> , X</a:t>
+            </a:r>
+            <a:r>
+              <a:rPr lang="en-US" altLang="zh-CN" sz="1500" i="1" baseline="-25000" dirty="0">
+                <a:latin typeface="微软雅黑" panose="020B0503020204020204" pitchFamily="34" charset="-122"/>
+                <a:ea typeface="微软雅黑" panose="020B0503020204020204" pitchFamily="34" charset="-122"/>
+              </a:rPr>
+              <a:t>2 </a:t>
+            </a:r>
+            <a:r>
+              <a:rPr lang="en-US" altLang="zh-CN" sz="1500" i="1" dirty="0">
+                <a:latin typeface="微软雅黑" panose="020B0503020204020204" pitchFamily="34" charset="-122"/>
+                <a:ea typeface="微软雅黑" panose="020B0503020204020204" pitchFamily="34" charset="-122"/>
+              </a:rPr>
+              <a:t>, . . . , </a:t>
+            </a:r>
+            <a:r>
+              <a:rPr lang="en-US" altLang="zh-CN" sz="1500" i="1" dirty="0" err="1">
+                <a:latin typeface="微软雅黑" panose="020B0503020204020204" pitchFamily="34" charset="-122"/>
+                <a:ea typeface="微软雅黑" panose="020B0503020204020204" pitchFamily="34" charset="-122"/>
+              </a:rPr>
+              <a:t>X</a:t>
+            </a:r>
+            <a:r>
+              <a:rPr lang="en-US" altLang="zh-CN" sz="1500" i="1" baseline="-25000" dirty="0" err="1">
+                <a:latin typeface="微软雅黑" panose="020B0503020204020204" pitchFamily="34" charset="-122"/>
+                <a:ea typeface="微软雅黑" panose="020B0503020204020204" pitchFamily="34" charset="-122"/>
+              </a:rPr>
+              <a:t>n</a:t>
+            </a:r>
+            <a:r>
+              <a:rPr lang="en-US" altLang="zh-CN" sz="1500" i="1" dirty="0">
+                <a:latin typeface="微软雅黑" panose="020B0503020204020204" pitchFamily="34" charset="-122"/>
+                <a:ea typeface="微软雅黑" panose="020B0503020204020204" pitchFamily="34" charset="-122"/>
+              </a:rPr>
+              <a:t> </a:t>
             </a:r>
             <a:r>
               <a:rPr lang="en-US" altLang="zh-CN" sz="1500" dirty="0">
                 <a:latin typeface="微软雅黑" panose="020B0503020204020204" pitchFamily="34" charset="-122"/>
                 <a:ea typeface="微软雅黑" panose="020B0503020204020204" pitchFamily="34" charset="-122"/>
               </a:rPr>
-              <a:t>a </a:t>
-            </a:r>
-            <a:r>
-              <a:rPr lang="en-US" altLang="zh-CN" sz="1500" dirty="0" smtClean="0">
+              <a:t>each stand for </a:t>
+            </a:r>
+            <a:r>
+              <a:rPr lang="en-US" altLang="zh-CN" sz="1500" dirty="0" err="1">
                 <a:latin typeface="微软雅黑" panose="020B0503020204020204" pitchFamily="34" charset="-122"/>
                 <a:ea typeface="微软雅黑" panose="020B0503020204020204" pitchFamily="34" charset="-122"/>
               </a:rPr>
-              <a:t>production                            . </a:t>
+              <a:t>for</a:t>
             </a:r>
             <a:r>
               <a:rPr lang="en-US" altLang="zh-CN" sz="1500" dirty="0">
                 <a:latin typeface="微软雅黑" panose="020B0503020204020204" pitchFamily="34" charset="-122"/>
                 <a:ea typeface="微软雅黑" panose="020B0503020204020204" pitchFamily="34" charset="-122"/>
               </a:rPr>
-              <a:t>Here, </a:t>
+              <a:t> a symbol that is either a terminal or a nonterminal . As a special case,  if             is a production, then a node labeled </a:t>
             </a:r>
             <a:r>
               <a:rPr lang="en-US" altLang="zh-CN" sz="1500" i="1" dirty="0">
                 <a:latin typeface="微软雅黑" panose="020B0503020204020204" pitchFamily="34" charset="-122"/>
                 <a:ea typeface="微软雅黑" panose="020B0503020204020204" pitchFamily="34" charset="-122"/>
               </a:rPr>
-              <a:t>X</a:t>
-            </a:r>
-            <a:r>
-              <a:rPr lang="en-US" altLang="zh-CN" sz="1500" i="1" baseline="-25000" dirty="0">
-                <a:latin typeface="微软雅黑" panose="020B0503020204020204" pitchFamily="34" charset="-122"/>
-                <a:ea typeface="微软雅黑" panose="020B0503020204020204" pitchFamily="34" charset="-122"/>
-              </a:rPr>
-              <a:t>I</a:t>
-            </a:r>
-            <a:r>
-              <a:rPr lang="en-US" altLang="zh-CN" sz="1500" i="1" dirty="0">
-                <a:latin typeface="微软雅黑" panose="020B0503020204020204" pitchFamily="34" charset="-122"/>
-                <a:ea typeface="微软雅黑" panose="020B0503020204020204" pitchFamily="34" charset="-122"/>
-              </a:rPr>
-              <a:t> , X</a:t>
-            </a:r>
-            <a:r>
-              <a:rPr lang="en-US" altLang="zh-CN" sz="1500" i="1" baseline="-25000" dirty="0">
-                <a:latin typeface="微软雅黑" panose="020B0503020204020204" pitchFamily="34" charset="-122"/>
-                <a:ea typeface="微软雅黑" panose="020B0503020204020204" pitchFamily="34" charset="-122"/>
-              </a:rPr>
-              <a:t>2 </a:t>
-            </a:r>
-            <a:r>
-              <a:rPr lang="en-US" altLang="zh-CN" sz="1500" i="1" dirty="0">
-                <a:latin typeface="微软雅黑" panose="020B0503020204020204" pitchFamily="34" charset="-122"/>
-                <a:ea typeface="微软雅黑" panose="020B0503020204020204" pitchFamily="34" charset="-122"/>
-              </a:rPr>
-              <a:t>, . . . , </a:t>
-            </a:r>
-            <a:r>
-              <a:rPr lang="en-US" altLang="zh-CN" sz="1500" i="1" dirty="0" err="1">
-                <a:latin typeface="微软雅黑" panose="020B0503020204020204" pitchFamily="34" charset="-122"/>
-                <a:ea typeface="微软雅黑" panose="020B0503020204020204" pitchFamily="34" charset="-122"/>
-              </a:rPr>
-              <a:t>X</a:t>
-            </a:r>
-            <a:r>
-              <a:rPr lang="en-US" altLang="zh-CN" sz="1500" i="1" baseline="-25000" dirty="0" err="1">
-                <a:latin typeface="微软雅黑" panose="020B0503020204020204" pitchFamily="34" charset="-122"/>
-                <a:ea typeface="微软雅黑" panose="020B0503020204020204" pitchFamily="34" charset="-122"/>
-              </a:rPr>
-              <a:t>n</a:t>
-            </a:r>
-            <a:r>
-              <a:rPr lang="en-US" altLang="zh-CN" sz="1500" i="1" dirty="0">
-                <a:latin typeface="微软雅黑" panose="020B0503020204020204" pitchFamily="34" charset="-122"/>
-                <a:ea typeface="微软雅黑" panose="020B0503020204020204" pitchFamily="34" charset="-122"/>
-              </a:rPr>
-              <a:t> </a:t>
+              <a:t>A</a:t>
             </a:r>
             <a:r>
               <a:rPr lang="en-US" altLang="zh-CN" sz="1500" dirty="0">
                 <a:latin typeface="微软雅黑" panose="020B0503020204020204" pitchFamily="34" charset="-122"/>
                 <a:ea typeface="微软雅黑" panose="020B0503020204020204" pitchFamily="34" charset="-122"/>
               </a:rPr>
-              <a:t>each </a:t>
-            </a:r>
-            <a:r>
-              <a:rPr lang="en-US" altLang="zh-CN" sz="1500" dirty="0" smtClean="0">
-                <a:latin typeface="微软雅黑" panose="020B0503020204020204" pitchFamily="34" charset="-122"/>
-                <a:ea typeface="微软雅黑" panose="020B0503020204020204" pitchFamily="34" charset="-122"/>
-              </a:rPr>
-              <a:t>stand </a:t>
-            </a:r>
-            <a:r>
-              <a:rPr lang="en-US" altLang="zh-CN" sz="1500" dirty="0">
-                <a:latin typeface="微软雅黑" panose="020B0503020204020204" pitchFamily="34" charset="-122"/>
-                <a:ea typeface="微软雅黑" panose="020B0503020204020204" pitchFamily="34" charset="-122"/>
-              </a:rPr>
-              <a:t>for </a:t>
-            </a:r>
-            <a:r>
-              <a:rPr lang="en-US" altLang="zh-CN" sz="1500" dirty="0" err="1">
-                <a:latin typeface="微软雅黑" panose="020B0503020204020204" pitchFamily="34" charset="-122"/>
-                <a:ea typeface="微软雅黑" panose="020B0503020204020204" pitchFamily="34" charset="-122"/>
-              </a:rPr>
-              <a:t>for</a:t>
-            </a:r>
-            <a:r>
-              <a:rPr lang="en-US" altLang="zh-CN" sz="1500" dirty="0">
-                <a:latin typeface="微软雅黑" panose="020B0503020204020204" pitchFamily="34" charset="-122"/>
-                <a:ea typeface="微软雅黑" panose="020B0503020204020204" pitchFamily="34" charset="-122"/>
-              </a:rPr>
-              <a:t> a symbol that is either a terminal or a nonterminal . As a special </a:t>
-            </a:r>
-            <a:r>
-              <a:rPr lang="en-US" altLang="zh-CN" sz="1500" dirty="0" smtClean="0">
-                <a:latin typeface="微软雅黑" panose="020B0503020204020204" pitchFamily="34" charset="-122"/>
-                <a:ea typeface="微软雅黑" panose="020B0503020204020204" pitchFamily="34" charset="-122"/>
-              </a:rPr>
-              <a:t>case,  if             is </a:t>
-            </a:r>
-            <a:r>
-              <a:rPr lang="en-US" altLang="zh-CN" sz="1500" dirty="0">
-                <a:latin typeface="微软雅黑" panose="020B0503020204020204" pitchFamily="34" charset="-122"/>
-                <a:ea typeface="微软雅黑" panose="020B0503020204020204" pitchFamily="34" charset="-122"/>
-              </a:rPr>
-              <a:t>a production, then a node labeled </a:t>
-            </a:r>
-            <a:r>
-              <a:rPr lang="en-US" altLang="zh-CN" sz="1500" i="1" dirty="0">
-                <a:latin typeface="微软雅黑" panose="020B0503020204020204" pitchFamily="34" charset="-122"/>
-                <a:ea typeface="微软雅黑" panose="020B0503020204020204" pitchFamily="34" charset="-122"/>
-              </a:rPr>
-              <a:t>A</a:t>
-            </a:r>
-            <a:r>
-              <a:rPr lang="en-US" altLang="zh-CN" sz="1500" dirty="0">
-                <a:latin typeface="微软雅黑" panose="020B0503020204020204" pitchFamily="34" charset="-122"/>
-                <a:ea typeface="微软雅黑" panose="020B0503020204020204" pitchFamily="34" charset="-122"/>
-              </a:rPr>
-              <a:t> may have a single </a:t>
-            </a:r>
-            <a:r>
-              <a:rPr lang="en-US" altLang="zh-CN" sz="1500" dirty="0" smtClean="0">
-                <a:latin typeface="微软雅黑" panose="020B0503020204020204" pitchFamily="34" charset="-122"/>
-                <a:ea typeface="微软雅黑" panose="020B0503020204020204" pitchFamily="34" charset="-122"/>
-              </a:rPr>
-              <a:t>child labeled      .</a:t>
+              <a:t> may have a single child labeled      .</a:t>
             </a:r>
             <a:endParaRPr lang="zh-CN" altLang="en-US" sz="1500" dirty="0">
               <a:latin typeface="微软雅黑" panose="020B0503020204020204" pitchFamily="34" charset="-122"/>
@@ -19982,7 +19747,7 @@
           <a:graphicData uri="http://schemas.openxmlformats.org/presentationml/2006/ole">
             <mc:AlternateContent xmlns:mc="http://schemas.openxmlformats.org/markup-compatibility/2006">
               <mc:Choice xmlns:v="urn:schemas-microsoft-com:vml" Requires="v">
-                <p:oleObj spid="_x0000_s8220" name="Equation" r:id="rId5" imgW="126720" imgH="139680" progId="Equation.DSMT4">
+                <p:oleObj spid="_x0000_s8245" name="Equation" r:id="rId5" imgW="126720" imgH="139680" progId="Equation.DSMT4">
                   <p:embed/>
                 </p:oleObj>
               </mc:Choice>
@@ -20035,7 +19800,7 @@
           <a:graphicData uri="http://schemas.openxmlformats.org/presentationml/2006/ole">
             <mc:AlternateContent xmlns:mc="http://schemas.openxmlformats.org/markup-compatibility/2006">
               <mc:Choice xmlns:v="urn:schemas-microsoft-com:vml" Requires="v">
-                <p:oleObj spid="_x0000_s8221" name="Equation" r:id="rId7" imgW="1041120" imgH="228600" progId="Equation.DSMT4">
+                <p:oleObj spid="_x0000_s8246" name="Equation" r:id="rId7" imgW="1041120" imgH="228600" progId="Equation.DSMT4">
                   <p:embed/>
                 </p:oleObj>
               </mc:Choice>
@@ -20088,7 +19853,7 @@
           <a:graphicData uri="http://schemas.openxmlformats.org/presentationml/2006/ole">
             <mc:AlternateContent xmlns:mc="http://schemas.openxmlformats.org/markup-compatibility/2006">
               <mc:Choice xmlns:v="urn:schemas-microsoft-com:vml" Requires="v">
-                <p:oleObj spid="_x0000_s8222" name="Equation" r:id="rId9" imgW="444240" imgH="177480" progId="Equation.DSMT4">
+                <p:oleObj spid="_x0000_s8247" name="Equation" r:id="rId9" imgW="444240" imgH="177480" progId="Equation.DSMT4">
                   <p:embed/>
                 </p:oleObj>
               </mc:Choice>
@@ -20141,7 +19906,7 @@
           <a:graphicData uri="http://schemas.openxmlformats.org/presentationml/2006/ole">
             <mc:AlternateContent xmlns:mc="http://schemas.openxmlformats.org/markup-compatibility/2006">
               <mc:Choice xmlns:v="urn:schemas-microsoft-com:vml" Requires="v">
-                <p:oleObj spid="_x0000_s8223" name="Equation" r:id="rId11" imgW="126720" imgH="139680" progId="Equation.DSMT4">
+                <p:oleObj spid="_x0000_s8248" name="Equation" r:id="rId11" imgW="126720" imgH="139680" progId="Equation.DSMT4">
                   <p:embed/>
                 </p:oleObj>
               </mc:Choice>
@@ -20216,21 +19981,7 @@
                 <a:latin typeface="微软雅黑" panose="020B0503020204020204" pitchFamily="34" charset="-122"/>
                 <a:ea typeface="微软雅黑" panose="020B0503020204020204" pitchFamily="34" charset="-122"/>
               </a:rPr>
-              <a:t>From left to right , the leaves of a parse tree </a:t>
-            </a:r>
-            <a:r>
-              <a:rPr lang="en-US" altLang="zh-CN" sz="1500" dirty="0" smtClean="0">
-                <a:latin typeface="微软雅黑" panose="020B0503020204020204" pitchFamily="34" charset="-122"/>
-                <a:ea typeface="微软雅黑" panose="020B0503020204020204" pitchFamily="34" charset="-122"/>
-              </a:rPr>
-              <a:t>form </a:t>
-            </a:r>
-            <a:r>
-              <a:rPr lang="en-US" altLang="zh-CN" sz="1500" dirty="0">
-                <a:latin typeface="微软雅黑" panose="020B0503020204020204" pitchFamily="34" charset="-122"/>
-                <a:ea typeface="微软雅黑" panose="020B0503020204020204" pitchFamily="34" charset="-122"/>
-              </a:rPr>
-              <a:t>the </a:t>
+              <a:t>From left to right , the leaves of a parse tree form the </a:t>
             </a:r>
             <a:r>
               <a:rPr lang="en-US" altLang="zh-CN" sz="1500" b="1" i="1" dirty="0">
@@ -20247,21 +19998,7 @@
                 <a:latin typeface="微软雅黑" panose="020B0503020204020204" pitchFamily="34" charset="-122"/>
                 <a:ea typeface="微软雅黑" panose="020B0503020204020204" pitchFamily="34" charset="-122"/>
               </a:rPr>
-              <a:t> of the tree , </a:t>
-            </a:r>
-            <a:r>
-              <a:rPr lang="en-US" altLang="zh-CN" sz="1500" dirty="0" smtClean="0">
-                <a:latin typeface="微软雅黑" panose="020B0503020204020204" pitchFamily="34" charset="-122"/>
-                <a:ea typeface="微软雅黑" panose="020B0503020204020204" pitchFamily="34" charset="-122"/>
-              </a:rPr>
-              <a:t>which is </a:t>
-            </a:r>
-            <a:r>
-              <a:rPr lang="en-US" altLang="zh-CN" sz="1500" dirty="0">
-                <a:latin typeface="微软雅黑" panose="020B0503020204020204" pitchFamily="34" charset="-122"/>
-                <a:ea typeface="微软雅黑" panose="020B0503020204020204" pitchFamily="34" charset="-122"/>
-              </a:rPr>
-              <a:t>the string </a:t>
+              <a:t> of the tree , which is the string </a:t>
             </a:r>
             <a:r>
               <a:rPr lang="en-US" altLang="zh-CN" sz="1500" b="1" i="1" dirty="0">
@@ -20305,35 +20042,7 @@
                 <a:latin typeface="微软雅黑" panose="020B0503020204020204" pitchFamily="34" charset="-122"/>
                 <a:ea typeface="微软雅黑" panose="020B0503020204020204" pitchFamily="34" charset="-122"/>
               </a:rPr>
-              <a:t> from the nonterminal at the root of the </a:t>
-            </a:r>
-            <a:r>
-              <a:rPr lang="en-US" altLang="zh-CN" sz="1500" dirty="0" smtClean="0">
-                <a:latin typeface="微软雅黑" panose="020B0503020204020204" pitchFamily="34" charset="-122"/>
-                <a:ea typeface="微软雅黑" panose="020B0503020204020204" pitchFamily="34" charset="-122"/>
-              </a:rPr>
-              <a:t>parse </a:t>
-            </a:r>
-            <a:r>
-              <a:rPr lang="en-US" altLang="zh-CN" sz="1500" dirty="0">
-                <a:latin typeface="微软雅黑" panose="020B0503020204020204" pitchFamily="34" charset="-122"/>
-                <a:ea typeface="微软雅黑" panose="020B0503020204020204" pitchFamily="34" charset="-122"/>
-              </a:rPr>
-              <a:t>tree. The process of finding a </a:t>
-            </a:r>
-            <a:r>
-              <a:rPr lang="en-US" altLang="zh-CN" sz="1500" dirty="0" smtClean="0">
-                <a:latin typeface="微软雅黑" panose="020B0503020204020204" pitchFamily="34" charset="-122"/>
-                <a:ea typeface="微软雅黑" panose="020B0503020204020204" pitchFamily="34" charset="-122"/>
-              </a:rPr>
-              <a:t>parse tree </a:t>
-            </a:r>
-            <a:r>
-              <a:rPr lang="en-US" altLang="zh-CN" sz="1500" dirty="0">
-                <a:latin typeface="微软雅黑" panose="020B0503020204020204" pitchFamily="34" charset="-122"/>
-                <a:ea typeface="微软雅黑" panose="020B0503020204020204" pitchFamily="34" charset="-122"/>
-              </a:rPr>
-              <a:t>for a given string of terminals is called </a:t>
+              <a:t> from the nonterminal at the root of the parse tree. The process of finding a parse tree for a given string of terminals is called </a:t>
             </a:r>
             <a:r>
               <a:rPr lang="en-US" altLang="zh-CN" sz="1500" b="1" i="1" dirty="0">
@@ -20417,7 +20126,7 @@
           <a:lstStyle/>
           <a:p>
             <a:r>
-              <a:rPr lang="en-US" altLang="zh-CN" dirty="0" smtClean="0"/>
+              <a:rPr lang="en-US" altLang="zh-CN" dirty="0"/>
               <a:t>Ambiguity</a:t>
             </a:r>
             <a:endParaRPr lang="zh-CN" altLang="en-US" dirty="0"/>
@@ -20460,15 +20169,7 @@
             </a:r>
             <a:r>
               <a:rPr lang="en-US" altLang="zh-CN" sz="2000" dirty="0"/>
-              <a:t>parse tree generating a </a:t>
-            </a:r>
-            <a:r>
-              <a:rPr lang="en-US" altLang="zh-CN" sz="2000" dirty="0" smtClean="0"/>
-              <a:t>given string </a:t>
-            </a:r>
-            <a:r>
-              <a:rPr lang="en-US" altLang="zh-CN" sz="2000" dirty="0"/>
-              <a:t>of terminals. Such a grammar is said to be ambiguous. </a:t>
+              <a:t>parse tree generating a given string of terminals. Such a grammar is said to be ambiguous. </a:t>
             </a:r>
             <a:endParaRPr lang="zh-CN" altLang="en-US" sz="2000" dirty="0"/>
           </a:p>
@@ -20688,40 +20389,8 @@
               <a:buNone/>
             </a:pPr>
             <a:r>
-              <a:rPr lang="en-US" altLang="zh-CN" sz="2000" dirty="0" smtClean="0"/>
-              <a:t>Since </a:t>
-            </a:r>
-            <a:r>
               <a:rPr lang="en-US" altLang="zh-CN" sz="2000" dirty="0"/>
-              <a:t>a string with more than one parse </a:t>
-            </a:r>
-            <a:r>
-              <a:rPr lang="en-US" altLang="zh-CN" sz="2000" dirty="0" smtClean="0"/>
-              <a:t>tree usually </a:t>
-            </a:r>
-            <a:r>
-              <a:rPr lang="en-US" altLang="zh-CN" sz="2000" dirty="0"/>
-              <a:t>has more than one meaning, we need to design unambiguous </a:t>
-            </a:r>
-            <a:r>
-              <a:rPr lang="en-US" altLang="zh-CN" sz="2000" dirty="0" smtClean="0"/>
-              <a:t>grammars for </a:t>
-            </a:r>
-            <a:r>
-              <a:rPr lang="en-US" altLang="zh-CN" sz="2000" dirty="0"/>
-              <a:t>compiling applications, or to use ambiguous grammars with additional </a:t>
-            </a:r>
-            <a:r>
-              <a:rPr lang="en-US" altLang="zh-CN" sz="2000" dirty="0" smtClean="0"/>
-              <a:t>rules to </a:t>
-            </a:r>
-            <a:r>
-              <a:rPr lang="en-US" altLang="zh-CN" sz="2000" dirty="0"/>
-              <a:t>resolve the </a:t>
-            </a:r>
-            <a:r>
-              <a:rPr lang="en-US" altLang="zh-CN" sz="2000" dirty="0" smtClean="0"/>
-              <a:t>ambiguities.</a:t>
+              <a:t>Since a string with more than one parse tree usually has more than one meaning, we need to design unambiguous grammars for compiling applications, or to use ambiguous grammars with additional rules to resolve the ambiguities.</a:t>
             </a:r>
             <a:endParaRPr lang="zh-CN" altLang="en-US" sz="2000" dirty="0"/>
           </a:p>
@@ -20785,12 +20454,8 @@
           <a:lstStyle/>
           <a:p>
             <a:r>
-              <a:rPr lang="en-US" altLang="zh-CN" dirty="0" smtClean="0"/>
-              <a:t>LL(1</a:t>
-            </a:r>
-            <a:r>
               <a:rPr lang="en-US" altLang="zh-CN" dirty="0"/>
-              <a:t>) Grammar</a:t>
+              <a:t>LL(1) Grammar</a:t>
             </a:r>
             <a:endParaRPr lang="zh-CN" altLang="en-US" dirty="0"/>
           </a:p>
@@ -20887,12 +20552,8 @@
           <a:lstStyle/>
           <a:p>
             <a:r>
-              <a:rPr lang="en-US" altLang="zh-CN" dirty="0" smtClean="0"/>
-              <a:t>LL(1</a:t>
-            </a:r>
-            <a:r>
               <a:rPr lang="en-US" altLang="zh-CN" dirty="0"/>
-              <a:t>) Grammar - FIRST and FOLLOW</a:t>
+              <a:t>LL(1) Grammar - FIRST and FOLLOW</a:t>
             </a:r>
             <a:endParaRPr lang="zh-CN" altLang="en-US" dirty="0"/>
           </a:p>
@@ -20955,15 +20616,7 @@
             </a:pPr>
             <a:r>
               <a:rPr lang="en-US" altLang="zh-CN" dirty="0"/>
-              <a:t>   sometimes,     start with a nonterminal X, how to </a:t>
-            </a:r>
-            <a:r>
-              <a:rPr lang="en-US" altLang="zh-CN" dirty="0" smtClean="0"/>
-              <a:t>compute </a:t>
-            </a:r>
-            <a:r>
-              <a:rPr lang="en-US" altLang="zh-CN" dirty="0"/>
-              <a:t>FIRST(X)?   </a:t>
+              <a:t>   sometimes,     start with a nonterminal X, how to compute FIRST(X)?   </a:t>
             </a:r>
             <a:endParaRPr lang="zh-CN" altLang="en-US" dirty="0"/>
           </a:p>
@@ -20987,7 +20640,7 @@
           <a:graphicData uri="http://schemas.openxmlformats.org/presentationml/2006/ole">
             <mc:AlternateContent xmlns:mc="http://schemas.openxmlformats.org/markup-compatibility/2006">
               <mc:Choice xmlns:v="urn:schemas-microsoft-com:vml" Requires="v">
-                <p:oleObj spid="_x0000_s13337" name="Equation" r:id="rId3" imgW="876240" imgH="177480" progId="Equation.DSMT4">
+                <p:oleObj spid="_x0000_s13367" name="Equation" r:id="rId3" imgW="876240" imgH="177480" progId="Equation.DSMT4">
                   <p:embed/>
                 </p:oleObj>
               </mc:Choice>
@@ -21040,7 +20693,7 @@
           <a:graphicData uri="http://schemas.openxmlformats.org/presentationml/2006/ole">
             <mc:AlternateContent xmlns:mc="http://schemas.openxmlformats.org/markup-compatibility/2006">
               <mc:Choice xmlns:v="urn:schemas-microsoft-com:vml" Requires="v">
-                <p:oleObj spid="_x0000_s13338" name="Equation" r:id="rId5" imgW="571320" imgH="177480" progId="Equation.DSMT4">
+                <p:oleObj spid="_x0000_s13368" name="Equation" r:id="rId5" imgW="571320" imgH="177480" progId="Equation.DSMT4">
                   <p:embed/>
                 </p:oleObj>
               </mc:Choice>
@@ -21093,7 +20746,7 @@
           <a:graphicData uri="http://schemas.openxmlformats.org/presentationml/2006/ole">
             <mc:AlternateContent xmlns:mc="http://schemas.openxmlformats.org/markup-compatibility/2006">
               <mc:Choice xmlns:v="urn:schemas-microsoft-com:vml" Requires="v">
-                <p:oleObj spid="_x0000_s13339" name="Equation" r:id="rId7" imgW="1434960" imgH="190440" progId="Equation.DSMT4">
+                <p:oleObj spid="_x0000_s13369" name="Equation" r:id="rId7" imgW="1434960" imgH="190440" progId="Equation.DSMT4">
                   <p:embed/>
                 </p:oleObj>
               </mc:Choice>
@@ -21146,7 +20799,7 @@
           <a:graphicData uri="http://schemas.openxmlformats.org/presentationml/2006/ole">
             <mc:AlternateContent xmlns:mc="http://schemas.openxmlformats.org/markup-compatibility/2006">
               <mc:Choice xmlns:v="urn:schemas-microsoft-com:vml" Requires="v">
-                <p:oleObj spid="_x0000_s13340" name="Equation" r:id="rId9" imgW="355320" imgH="164880" progId="Equation.DSMT4">
+                <p:oleObj spid="_x0000_s13370" name="Equation" r:id="rId9" imgW="355320" imgH="164880" progId="Equation.DSMT4">
                   <p:embed/>
                 </p:oleObj>
               </mc:Choice>
@@ -21199,7 +20852,7 @@
           <a:graphicData uri="http://schemas.openxmlformats.org/presentationml/2006/ole">
             <mc:AlternateContent xmlns:mc="http://schemas.openxmlformats.org/markup-compatibility/2006">
               <mc:Choice xmlns:v="urn:schemas-microsoft-com:vml" Requires="v">
-                <p:oleObj spid="_x0000_s13341" name="Equation" r:id="rId11" imgW="634680" imgH="152280" progId="Equation.DSMT4">
+                <p:oleObj spid="_x0000_s13371" name="Equation" r:id="rId11" imgW="634680" imgH="152280" progId="Equation.DSMT4">
                   <p:embed/>
                 </p:oleObj>
               </mc:Choice>
@@ -21252,7 +20905,7 @@
           <a:graphicData uri="http://schemas.openxmlformats.org/presentationml/2006/ole">
             <mc:AlternateContent xmlns:mc="http://schemas.openxmlformats.org/markup-compatibility/2006">
               <mc:Choice xmlns:v="urn:schemas-microsoft-com:vml" Requires="v">
-                <p:oleObj spid="_x0000_s13342" name="Equation" r:id="rId13" imgW="101520" imgH="114120" progId="Equation.DSMT4">
+                <p:oleObj spid="_x0000_s13372" name="Equation" r:id="rId13" imgW="101520" imgH="114120" progId="Equation.DSMT4">
                   <p:embed/>
                 </p:oleObj>
               </mc:Choice>
@@ -21375,12 +21028,8 @@
           <a:lstStyle/>
           <a:p>
             <a:r>
-              <a:rPr lang="en-US" altLang="zh-CN" dirty="0" smtClean="0"/>
-              <a:t>LL(1</a:t>
-            </a:r>
-            <a:r>
               <a:rPr lang="en-US" altLang="zh-CN" dirty="0"/>
-              <a:t>) Grammar - FIRST and FOLLOW</a:t>
+              <a:t>LL(1) Grammar - FIRST and FOLLOW</a:t>
             </a:r>
             <a:endParaRPr lang="zh-CN" altLang="en-US" dirty="0"/>
           </a:p>
@@ -21534,7 +21183,7 @@
           <a:graphicData uri="http://schemas.openxmlformats.org/presentationml/2006/ole">
             <mc:AlternateContent xmlns:mc="http://schemas.openxmlformats.org/markup-compatibility/2006">
               <mc:Choice xmlns:v="urn:schemas-microsoft-com:vml" Requires="v">
-                <p:oleObj spid="_x0000_s12305" name="Equation" r:id="rId3" imgW="1879560" imgH="190440" progId="Equation.DSMT4">
+                <p:oleObj spid="_x0000_s12325" name="Equation" r:id="rId3" imgW="1879560" imgH="190440" progId="Equation.DSMT4">
                   <p:embed/>
                 </p:oleObj>
               </mc:Choice>
@@ -21587,7 +21236,7 @@
           <a:graphicData uri="http://schemas.openxmlformats.org/presentationml/2006/ole">
             <mc:AlternateContent xmlns:mc="http://schemas.openxmlformats.org/markup-compatibility/2006">
               <mc:Choice xmlns:v="urn:schemas-microsoft-com:vml" Requires="v">
-                <p:oleObj spid="_x0000_s12306" name="Equation" r:id="rId5" imgW="482400" imgH="164880" progId="Equation.DSMT4">
+                <p:oleObj spid="_x0000_s12326" name="Equation" r:id="rId5" imgW="482400" imgH="164880" progId="Equation.DSMT4">
                   <p:embed/>
                 </p:oleObj>
               </mc:Choice>
@@ -21640,7 +21289,7 @@
           <a:graphicData uri="http://schemas.openxmlformats.org/presentationml/2006/ole">
             <mc:AlternateContent xmlns:mc="http://schemas.openxmlformats.org/markup-compatibility/2006">
               <mc:Choice xmlns:v="urn:schemas-microsoft-com:vml" Requires="v">
-                <p:oleObj spid="_x0000_s12307" name="Equation" r:id="rId7" imgW="812520" imgH="164880" progId="Equation.DSMT4">
+                <p:oleObj spid="_x0000_s12327" name="Equation" r:id="rId7" imgW="812520" imgH="164880" progId="Equation.DSMT4">
                   <p:embed/>
                 </p:oleObj>
               </mc:Choice>
@@ -21693,7 +21342,7 @@
           <a:graphicData uri="http://schemas.openxmlformats.org/presentationml/2006/ole">
             <mc:AlternateContent xmlns:mc="http://schemas.openxmlformats.org/markup-compatibility/2006">
               <mc:Choice xmlns:v="urn:schemas-microsoft-com:vml" Requires="v">
-                <p:oleObj spid="_x0000_s12308" name="Equation" r:id="rId9" imgW="101520" imgH="152280" progId="Equation.DSMT4">
+                <p:oleObj spid="_x0000_s12328" name="Equation" r:id="rId9" imgW="101520" imgH="152280" progId="Equation.DSMT4">
                   <p:embed/>
                 </p:oleObj>
               </mc:Choice>
@@ -21834,12 +21483,8 @@
           <a:lstStyle/>
           <a:p>
             <a:r>
-              <a:rPr lang="en-US" altLang="zh-CN" dirty="0" smtClean="0"/>
-              <a:t>LL(1</a:t>
-            </a:r>
-            <a:r>
               <a:rPr lang="en-US" altLang="zh-CN" dirty="0"/>
-              <a:t>) Grammar - definition</a:t>
+              <a:t>LL(1) Grammar - definition</a:t>
             </a:r>
             <a:endParaRPr lang="zh-CN" altLang="en-US" dirty="0"/>
           </a:p>
@@ -21937,7 +21582,7 @@
           <a:graphicData uri="http://schemas.openxmlformats.org/presentationml/2006/ole">
             <mc:AlternateContent xmlns:mc="http://schemas.openxmlformats.org/markup-compatibility/2006">
               <mc:Choice xmlns:v="urn:schemas-microsoft-com:vml" Requires="v">
-                <p:oleObj spid="_x0000_s11281" name="Equation" r:id="rId3" imgW="850680" imgH="177480" progId="Equation.DSMT4">
+                <p:oleObj spid="_x0000_s11301" name="Equation" r:id="rId3" imgW="850680" imgH="177480" progId="Equation.DSMT4">
                   <p:embed/>
                 </p:oleObj>
               </mc:Choice>
@@ -21990,7 +21635,7 @@
           <a:graphicData uri="http://schemas.openxmlformats.org/presentationml/2006/ole">
             <mc:AlternateContent xmlns:mc="http://schemas.openxmlformats.org/markup-compatibility/2006">
               <mc:Choice xmlns:v="urn:schemas-microsoft-com:vml" Requires="v">
-                <p:oleObj spid="_x0000_s11282" name="Equation" r:id="rId5" imgW="1688760" imgH="190440" progId="Equation.DSMT4">
+                <p:oleObj spid="_x0000_s11302" name="Equation" r:id="rId5" imgW="1688760" imgH="190440" progId="Equation.DSMT4">
                   <p:embed/>
                 </p:oleObj>
               </mc:Choice>
@@ -22043,7 +21688,7 @@
           <a:graphicData uri="http://schemas.openxmlformats.org/presentationml/2006/ole">
             <mc:AlternateContent xmlns:mc="http://schemas.openxmlformats.org/markup-compatibility/2006">
               <mc:Choice xmlns:v="urn:schemas-microsoft-com:vml" Requires="v">
-                <p:oleObj spid="_x0000_s11283" name="Equation" r:id="rId7" imgW="660240" imgH="152280" progId="Equation.DSMT4">
+                <p:oleObj spid="_x0000_s11303" name="Equation" r:id="rId7" imgW="660240" imgH="152280" progId="Equation.DSMT4">
                   <p:embed/>
                 </p:oleObj>
               </mc:Choice>
@@ -22096,7 +21741,7 @@
           <a:graphicData uri="http://schemas.openxmlformats.org/presentationml/2006/ole">
             <mc:AlternateContent xmlns:mc="http://schemas.openxmlformats.org/markup-compatibility/2006">
               <mc:Choice xmlns:v="urn:schemas-microsoft-com:vml" Requires="v">
-                <p:oleObj spid="_x0000_s11284" name="Equation" r:id="rId9" imgW="1384200" imgH="152280" progId="Equation.DSMT4">
+                <p:oleObj spid="_x0000_s11304" name="Equation" r:id="rId9" imgW="1384200" imgH="152280" progId="Equation.DSMT4">
                   <p:embed/>
                 </p:oleObj>
               </mc:Choice>
@@ -22189,12 +21834,8 @@
           <a:lstStyle/>
           <a:p>
             <a:r>
-              <a:rPr lang="en-US" altLang="zh-CN" dirty="0" smtClean="0"/>
-              <a:t>LL(1) Top-Down </a:t>
-            </a:r>
-            <a:r>
               <a:rPr lang="en-US" altLang="zh-CN" dirty="0"/>
-              <a:t>Parsing (Framework)</a:t>
+              <a:t>LL(1) Top-Down Parsing (Framework)</a:t>
             </a:r>
             <a:endParaRPr lang="zh-CN" altLang="en-US" dirty="0"/>
           </a:p>
@@ -22357,7 +21998,7 @@
           <a:graphicData uri="http://schemas.openxmlformats.org/presentationml/2006/ole">
             <mc:AlternateContent xmlns:mc="http://schemas.openxmlformats.org/markup-compatibility/2006">
               <mc:Choice xmlns:v="urn:schemas-microsoft-com:vml" Requires="v">
-                <p:oleObj spid="_x0000_s10269" name="Equation" r:id="rId3" imgW="850680" imgH="177480" progId="Equation.DSMT4">
+                <p:oleObj spid="_x0000_s10304" name="Equation" r:id="rId3" imgW="850680" imgH="177480" progId="Equation.DSMT4">
                   <p:embed/>
                 </p:oleObj>
               </mc:Choice>
@@ -22410,7 +22051,7 @@
           <a:graphicData uri="http://schemas.openxmlformats.org/presentationml/2006/ole">
             <mc:AlternateContent xmlns:mc="http://schemas.openxmlformats.org/markup-compatibility/2006">
               <mc:Choice xmlns:v="urn:schemas-microsoft-com:vml" Requires="v">
-                <p:oleObj spid="_x0000_s10270" name="Equation" r:id="rId5" imgW="685800" imgH="177480" progId="Equation.DSMT4">
+                <p:oleObj spid="_x0000_s10305" name="Equation" r:id="rId5" imgW="685800" imgH="177480" progId="Equation.DSMT4">
                   <p:embed/>
                 </p:oleObj>
               </mc:Choice>
@@ -22463,7 +22104,7 @@
           <a:graphicData uri="http://schemas.openxmlformats.org/presentationml/2006/ole">
             <mc:AlternateContent xmlns:mc="http://schemas.openxmlformats.org/markup-compatibility/2006">
               <mc:Choice xmlns:v="urn:schemas-microsoft-com:vml" Requires="v">
-                <p:oleObj spid="_x0000_s10271" name="Equation" r:id="rId7" imgW="139680" imgH="177480" progId="Equation.DSMT4">
+                <p:oleObj spid="_x0000_s10306" name="Equation" r:id="rId7" imgW="139680" imgH="177480" progId="Equation.DSMT4">
                   <p:embed/>
                 </p:oleObj>
               </mc:Choice>
@@ -22516,7 +22157,7 @@
           <a:graphicData uri="http://schemas.openxmlformats.org/presentationml/2006/ole">
             <mc:AlternateContent xmlns:mc="http://schemas.openxmlformats.org/markup-compatibility/2006">
               <mc:Choice xmlns:v="urn:schemas-microsoft-com:vml" Requires="v">
-                <p:oleObj spid="_x0000_s10272" name="Equation" r:id="rId9" imgW="2171520" imgH="177480" progId="Equation.DSMT4">
+                <p:oleObj spid="_x0000_s10307" name="Equation" r:id="rId9" imgW="2171520" imgH="177480" progId="Equation.DSMT4">
                   <p:embed/>
                 </p:oleObj>
               </mc:Choice>
@@ -22569,7 +22210,7 @@
           <a:graphicData uri="http://schemas.openxmlformats.org/presentationml/2006/ole">
             <mc:AlternateContent xmlns:mc="http://schemas.openxmlformats.org/markup-compatibility/2006">
               <mc:Choice xmlns:v="urn:schemas-microsoft-com:vml" Requires="v">
-                <p:oleObj spid="_x0000_s10273" name="Equation" r:id="rId11" imgW="685800" imgH="177480" progId="Equation.DSMT4">
+                <p:oleObj spid="_x0000_s10308" name="Equation" r:id="rId11" imgW="685800" imgH="177480" progId="Equation.DSMT4">
                   <p:embed/>
                 </p:oleObj>
               </mc:Choice>
@@ -22622,7 +22263,7 @@
           <a:graphicData uri="http://schemas.openxmlformats.org/presentationml/2006/ole">
             <mc:AlternateContent xmlns:mc="http://schemas.openxmlformats.org/markup-compatibility/2006">
               <mc:Choice xmlns:v="urn:schemas-microsoft-com:vml" Requires="v">
-                <p:oleObj spid="_x0000_s10274" name="Equation" r:id="rId13" imgW="812520" imgH="152280" progId="Equation.DSMT4">
+                <p:oleObj spid="_x0000_s10309" name="Equation" r:id="rId13" imgW="812520" imgH="152280" progId="Equation.DSMT4">
                   <p:embed/>
                 </p:oleObj>
               </mc:Choice>
@@ -22675,7 +22316,7 @@
           <a:graphicData uri="http://schemas.openxmlformats.org/presentationml/2006/ole">
             <mc:AlternateContent xmlns:mc="http://schemas.openxmlformats.org/markup-compatibility/2006">
               <mc:Choice xmlns:v="urn:schemas-microsoft-com:vml" Requires="v">
-                <p:oleObj spid="_x0000_s10275" name="Equation" r:id="rId15" imgW="101520" imgH="114120" progId="Equation.DSMT4">
+                <p:oleObj spid="_x0000_s10310" name="Equation" r:id="rId15" imgW="101520" imgH="114120" progId="Equation.DSMT4">
                   <p:embed/>
                 </p:oleObj>
               </mc:Choice>
@@ -22768,12 +22409,8 @@
           <a:lstStyle/>
           <a:p>
             <a:r>
-              <a:rPr lang="en-US" altLang="zh-CN" dirty="0" smtClean="0"/>
-              <a:t>4.6 </a:t>
-            </a:r>
-            <a:r>
               <a:rPr lang="en-US" altLang="zh-CN" dirty="0"/>
-              <a:t>Predictive Parsing for LL(1) Grammar</a:t>
+              <a:t>4.6 Predictive Parsing for LL(1) Grammar</a:t>
             </a:r>
             <a:endParaRPr lang="zh-CN" altLang="en-US" dirty="0"/>
           </a:p>
@@ -22800,16 +22437,8 @@
           <a:lstStyle/>
           <a:p>
             <a:r>
-              <a:rPr lang="en-US" altLang="zh-CN" dirty="0" smtClean="0"/>
-              <a:t>Construction </a:t>
-            </a:r>
-            <a:r>
               <a:rPr lang="en-US" altLang="zh-CN" dirty="0"/>
-              <a:t>of a predictive parsing </a:t>
-            </a:r>
-            <a:r>
-              <a:rPr lang="en-US" altLang="zh-CN" dirty="0" smtClean="0"/>
-              <a:t>table M.</a:t>
+              <a:t>Construction of a predictive parsing table M.</a:t>
             </a:r>
             <a:endParaRPr lang="zh-CN" altLang="en-US" dirty="0"/>
           </a:p>
@@ -22885,13 +22514,6 @@
       </p:transition>
     </mc:Fallback>
   </mc:AlternateContent>
-  <p:timing>
-    <p:tnLst>
-      <p:par>
-        <p:cTn id="1" dur="indefinite" restart="never" nodeType="tmRoot"/>
-      </p:par>
-    </p:tnLst>
-  </p:timing>
 </p:sld>
 </file>
 
@@ -22928,12 +22550,8 @@
           <a:lstStyle/>
           <a:p>
             <a:r>
-              <a:rPr lang="en-US" altLang="zh-CN" dirty="0" smtClean="0"/>
-              <a:t>4.6 </a:t>
-            </a:r>
-            <a:r>
               <a:rPr lang="en-US" altLang="zh-CN" dirty="0"/>
-              <a:t>Predictive Parsing for LL(1) Grammar</a:t>
+              <a:t>4.6 Predictive Parsing for LL(1) Grammar</a:t>
             </a:r>
             <a:endParaRPr lang="zh-CN" altLang="en-US" dirty="0"/>
           </a:p>
@@ -23039,13 +22657,6 @@
       </p:transition>
     </mc:Fallback>
   </mc:AlternateContent>
-  <p:timing>
-    <p:tnLst>
-      <p:par>
-        <p:cTn id="1" dur="indefinite" restart="never" nodeType="tmRoot"/>
-      </p:par>
-    </p:tnLst>
-  </p:timing>
 </p:sld>
 </file>
 
@@ -23082,7 +22693,7 @@
           <a:lstStyle/>
           <a:p>
             <a:r>
-              <a:rPr lang="en-US" altLang="zh-CN" dirty="0" smtClean="0"/>
+              <a:rPr lang="en-US" altLang="zh-CN" dirty="0"/>
               <a:t>Example</a:t>
             </a:r>
             <a:endParaRPr lang="zh-CN" altLang="en-US" dirty="0"/>
@@ -23292,7 +22903,7 @@
               <a:tabLst/>
             </a:pPr>
             <a:r>
-              <a:rPr kumimoji="0" lang="en-US" altLang="zh-CN" sz="2000" b="0" i="0" u="none" strike="noStrike" cap="none" normalizeH="0" baseline="0" dirty="0" smtClean="0">
+              <a:rPr kumimoji="0" lang="en-US" altLang="zh-CN" sz="2000" b="0" i="0" u="none" strike="noStrike" cap="none" normalizeH="0" baseline="0" dirty="0">
                 <a:ln>
                   <a:noFill/>
                 </a:ln>
@@ -23306,7 +22917,7 @@
               </a:rPr>
               <a:t>Consider Grammar G3:</a:t>
             </a:r>
-            <a:endParaRPr kumimoji="0" lang="en-US" altLang="zh-CN" sz="2000" b="0" i="0" u="none" strike="noStrike" cap="none" normalizeH="0" baseline="0" dirty="0" smtClean="0">
+            <a:endParaRPr kumimoji="0" lang="en-US" altLang="zh-CN" sz="2000" b="0" i="0" u="none" strike="noStrike" cap="none" normalizeH="0" baseline="0" dirty="0">
               <a:ln>
                 <a:noFill/>
               </a:ln>
@@ -23333,7 +22944,7 @@
               <a:buNone/>
               <a:tabLst/>
             </a:pPr>
-            <a:endParaRPr kumimoji="0" lang="en-US" altLang="zh-CN" sz="1800" b="0" i="0" u="none" strike="noStrike" cap="none" normalizeH="0" baseline="0" dirty="0" smtClean="0">
+            <a:endParaRPr kumimoji="0" lang="en-US" altLang="zh-CN" sz="1800" b="0" i="0" u="none" strike="noStrike" cap="none" normalizeH="0" baseline="0" dirty="0">
               <a:ln>
                 <a:noFill/>
               </a:ln>
@@ -23368,7 +22979,7 @@
           <a:graphicData uri="http://schemas.openxmlformats.org/presentationml/2006/ole">
             <mc:AlternateContent xmlns:mc="http://schemas.openxmlformats.org/markup-compatibility/2006">
               <mc:Choice xmlns:v="urn:schemas-microsoft-com:vml" Requires="v">
-                <p:oleObj spid="_x0000_s9224" name="Equation" r:id="rId3" imgW="457200" imgH="482600" progId="Equation.DSMT4">
+                <p:oleObj spid="_x0000_s9229" name="Equation" r:id="rId3" imgW="457200" imgH="482600" progId="Equation.DSMT4">
                   <p:embed/>
                 </p:oleObj>
               </mc:Choice>
@@ -23539,18 +23150,11 @@
               </a:spcAft>
             </a:pPr>
             <a:r>
-              <a:rPr lang="en-US" altLang="zh-CN" kern="100" dirty="0" smtClean="0">
-                <a:latin typeface="Times New Roman" panose="02020603050405020304" pitchFamily="18" charset="0"/>
-                <a:ea typeface="宋体" panose="02010600030101010101" pitchFamily="2" charset="-122"/>
-              </a:rPr>
-              <a:t>(</a:t>
-            </a:r>
-            <a:r>
               <a:rPr lang="en-US" altLang="zh-CN" kern="100" dirty="0">
                 <a:latin typeface="Times New Roman" panose="02020603050405020304" pitchFamily="18" charset="0"/>
                 <a:ea typeface="宋体" panose="02010600030101010101" pitchFamily="2" charset="-122"/>
               </a:rPr>
-              <a:t>2) The grammar has no left-recursion</a:t>
+              <a:t>(2) The grammar has no left-recursion</a:t>
             </a:r>
             <a:endParaRPr lang="zh-CN" altLang="zh-CN" kern="100" dirty="0">
               <a:latin typeface="Times New Roman" panose="02020603050405020304" pitchFamily="18" charset="0"/>
@@ -23664,11 +23268,41 @@
                 <a:tableStyleId>{5C22544A-7EE6-4342-B048-85BDC9FD1C3A}</a:tableStyleId>
               </a:tblPr>
               <a:tblGrid>
-                <a:gridCol w="931156"/>
-                <a:gridCol w="994422"/>
-                <a:gridCol w="1024433"/>
-                <a:gridCol w="976578"/>
-                <a:gridCol w="930345"/>
+                <a:gridCol w="931156">
+                  <a:extLst>
+                    <a:ext uri="{9D8B030D-6E8A-4147-A177-3AD203B41FA5}">
+                      <a16:colId xmlns:a16="http://schemas.microsoft.com/office/drawing/2014/main" val="20000"/>
+                    </a:ext>
+                  </a:extLst>
+                </a:gridCol>
+                <a:gridCol w="994422">
+                  <a:extLst>
+                    <a:ext uri="{9D8B030D-6E8A-4147-A177-3AD203B41FA5}">
+                      <a16:colId xmlns:a16="http://schemas.microsoft.com/office/drawing/2014/main" val="20001"/>
+                    </a:ext>
+                  </a:extLst>
+                </a:gridCol>
+                <a:gridCol w="1024433">
+                  <a:extLst>
+                    <a:ext uri="{9D8B030D-6E8A-4147-A177-3AD203B41FA5}">
+                      <a16:colId xmlns:a16="http://schemas.microsoft.com/office/drawing/2014/main" val="20002"/>
+                    </a:ext>
+                  </a:extLst>
+                </a:gridCol>
+                <a:gridCol w="976578">
+                  <a:extLst>
+                    <a:ext uri="{9D8B030D-6E8A-4147-A177-3AD203B41FA5}">
+                      <a16:colId xmlns:a16="http://schemas.microsoft.com/office/drawing/2014/main" val="20003"/>
+                    </a:ext>
+                  </a:extLst>
+                </a:gridCol>
+                <a:gridCol w="930345">
+                  <a:extLst>
+                    <a:ext uri="{9D8B030D-6E8A-4147-A177-3AD203B41FA5}">
+                      <a16:colId xmlns:a16="http://schemas.microsoft.com/office/drawing/2014/main" val="20004"/>
+                    </a:ext>
+                  </a:extLst>
+                </a:gridCol>
               </a:tblGrid>
               <a:tr h="319496">
                 <a:tc>
@@ -23796,6 +23430,11 @@
                   </a:txBody>
                   <a:tcPr marL="68580" marR="68580" marT="0" marB="0"/>
                 </a:tc>
+                <a:extLst>
+                  <a:ext uri="{0D108BD9-81ED-4DB2-BD59-A6C34878D82A}">
+                    <a16:rowId xmlns:a16="http://schemas.microsoft.com/office/drawing/2014/main" val="10000"/>
+                  </a:ext>
+                </a:extLst>
               </a:tr>
               <a:tr h="319496">
                 <a:tc>
@@ -23941,6 +23580,11 @@
                   </a:txBody>
                   <a:tcPr marL="68580" marR="68580" marT="0" marB="0"/>
                 </a:tc>
+                <a:extLst>
+                  <a:ext uri="{0D108BD9-81ED-4DB2-BD59-A6C34878D82A}">
+                    <a16:rowId xmlns:a16="http://schemas.microsoft.com/office/drawing/2014/main" val="10001"/>
+                  </a:ext>
+                </a:extLst>
               </a:tr>
               <a:tr h="319496">
                 <a:tc>
@@ -24068,6 +23712,11 @@
                   </a:txBody>
                   <a:tcPr marL="68580" marR="68580" marT="0" marB="0"/>
                 </a:tc>
+                <a:extLst>
+                  <a:ext uri="{0D108BD9-81ED-4DB2-BD59-A6C34878D82A}">
+                    <a16:rowId xmlns:a16="http://schemas.microsoft.com/office/drawing/2014/main" val="10002"/>
+                  </a:ext>
+                </a:extLst>
               </a:tr>
               <a:tr h="319496">
                 <a:tc>
@@ -24195,6 +23844,11 @@
                   </a:txBody>
                   <a:tcPr marL="68580" marR="68580" marT="0" marB="0"/>
                 </a:tc>
+                <a:extLst>
+                  <a:ext uri="{0D108BD9-81ED-4DB2-BD59-A6C34878D82A}">
+                    <a16:rowId xmlns:a16="http://schemas.microsoft.com/office/drawing/2014/main" val="10003"/>
+                  </a:ext>
+                </a:extLst>
               </a:tr>
             </a:tbl>
           </a:graphicData>
@@ -24258,7 +23912,7 @@
           <a:lstStyle/>
           <a:p>
             <a:r>
-              <a:rPr lang="en-US" altLang="zh-CN" dirty="0" smtClean="0"/>
+              <a:rPr lang="en-US" altLang="zh-CN" dirty="0"/>
               <a:t>Definition of Compiler</a:t>
             </a:r>
             <a:endParaRPr lang="zh-CN" altLang="en-US" dirty="0"/>
@@ -24787,12 +24441,8 @@
           <a:lstStyle/>
           <a:p>
             <a:r>
-              <a:rPr lang="en-US" altLang="zh-CN" dirty="0" smtClean="0"/>
-              <a:t>Bottom-Up </a:t>
-            </a:r>
-            <a:r>
               <a:rPr lang="en-US" altLang="zh-CN" dirty="0"/>
-              <a:t>Parsing – Handle Pruning</a:t>
+              <a:t>Bottom-Up Parsing – Handle Pruning</a:t>
             </a:r>
             <a:endParaRPr lang="zh-CN" altLang="en-US" dirty="0"/>
           </a:p>
@@ -25331,7 +24981,7 @@
           <a:graphicData uri="http://schemas.openxmlformats.org/presentationml/2006/ole">
             <mc:AlternateContent xmlns:mc="http://schemas.openxmlformats.org/markup-compatibility/2006">
               <mc:Choice xmlns:v="urn:schemas-microsoft-com:vml" Requires="v">
-                <p:oleObj spid="_x0000_s14352" name="Equation" r:id="rId5" imgW="1015920" imgH="190440" progId="Equation.DSMT4">
+                <p:oleObj spid="_x0000_s14387" name="Equation" r:id="rId5" imgW="1015920" imgH="190440" progId="Equation.DSMT4">
                   <p:embed/>
                 </p:oleObj>
               </mc:Choice>
@@ -25384,7 +25034,7 @@
           <a:graphicData uri="http://schemas.openxmlformats.org/presentationml/2006/ole">
             <mc:AlternateContent xmlns:mc="http://schemas.openxmlformats.org/markup-compatibility/2006">
               <mc:Choice xmlns:v="urn:schemas-microsoft-com:vml" Requires="v">
-                <p:oleObj spid="_x0000_s14353" name="Equation" r:id="rId7" imgW="355320" imgH="152280" progId="Equation.DSMT4">
+                <p:oleObj spid="_x0000_s14388" name="Equation" r:id="rId7" imgW="355320" imgH="152280" progId="Equation.DSMT4">
                   <p:embed/>
                 </p:oleObj>
               </mc:Choice>
@@ -25437,7 +25087,7 @@
           <a:graphicData uri="http://schemas.openxmlformats.org/presentationml/2006/ole">
             <mc:AlternateContent xmlns:mc="http://schemas.openxmlformats.org/markup-compatibility/2006">
               <mc:Choice xmlns:v="urn:schemas-microsoft-com:vml" Requires="v">
-                <p:oleObj spid="_x0000_s14354" name="Equation" r:id="rId9" imgW="126720" imgH="114120" progId="Equation.DSMT4">
+                <p:oleObj spid="_x0000_s14389" name="Equation" r:id="rId9" imgW="126720" imgH="114120" progId="Equation.DSMT4">
                   <p:embed/>
                 </p:oleObj>
               </mc:Choice>
@@ -25490,7 +25140,7 @@
           <a:graphicData uri="http://schemas.openxmlformats.org/presentationml/2006/ole">
             <mc:AlternateContent xmlns:mc="http://schemas.openxmlformats.org/markup-compatibility/2006">
               <mc:Choice xmlns:v="urn:schemas-microsoft-com:vml" Requires="v">
-                <p:oleObj spid="_x0000_s14355" name="Equation" r:id="rId11" imgW="253800" imgH="152280" progId="Equation.DSMT4">
+                <p:oleObj spid="_x0000_s14390" name="Equation" r:id="rId11" imgW="253800" imgH="152280" progId="Equation.DSMT4">
                   <p:embed/>
                 </p:oleObj>
               </mc:Choice>
@@ -25543,7 +25193,7 @@
           <a:graphicData uri="http://schemas.openxmlformats.org/presentationml/2006/ole">
             <mc:AlternateContent xmlns:mc="http://schemas.openxmlformats.org/markup-compatibility/2006">
               <mc:Choice xmlns:v="urn:schemas-microsoft-com:vml" Requires="v">
-                <p:oleObj spid="_x0000_s14356" name="Equation" r:id="rId13" imgW="126720" imgH="114120" progId="Equation.DSMT4">
+                <p:oleObj spid="_x0000_s14391" name="Equation" r:id="rId13" imgW="126720" imgH="114120" progId="Equation.DSMT4">
                   <p:embed/>
                 </p:oleObj>
               </mc:Choice>
@@ -25596,7 +25246,7 @@
           <a:graphicData uri="http://schemas.openxmlformats.org/presentationml/2006/ole">
             <mc:AlternateContent xmlns:mc="http://schemas.openxmlformats.org/markup-compatibility/2006">
               <mc:Choice xmlns:v="urn:schemas-microsoft-com:vml" Requires="v">
-                <p:oleObj spid="_x0000_s14357" name="Equation" r:id="rId15" imgW="355320" imgH="152280" progId="Equation.DSMT4">
+                <p:oleObj spid="_x0000_s14392" name="Equation" r:id="rId15" imgW="355320" imgH="152280" progId="Equation.DSMT4">
                   <p:embed/>
                 </p:oleObj>
               </mc:Choice>
@@ -25649,7 +25299,7 @@
           <a:graphicData uri="http://schemas.openxmlformats.org/presentationml/2006/ole">
             <mc:AlternateContent xmlns:mc="http://schemas.openxmlformats.org/markup-compatibility/2006">
               <mc:Choice xmlns:v="urn:schemas-microsoft-com:vml" Requires="v">
-                <p:oleObj spid="_x0000_s14358" name="Equation" r:id="rId17" imgW="126720" imgH="152280" progId="Equation.DSMT4">
+                <p:oleObj spid="_x0000_s14393" name="Equation" r:id="rId17" imgW="126720" imgH="152280" progId="Equation.DSMT4">
                   <p:embed/>
                 </p:oleObj>
               </mc:Choice>
@@ -25772,12 +25422,8 @@
           <a:lstStyle/>
           <a:p>
             <a:r>
-              <a:rPr lang="en-US" altLang="zh-CN" dirty="0" smtClean="0"/>
-              <a:t>Bottom-Up </a:t>
-            </a:r>
-            <a:r>
               <a:rPr lang="en-US" altLang="zh-CN" dirty="0"/>
-              <a:t>Parsing – More Explanations on “Handle”</a:t>
+              <a:t>Bottom-Up Parsing – More Explanations on “Handle”</a:t>
             </a:r>
             <a:endParaRPr lang="zh-CN" altLang="en-US" dirty="0"/>
           </a:p>
@@ -25917,7 +25563,7 @@
           <a:graphicData uri="http://schemas.openxmlformats.org/presentationml/2006/ole">
             <mc:AlternateContent xmlns:mc="http://schemas.openxmlformats.org/markup-compatibility/2006">
               <mc:Choice xmlns:v="urn:schemas-microsoft-com:vml" Requires="v">
-                <p:oleObj spid="_x0000_s15396" name="Equation" r:id="rId3" imgW="1015920" imgH="190440" progId="Equation.DSMT4">
+                <p:oleObj spid="_x0000_s15481" name="Equation" r:id="rId3" imgW="1015920" imgH="190440" progId="Equation.DSMT4">
                   <p:embed/>
                 </p:oleObj>
               </mc:Choice>
@@ -26048,7 +25694,7 @@
           <a:graphicData uri="http://schemas.openxmlformats.org/presentationml/2006/ole">
             <mc:AlternateContent xmlns:mc="http://schemas.openxmlformats.org/markup-compatibility/2006">
               <mc:Choice xmlns:v="urn:schemas-microsoft-com:vml" Requires="v">
-                <p:oleObj spid="_x0000_s15397" name="Equation" r:id="rId5" imgW="114120" imgH="126720" progId="Equation.DSMT4">
+                <p:oleObj spid="_x0000_s15482" name="Equation" r:id="rId5" imgW="114120" imgH="126720" progId="Equation.DSMT4">
                   <p:embed/>
                 </p:oleObj>
               </mc:Choice>
@@ -26101,7 +25747,7 @@
           <a:graphicData uri="http://schemas.openxmlformats.org/presentationml/2006/ole">
             <mc:AlternateContent xmlns:mc="http://schemas.openxmlformats.org/markup-compatibility/2006">
               <mc:Choice xmlns:v="urn:schemas-microsoft-com:vml" Requires="v">
-                <p:oleObj spid="_x0000_s15398" name="Equation" r:id="rId7" imgW="126720" imgH="114120" progId="Equation.DSMT4">
+                <p:oleObj spid="_x0000_s15483" name="Equation" r:id="rId7" imgW="126720" imgH="114120" progId="Equation.DSMT4">
                   <p:embed/>
                 </p:oleObj>
               </mc:Choice>
@@ -26154,7 +25800,7 @@
           <a:graphicData uri="http://schemas.openxmlformats.org/presentationml/2006/ole">
             <mc:AlternateContent xmlns:mc="http://schemas.openxmlformats.org/markup-compatibility/2006">
               <mc:Choice xmlns:v="urn:schemas-microsoft-com:vml" Requires="v">
-                <p:oleObj spid="_x0000_s15399" name="Equation" r:id="rId9" imgW="355320" imgH="152280" progId="Equation.DSMT4">
+                <p:oleObj spid="_x0000_s15484" name="Equation" r:id="rId9" imgW="355320" imgH="152280" progId="Equation.DSMT4">
                   <p:embed/>
                 </p:oleObj>
               </mc:Choice>
@@ -26207,7 +25853,7 @@
           <a:graphicData uri="http://schemas.openxmlformats.org/presentationml/2006/ole">
             <mc:AlternateContent xmlns:mc="http://schemas.openxmlformats.org/markup-compatibility/2006">
               <mc:Choice xmlns:v="urn:schemas-microsoft-com:vml" Requires="v">
-                <p:oleObj spid="_x0000_s15400" name="Equation" r:id="rId11" imgW="419040" imgH="177480" progId="Equation.DSMT4">
+                <p:oleObj spid="_x0000_s15485" name="Equation" r:id="rId11" imgW="419040" imgH="177480" progId="Equation.DSMT4">
                   <p:embed/>
                 </p:oleObj>
               </mc:Choice>
@@ -26260,7 +25906,7 @@
           <a:graphicData uri="http://schemas.openxmlformats.org/presentationml/2006/ole">
             <mc:AlternateContent xmlns:mc="http://schemas.openxmlformats.org/markup-compatibility/2006">
               <mc:Choice xmlns:v="urn:schemas-microsoft-com:vml" Requires="v">
-                <p:oleObj spid="_x0000_s15401" name="Equation" r:id="rId13" imgW="114120" imgH="126720" progId="Equation.DSMT4">
+                <p:oleObj spid="_x0000_s15486" name="Equation" r:id="rId13" imgW="114120" imgH="126720" progId="Equation.DSMT4">
                   <p:embed/>
                 </p:oleObj>
               </mc:Choice>
@@ -26313,7 +25959,7 @@
           <a:graphicData uri="http://schemas.openxmlformats.org/presentationml/2006/ole">
             <mc:AlternateContent xmlns:mc="http://schemas.openxmlformats.org/markup-compatibility/2006">
               <mc:Choice xmlns:v="urn:schemas-microsoft-com:vml" Requires="v">
-                <p:oleObj spid="_x0000_s15402" name="Equation" r:id="rId15" imgW="126720" imgH="152280" progId="Equation.DSMT4">
+                <p:oleObj spid="_x0000_s15487" name="Equation" r:id="rId15" imgW="126720" imgH="152280" progId="Equation.DSMT4">
                   <p:embed/>
                 </p:oleObj>
               </mc:Choice>
@@ -26366,7 +26012,7 @@
           <a:graphicData uri="http://schemas.openxmlformats.org/presentationml/2006/ole">
             <mc:AlternateContent xmlns:mc="http://schemas.openxmlformats.org/markup-compatibility/2006">
               <mc:Choice xmlns:v="urn:schemas-microsoft-com:vml" Requires="v">
-                <p:oleObj spid="_x0000_s15403" name="Equation" r:id="rId17" imgW="253800" imgH="152280" progId="Equation.DSMT4">
+                <p:oleObj spid="_x0000_s15488" name="Equation" r:id="rId17" imgW="253800" imgH="152280" progId="Equation.DSMT4">
                   <p:embed/>
                 </p:oleObj>
               </mc:Choice>
@@ -26419,7 +26065,7 @@
           <a:graphicData uri="http://schemas.openxmlformats.org/presentationml/2006/ole">
             <mc:AlternateContent xmlns:mc="http://schemas.openxmlformats.org/markup-compatibility/2006">
               <mc:Choice xmlns:v="urn:schemas-microsoft-com:vml" Requires="v">
-                <p:oleObj spid="_x0000_s15404" name="Equation" r:id="rId19" imgW="126720" imgH="114120" progId="Equation.DSMT4">
+                <p:oleObj spid="_x0000_s15489" name="Equation" r:id="rId19" imgW="126720" imgH="114120" progId="Equation.DSMT4">
                   <p:embed/>
                 </p:oleObj>
               </mc:Choice>
@@ -26472,7 +26118,7 @@
           <a:graphicData uri="http://schemas.openxmlformats.org/presentationml/2006/ole">
             <mc:AlternateContent xmlns:mc="http://schemas.openxmlformats.org/markup-compatibility/2006">
               <mc:Choice xmlns:v="urn:schemas-microsoft-com:vml" Requires="v">
-                <p:oleObj spid="_x0000_s15405" name="Equation" r:id="rId21" imgW="355320" imgH="152280" progId="Equation.DSMT4">
+                <p:oleObj spid="_x0000_s15490" name="Equation" r:id="rId21" imgW="355320" imgH="152280" progId="Equation.DSMT4">
                   <p:embed/>
                 </p:oleObj>
               </mc:Choice>
@@ -26525,7 +26171,7 @@
           <a:graphicData uri="http://schemas.openxmlformats.org/presentationml/2006/ole">
             <mc:AlternateContent xmlns:mc="http://schemas.openxmlformats.org/markup-compatibility/2006">
               <mc:Choice xmlns:v="urn:schemas-microsoft-com:vml" Requires="v">
-                <p:oleObj spid="_x0000_s15406" name="Equation" r:id="rId23" imgW="419040" imgH="177480" progId="Equation.DSMT4">
+                <p:oleObj spid="_x0000_s15491" name="Equation" r:id="rId23" imgW="419040" imgH="177480" progId="Equation.DSMT4">
                   <p:embed/>
                 </p:oleObj>
               </mc:Choice>
@@ -26578,7 +26224,7 @@
           <a:graphicData uri="http://schemas.openxmlformats.org/presentationml/2006/ole">
             <mc:AlternateContent xmlns:mc="http://schemas.openxmlformats.org/markup-compatibility/2006">
               <mc:Choice xmlns:v="urn:schemas-microsoft-com:vml" Requires="v">
-                <p:oleObj spid="_x0000_s15407" name="Equation" r:id="rId24" imgW="114120" imgH="126720" progId="Equation.DSMT4">
+                <p:oleObj spid="_x0000_s15492" name="Equation" r:id="rId24" imgW="114120" imgH="126720" progId="Equation.DSMT4">
                   <p:embed/>
                 </p:oleObj>
               </mc:Choice>
@@ -26631,7 +26277,7 @@
           <a:graphicData uri="http://schemas.openxmlformats.org/presentationml/2006/ole">
             <mc:AlternateContent xmlns:mc="http://schemas.openxmlformats.org/markup-compatibility/2006">
               <mc:Choice xmlns:v="urn:schemas-microsoft-com:vml" Requires="v">
-                <p:oleObj spid="_x0000_s15408" name="Equation" r:id="rId26" imgW="253800" imgH="152280" progId="Equation.DSMT4">
+                <p:oleObj spid="_x0000_s15493" name="Equation" r:id="rId26" imgW="253800" imgH="152280" progId="Equation.DSMT4">
                   <p:embed/>
                 </p:oleObj>
               </mc:Choice>
@@ -26684,7 +26330,7 @@
           <a:graphicData uri="http://schemas.openxmlformats.org/presentationml/2006/ole">
             <mc:AlternateContent xmlns:mc="http://schemas.openxmlformats.org/markup-compatibility/2006">
               <mc:Choice xmlns:v="urn:schemas-microsoft-com:vml" Requires="v">
-                <p:oleObj spid="_x0000_s15409" name="Equation" r:id="rId27" imgW="355320" imgH="152280" progId="Equation.DSMT4">
+                <p:oleObj spid="_x0000_s15494" name="Equation" r:id="rId27" imgW="355320" imgH="152280" progId="Equation.DSMT4">
                   <p:embed/>
                 </p:oleObj>
               </mc:Choice>
@@ -26737,7 +26383,7 @@
           <a:graphicData uri="http://schemas.openxmlformats.org/presentationml/2006/ole">
             <mc:AlternateContent xmlns:mc="http://schemas.openxmlformats.org/markup-compatibility/2006">
               <mc:Choice xmlns:v="urn:schemas-microsoft-com:vml" Requires="v">
-                <p:oleObj spid="_x0000_s15410" name="Equation" r:id="rId29" imgW="114120" imgH="126720" progId="Equation.DSMT4">
+                <p:oleObj spid="_x0000_s15495" name="Equation" r:id="rId29" imgW="114120" imgH="126720" progId="Equation.DSMT4">
                   <p:embed/>
                 </p:oleObj>
               </mc:Choice>
@@ -26790,7 +26436,7 @@
           <a:graphicData uri="http://schemas.openxmlformats.org/presentationml/2006/ole">
             <mc:AlternateContent xmlns:mc="http://schemas.openxmlformats.org/markup-compatibility/2006">
               <mc:Choice xmlns:v="urn:schemas-microsoft-com:vml" Requires="v">
-                <p:oleObj spid="_x0000_s15411" name="Equation" r:id="rId30" imgW="126720" imgH="152280" progId="Equation.DSMT4">
+                <p:oleObj spid="_x0000_s15496" name="Equation" r:id="rId30" imgW="126720" imgH="152280" progId="Equation.DSMT4">
                   <p:embed/>
                 </p:oleObj>
               </mc:Choice>
@@ -26843,7 +26489,7 @@
           <a:graphicData uri="http://schemas.openxmlformats.org/presentationml/2006/ole">
             <mc:AlternateContent xmlns:mc="http://schemas.openxmlformats.org/markup-compatibility/2006">
               <mc:Choice xmlns:v="urn:schemas-microsoft-com:vml" Requires="v">
-                <p:oleObj spid="_x0000_s15412" name="Equation" r:id="rId32" imgW="126720" imgH="152280" progId="Equation.DSMT4">
+                <p:oleObj spid="_x0000_s15497" name="Equation" r:id="rId32" imgW="126720" imgH="152280" progId="Equation.DSMT4">
                   <p:embed/>
                 </p:oleObj>
               </mc:Choice>
@@ -26936,12 +26582,8 @@
           <a:lstStyle/>
           <a:p>
             <a:r>
-              <a:rPr lang="en-US" altLang="zh-CN" dirty="0" smtClean="0"/>
-              <a:t>Bottom-Up </a:t>
-            </a:r>
-            <a:r>
               <a:rPr lang="en-US" altLang="zh-CN" dirty="0"/>
-              <a:t>Parsing – More Explanations on “Handle”</a:t>
+              <a:t>Bottom-Up Parsing – More Explanations on “Handle”</a:t>
             </a:r>
             <a:endParaRPr lang="zh-CN" altLang="en-US" dirty="0"/>
           </a:p>
@@ -27127,7 +26769,7 @@
           <a:graphicData uri="http://schemas.openxmlformats.org/presentationml/2006/ole">
             <mc:AlternateContent xmlns:mc="http://schemas.openxmlformats.org/markup-compatibility/2006">
               <mc:Choice xmlns:v="urn:schemas-microsoft-com:vml" Requires="v">
-                <p:oleObj spid="_x0000_s16402" name="Equation" r:id="rId3" imgW="126720" imgH="114120" progId="Equation.DSMT4">
+                <p:oleObj spid="_x0000_s16442" name="Equation" r:id="rId3" imgW="126720" imgH="114120" progId="Equation.DSMT4">
                   <p:embed/>
                 </p:oleObj>
               </mc:Choice>
@@ -27180,7 +26822,7 @@
           <a:graphicData uri="http://schemas.openxmlformats.org/presentationml/2006/ole">
             <mc:AlternateContent xmlns:mc="http://schemas.openxmlformats.org/markup-compatibility/2006">
               <mc:Choice xmlns:v="urn:schemas-microsoft-com:vml" Requires="v">
-                <p:oleObj spid="_x0000_s16403" name="Equation" r:id="rId5" imgW="634680" imgH="177480" progId="Equation.DSMT4">
+                <p:oleObj spid="_x0000_s16443" name="Equation" r:id="rId5" imgW="634680" imgH="177480" progId="Equation.DSMT4">
                   <p:embed/>
                 </p:oleObj>
               </mc:Choice>
@@ -27233,7 +26875,7 @@
           <a:graphicData uri="http://schemas.openxmlformats.org/presentationml/2006/ole">
             <mc:AlternateContent xmlns:mc="http://schemas.openxmlformats.org/markup-compatibility/2006">
               <mc:Choice xmlns:v="urn:schemas-microsoft-com:vml" Requires="v">
-                <p:oleObj spid="_x0000_s16404" name="Equation" r:id="rId7" imgW="126720" imgH="114120" progId="Equation.DSMT4">
+                <p:oleObj spid="_x0000_s16444" name="Equation" r:id="rId7" imgW="126720" imgH="114120" progId="Equation.DSMT4">
                   <p:embed/>
                 </p:oleObj>
               </mc:Choice>
@@ -27286,7 +26928,7 @@
           <a:graphicData uri="http://schemas.openxmlformats.org/presentationml/2006/ole">
             <mc:AlternateContent xmlns:mc="http://schemas.openxmlformats.org/markup-compatibility/2006">
               <mc:Choice xmlns:v="urn:schemas-microsoft-com:vml" Requires="v">
-                <p:oleObj spid="_x0000_s16405" name="Equation" r:id="rId9" imgW="291960" imgH="177480" progId="Equation.DSMT4">
+                <p:oleObj spid="_x0000_s16445" name="Equation" r:id="rId9" imgW="291960" imgH="177480" progId="Equation.DSMT4">
                   <p:embed/>
                 </p:oleObj>
               </mc:Choice>
@@ -27339,7 +26981,7 @@
           <a:graphicData uri="http://schemas.openxmlformats.org/presentationml/2006/ole">
             <mc:AlternateContent xmlns:mc="http://schemas.openxmlformats.org/markup-compatibility/2006">
               <mc:Choice xmlns:v="urn:schemas-microsoft-com:vml" Requires="v">
-                <p:oleObj spid="_x0000_s16406" name="Equation" r:id="rId11" imgW="279360" imgH="177480" progId="Equation.DSMT4">
+                <p:oleObj spid="_x0000_s16446" name="Equation" r:id="rId11" imgW="279360" imgH="177480" progId="Equation.DSMT4">
                   <p:embed/>
                 </p:oleObj>
               </mc:Choice>
@@ -27392,7 +27034,7 @@
           <a:graphicData uri="http://schemas.openxmlformats.org/presentationml/2006/ole">
             <mc:AlternateContent xmlns:mc="http://schemas.openxmlformats.org/markup-compatibility/2006">
               <mc:Choice xmlns:v="urn:schemas-microsoft-com:vml" Requires="v">
-                <p:oleObj spid="_x0000_s16407" name="Equation" r:id="rId13" imgW="596880" imgH="177480" progId="Equation.DSMT4">
+                <p:oleObj spid="_x0000_s16447" name="Equation" r:id="rId13" imgW="596880" imgH="177480" progId="Equation.DSMT4">
                   <p:embed/>
                 </p:oleObj>
               </mc:Choice>
@@ -27445,7 +27087,7 @@
           <a:graphicData uri="http://schemas.openxmlformats.org/presentationml/2006/ole">
             <mc:AlternateContent xmlns:mc="http://schemas.openxmlformats.org/markup-compatibility/2006">
               <mc:Choice xmlns:v="urn:schemas-microsoft-com:vml" Requires="v">
-                <p:oleObj spid="_x0000_s16408" name="Equation" r:id="rId15" imgW="190440" imgH="177480" progId="Equation.DSMT4">
+                <p:oleObj spid="_x0000_s16448" name="Equation" r:id="rId15" imgW="190440" imgH="177480" progId="Equation.DSMT4">
                   <p:embed/>
                 </p:oleObj>
               </mc:Choice>
@@ -27498,7 +27140,7 @@
           <a:graphicData uri="http://schemas.openxmlformats.org/presentationml/2006/ole">
             <mc:AlternateContent xmlns:mc="http://schemas.openxmlformats.org/markup-compatibility/2006">
               <mc:Choice xmlns:v="urn:schemas-microsoft-com:vml" Requires="v">
-                <p:oleObj spid="_x0000_s16409" name="Equation" r:id="rId17" imgW="139680" imgH="177480" progId="Equation.DSMT4">
+                <p:oleObj spid="_x0000_s16449" name="Equation" r:id="rId17" imgW="139680" imgH="177480" progId="Equation.DSMT4">
                   <p:embed/>
                 </p:oleObj>
               </mc:Choice>
@@ -27580,7 +27222,7 @@
           <p:cNvPr id="2" name="标题 1">
             <a:extLst>
               <a:ext uri="{FF2B5EF4-FFF2-40B4-BE49-F238E27FC236}">
-                <a16:creationId xmlns:a16="http://schemas.microsoft.com/office/drawing/2014/main" xmlns="" id="{82B2FAC2-A0C5-4C1D-BC29-496A9EC0F9F4}"/>
+                <a16:creationId xmlns:a16="http://schemas.microsoft.com/office/drawing/2014/main" id="{82B2FAC2-A0C5-4C1D-BC29-496A9EC0F9F4}"/>
               </a:ext>
             </a:extLst>
           </p:cNvPr>
@@ -27597,12 +27239,8 @@
           <a:lstStyle/>
           <a:p>
             <a:r>
-              <a:rPr lang="en-US" altLang="zh-CN" dirty="0" smtClean="0"/>
-              <a:t>Simple </a:t>
-            </a:r>
-            <a:r>
               <a:rPr lang="en-US" altLang="zh-CN" dirty="0"/>
-              <a:t>LR</a:t>
+              <a:t>Simple LR</a:t>
             </a:r>
             <a:endParaRPr lang="zh-CN" altLang="en-US" dirty="0"/>
           </a:p>
@@ -27613,7 +27251,7 @@
           <p:cNvPr id="3" name="内容占位符 2">
             <a:extLst>
               <a:ext uri="{FF2B5EF4-FFF2-40B4-BE49-F238E27FC236}">
-                <a16:creationId xmlns:a16="http://schemas.microsoft.com/office/drawing/2014/main" xmlns="" id="{198B9A70-F613-4386-8690-3E90E1B1234E}"/>
+                <a16:creationId xmlns:a16="http://schemas.microsoft.com/office/drawing/2014/main" id="{198B9A70-F613-4386-8690-3E90E1B1234E}"/>
               </a:ext>
             </a:extLst>
           </p:cNvPr>
@@ -27774,7 +27412,7 @@
           <p:cNvPr id="4" name="对象 3">
             <a:extLst>
               <a:ext uri="{FF2B5EF4-FFF2-40B4-BE49-F238E27FC236}">
-                <a16:creationId xmlns:a16="http://schemas.microsoft.com/office/drawing/2014/main" xmlns="" id="{4CBE972E-D43D-40B7-AA5D-608ED9A76BED}"/>
+                <a16:creationId xmlns:a16="http://schemas.microsoft.com/office/drawing/2014/main" id="{4CBE972E-D43D-40B7-AA5D-608ED9A76BED}"/>
               </a:ext>
             </a:extLst>
           </p:cNvPr>
@@ -27793,7 +27431,7 @@
           <a:graphicData uri="http://schemas.openxmlformats.org/presentationml/2006/ole">
             <mc:AlternateContent xmlns:mc="http://schemas.openxmlformats.org/markup-compatibility/2006">
               <mc:Choice xmlns:v="urn:schemas-microsoft-com:vml" Requires="v">
-                <p:oleObj spid="_x0000_s20488" name="Equation" r:id="rId3" imgW="457200" imgH="139680" progId="Equation.DSMT4">
+                <p:oleObj spid="_x0000_s20523" name="Equation" r:id="rId3" imgW="457200" imgH="139680" progId="Equation.DSMT4">
                   <p:embed/>
                 </p:oleObj>
               </mc:Choice>
@@ -27833,7 +27471,7 @@
           <p:cNvPr id="5" name="对象 4">
             <a:extLst>
               <a:ext uri="{FF2B5EF4-FFF2-40B4-BE49-F238E27FC236}">
-                <a16:creationId xmlns:a16="http://schemas.microsoft.com/office/drawing/2014/main" xmlns="" id="{42634B35-8671-4E0A-81B2-BC39D08701EB}"/>
+                <a16:creationId xmlns:a16="http://schemas.microsoft.com/office/drawing/2014/main" id="{42634B35-8671-4E0A-81B2-BC39D08701EB}"/>
               </a:ext>
             </a:extLst>
           </p:cNvPr>
@@ -27852,7 +27490,7 @@
           <a:graphicData uri="http://schemas.openxmlformats.org/presentationml/2006/ole">
             <mc:AlternateContent xmlns:mc="http://schemas.openxmlformats.org/markup-compatibility/2006">
               <mc:Choice xmlns:v="urn:schemas-microsoft-com:vml" Requires="v">
-                <p:oleObj spid="_x0000_s20489" name="Equation" r:id="rId5" imgW="507960" imgH="583920" progId="Equation.DSMT4">
+                <p:oleObj spid="_x0000_s20524" name="Equation" r:id="rId5" imgW="507960" imgH="583920" progId="Equation.DSMT4">
                   <p:embed/>
                 </p:oleObj>
               </mc:Choice>
@@ -27892,7 +27530,7 @@
           <p:cNvPr id="6" name="对象 5">
             <a:extLst>
               <a:ext uri="{FF2B5EF4-FFF2-40B4-BE49-F238E27FC236}">
-                <a16:creationId xmlns:a16="http://schemas.microsoft.com/office/drawing/2014/main" xmlns="" id="{7B4848EA-5425-4576-976C-E7149B2093F1}"/>
+                <a16:creationId xmlns:a16="http://schemas.microsoft.com/office/drawing/2014/main" id="{7B4848EA-5425-4576-976C-E7149B2093F1}"/>
               </a:ext>
             </a:extLst>
           </p:cNvPr>
@@ -27911,7 +27549,7 @@
           <a:graphicData uri="http://schemas.openxmlformats.org/presentationml/2006/ole">
             <mc:AlternateContent xmlns:mc="http://schemas.openxmlformats.org/markup-compatibility/2006">
               <mc:Choice xmlns:v="urn:schemas-microsoft-com:vml" Requires="v">
-                <p:oleObj spid="_x0000_s20490" name="Equation" r:id="rId7" imgW="317160" imgH="139680" progId="Equation.DSMT4">
+                <p:oleObj spid="_x0000_s20525" name="Equation" r:id="rId7" imgW="317160" imgH="139680" progId="Equation.DSMT4">
                   <p:embed/>
                 </p:oleObj>
               </mc:Choice>
@@ -27951,7 +27589,7 @@
           <p:cNvPr id="7" name="对象 6">
             <a:extLst>
               <a:ext uri="{FF2B5EF4-FFF2-40B4-BE49-F238E27FC236}">
-                <a16:creationId xmlns:a16="http://schemas.microsoft.com/office/drawing/2014/main" xmlns="" id="{A4EF17BB-4020-4990-8EC2-085DC7141F74}"/>
+                <a16:creationId xmlns:a16="http://schemas.microsoft.com/office/drawing/2014/main" id="{A4EF17BB-4020-4990-8EC2-085DC7141F74}"/>
               </a:ext>
             </a:extLst>
           </p:cNvPr>
@@ -27970,7 +27608,7 @@
           <a:graphicData uri="http://schemas.openxmlformats.org/presentationml/2006/ole">
             <mc:AlternateContent xmlns:mc="http://schemas.openxmlformats.org/markup-compatibility/2006">
               <mc:Choice xmlns:v="urn:schemas-microsoft-com:vml" Requires="v">
-                <p:oleObj spid="_x0000_s20491" name="Equation" r:id="rId9" imgW="266400" imgH="139680" progId="Equation.DSMT4">
+                <p:oleObj spid="_x0000_s20526" name="Equation" r:id="rId9" imgW="266400" imgH="139680" progId="Equation.DSMT4">
                   <p:embed/>
                 </p:oleObj>
               </mc:Choice>
@@ -28010,7 +27648,7 @@
           <p:cNvPr id="9" name="对象 8">
             <a:extLst>
               <a:ext uri="{FF2B5EF4-FFF2-40B4-BE49-F238E27FC236}">
-                <a16:creationId xmlns:a16="http://schemas.microsoft.com/office/drawing/2014/main" xmlns="" id="{2446063C-BB05-4836-A396-E5D8C9A5AF99}"/>
+                <a16:creationId xmlns:a16="http://schemas.microsoft.com/office/drawing/2014/main" id="{2446063C-BB05-4836-A396-E5D8C9A5AF99}"/>
               </a:ext>
             </a:extLst>
           </p:cNvPr>
@@ -28029,7 +27667,7 @@
           <a:graphicData uri="http://schemas.openxmlformats.org/presentationml/2006/ole">
             <mc:AlternateContent xmlns:mc="http://schemas.openxmlformats.org/markup-compatibility/2006">
               <mc:Choice xmlns:v="urn:schemas-microsoft-com:vml" Requires="v">
-                <p:oleObj spid="_x0000_s20492" name="Equation" r:id="rId11" imgW="469800" imgH="139680" progId="Equation.DSMT4">
+                <p:oleObj spid="_x0000_s20527" name="Equation" r:id="rId11" imgW="469800" imgH="139680" progId="Equation.DSMT4">
                   <p:embed/>
                 </p:oleObj>
               </mc:Choice>
@@ -28069,7 +27707,7 @@
           <p:cNvPr id="10" name="对象 9">
             <a:extLst>
               <a:ext uri="{FF2B5EF4-FFF2-40B4-BE49-F238E27FC236}">
-                <a16:creationId xmlns:a16="http://schemas.microsoft.com/office/drawing/2014/main" xmlns="" id="{A352CDC7-0098-4ADA-9A7C-B674071312C5}"/>
+                <a16:creationId xmlns:a16="http://schemas.microsoft.com/office/drawing/2014/main" id="{A352CDC7-0098-4ADA-9A7C-B674071312C5}"/>
               </a:ext>
             </a:extLst>
           </p:cNvPr>
@@ -28088,7 +27726,7 @@
           <a:graphicData uri="http://schemas.openxmlformats.org/presentationml/2006/ole">
             <mc:AlternateContent xmlns:mc="http://schemas.openxmlformats.org/markup-compatibility/2006">
               <mc:Choice xmlns:v="urn:schemas-microsoft-com:vml" Requires="v">
-                <p:oleObj spid="_x0000_s20493" name="Equation" r:id="rId13" imgW="495000" imgH="139680" progId="Equation.DSMT4">
+                <p:oleObj spid="_x0000_s20528" name="Equation" r:id="rId13" imgW="495000" imgH="139680" progId="Equation.DSMT4">
                   <p:embed/>
                 </p:oleObj>
               </mc:Choice>
@@ -28128,7 +27766,7 @@
           <p:cNvPr id="11" name="对象 10">
             <a:extLst>
               <a:ext uri="{FF2B5EF4-FFF2-40B4-BE49-F238E27FC236}">
-                <a16:creationId xmlns:a16="http://schemas.microsoft.com/office/drawing/2014/main" xmlns="" id="{58EC9BF4-E819-4AF5-9ED4-027F2BB0C3FB}"/>
+                <a16:creationId xmlns:a16="http://schemas.microsoft.com/office/drawing/2014/main" id="{58EC9BF4-E819-4AF5-9ED4-027F2BB0C3FB}"/>
               </a:ext>
             </a:extLst>
           </p:cNvPr>
@@ -28147,7 +27785,7 @@
           <a:graphicData uri="http://schemas.openxmlformats.org/presentationml/2006/ole">
             <mc:AlternateContent xmlns:mc="http://schemas.openxmlformats.org/markup-compatibility/2006">
               <mc:Choice xmlns:v="urn:schemas-microsoft-com:vml" Requires="v">
-                <p:oleObj spid="_x0000_s20494" name="Equation" r:id="rId15" imgW="482400" imgH="139680" progId="Equation.DSMT4">
+                <p:oleObj spid="_x0000_s20529" name="Equation" r:id="rId15" imgW="482400" imgH="139680" progId="Equation.DSMT4">
                   <p:embed/>
                 </p:oleObj>
               </mc:Choice>
@@ -28229,7 +27867,7 @@
           <p:cNvPr id="2" name="标题 1">
             <a:extLst>
               <a:ext uri="{FF2B5EF4-FFF2-40B4-BE49-F238E27FC236}">
-                <a16:creationId xmlns:a16="http://schemas.microsoft.com/office/drawing/2014/main" xmlns="" id="{2A6D0ED0-1643-40B2-8EAA-5F1C47194BD3}"/>
+                <a16:creationId xmlns:a16="http://schemas.microsoft.com/office/drawing/2014/main" id="{2A6D0ED0-1643-40B2-8EAA-5F1C47194BD3}"/>
               </a:ext>
             </a:extLst>
           </p:cNvPr>
@@ -28246,12 +27884,8 @@
           <a:lstStyle/>
           <a:p>
             <a:r>
-              <a:rPr lang="en-US" altLang="zh-CN" dirty="0" smtClean="0"/>
-              <a:t>Simple </a:t>
-            </a:r>
-            <a:r>
               <a:rPr lang="en-US" altLang="zh-CN" dirty="0"/>
-              <a:t>LR</a:t>
+              <a:t>Simple LR</a:t>
             </a:r>
             <a:endParaRPr lang="zh-CN" altLang="en-US" dirty="0"/>
           </a:p>
@@ -28262,7 +27896,7 @@
           <p:cNvPr id="3" name="内容占位符 2">
             <a:extLst>
               <a:ext uri="{FF2B5EF4-FFF2-40B4-BE49-F238E27FC236}">
-                <a16:creationId xmlns:a16="http://schemas.microsoft.com/office/drawing/2014/main" xmlns="" id="{9A5A14AB-5EE3-4999-A786-CBCADEF2819F}"/>
+                <a16:creationId xmlns:a16="http://schemas.microsoft.com/office/drawing/2014/main" id="{9A5A14AB-5EE3-4999-A786-CBCADEF2819F}"/>
               </a:ext>
             </a:extLst>
           </p:cNvPr>
@@ -28334,7 +27968,7 @@
           <p:cNvPr id="4" name="对象 3">
             <a:extLst>
               <a:ext uri="{FF2B5EF4-FFF2-40B4-BE49-F238E27FC236}">
-                <a16:creationId xmlns:a16="http://schemas.microsoft.com/office/drawing/2014/main" xmlns="" id="{38026A92-E0F8-444C-BA6E-3324C346B54A}"/>
+                <a16:creationId xmlns:a16="http://schemas.microsoft.com/office/drawing/2014/main" id="{38026A92-E0F8-444C-BA6E-3324C346B54A}"/>
               </a:ext>
             </a:extLst>
           </p:cNvPr>
@@ -28353,7 +27987,7 @@
           <a:graphicData uri="http://schemas.openxmlformats.org/presentationml/2006/ole">
             <mc:AlternateContent xmlns:mc="http://schemas.openxmlformats.org/markup-compatibility/2006">
               <mc:Choice xmlns:v="urn:schemas-microsoft-com:vml" Requires="v">
-                <p:oleObj spid="_x0000_s19459" name="Equation" r:id="rId3" imgW="330120" imgH="139680" progId="Equation.DSMT4">
+                <p:oleObj spid="_x0000_s19469" name="Equation" r:id="rId3" imgW="330120" imgH="139680" progId="Equation.DSMT4">
                   <p:embed/>
                 </p:oleObj>
               </mc:Choice>
@@ -28393,7 +28027,7 @@
           <p:cNvPr id="5" name="对象 4">
             <a:extLst>
               <a:ext uri="{FF2B5EF4-FFF2-40B4-BE49-F238E27FC236}">
-                <a16:creationId xmlns:a16="http://schemas.microsoft.com/office/drawing/2014/main" xmlns="" id="{C075B511-DF62-48CB-A445-963DE5BA7804}"/>
+                <a16:creationId xmlns:a16="http://schemas.microsoft.com/office/drawing/2014/main" id="{C075B511-DF62-48CB-A445-963DE5BA7804}"/>
               </a:ext>
             </a:extLst>
           </p:cNvPr>
@@ -28412,7 +28046,7 @@
           <a:graphicData uri="http://schemas.openxmlformats.org/presentationml/2006/ole">
             <mc:AlternateContent xmlns:mc="http://schemas.openxmlformats.org/markup-compatibility/2006">
               <mc:Choice xmlns:v="urn:schemas-microsoft-com:vml" Requires="v">
-                <p:oleObj spid="_x0000_s19460" name="Equation" r:id="rId5" imgW="368280" imgH="139680" progId="Equation.DSMT4">
+                <p:oleObj spid="_x0000_s19470" name="Equation" r:id="rId5" imgW="368280" imgH="139680" progId="Equation.DSMT4">
                   <p:embed/>
                 </p:oleObj>
               </mc:Choice>
@@ -28452,7 +28086,7 @@
           <p:cNvPr id="6" name="图片 5">
             <a:extLst>
               <a:ext uri="{FF2B5EF4-FFF2-40B4-BE49-F238E27FC236}">
-                <a16:creationId xmlns:a16="http://schemas.microsoft.com/office/drawing/2014/main" xmlns="" id="{F1DFB6EC-9C79-4BD3-933E-FC8AF99D2ABE}"/>
+                <a16:creationId xmlns:a16="http://schemas.microsoft.com/office/drawing/2014/main" id="{F1DFB6EC-9C79-4BD3-933E-FC8AF99D2ABE}"/>
               </a:ext>
             </a:extLst>
           </p:cNvPr>
@@ -28482,7 +28116,7 @@
           <p:cNvPr id="7" name="图片 6">
             <a:extLst>
               <a:ext uri="{FF2B5EF4-FFF2-40B4-BE49-F238E27FC236}">
-                <a16:creationId xmlns:a16="http://schemas.microsoft.com/office/drawing/2014/main" xmlns="" id="{14F00DBF-6723-48FF-9112-0BF49542B843}"/>
+                <a16:creationId xmlns:a16="http://schemas.microsoft.com/office/drawing/2014/main" id="{14F00DBF-6723-48FF-9112-0BF49542B843}"/>
               </a:ext>
             </a:extLst>
           </p:cNvPr>
@@ -28554,7 +28188,7 @@
           <p:cNvPr id="2" name="标题 1">
             <a:extLst>
               <a:ext uri="{FF2B5EF4-FFF2-40B4-BE49-F238E27FC236}">
-                <a16:creationId xmlns:a16="http://schemas.microsoft.com/office/drawing/2014/main" xmlns="" id="{1C6C78A6-8185-462B-B34E-BFBB5EC1D2B4}"/>
+                <a16:creationId xmlns:a16="http://schemas.microsoft.com/office/drawing/2014/main" id="{1C6C78A6-8185-462B-B34E-BFBB5EC1D2B4}"/>
               </a:ext>
             </a:extLst>
           </p:cNvPr>
@@ -28571,12 +28205,8 @@
           <a:lstStyle/>
           <a:p>
             <a:r>
-              <a:rPr lang="en-US" altLang="zh-CN" dirty="0" smtClean="0"/>
-              <a:t>Simple </a:t>
-            </a:r>
-            <a:r>
               <a:rPr lang="en-US" altLang="zh-CN" dirty="0"/>
-              <a:t>LR</a:t>
+              <a:t>Simple LR</a:t>
             </a:r>
             <a:endParaRPr lang="zh-CN" altLang="en-US" dirty="0"/>
           </a:p>
@@ -28587,7 +28217,7 @@
           <p:cNvPr id="3" name="内容占位符 2">
             <a:extLst>
               <a:ext uri="{FF2B5EF4-FFF2-40B4-BE49-F238E27FC236}">
-                <a16:creationId xmlns:a16="http://schemas.microsoft.com/office/drawing/2014/main" xmlns="" id="{E6355B2A-6ABB-4F3A-81D1-015D0926FAC2}"/>
+                <a16:creationId xmlns:a16="http://schemas.microsoft.com/office/drawing/2014/main" id="{E6355B2A-6ABB-4F3A-81D1-015D0926FAC2}"/>
               </a:ext>
             </a:extLst>
           </p:cNvPr>
@@ -28627,7 +28257,7 @@
           <p:cNvPr id="4" name="图片 3">
             <a:extLst>
               <a:ext uri="{FF2B5EF4-FFF2-40B4-BE49-F238E27FC236}">
-                <a16:creationId xmlns:a16="http://schemas.microsoft.com/office/drawing/2014/main" xmlns="" id="{253DBB59-3C2B-4796-A3E8-0DD71FB32511}"/>
+                <a16:creationId xmlns:a16="http://schemas.microsoft.com/office/drawing/2014/main" id="{253DBB59-3C2B-4796-A3E8-0DD71FB32511}"/>
               </a:ext>
             </a:extLst>
           </p:cNvPr>
@@ -28657,7 +28287,7 @@
           <p:cNvPr id="6" name="直接连接符 5">
             <a:extLst>
               <a:ext uri="{FF2B5EF4-FFF2-40B4-BE49-F238E27FC236}">
-                <a16:creationId xmlns:a16="http://schemas.microsoft.com/office/drawing/2014/main" xmlns="" id="{0B08EF83-CC21-4159-8668-568C4DD7D275}"/>
+                <a16:creationId xmlns:a16="http://schemas.microsoft.com/office/drawing/2014/main" id="{0B08EF83-CC21-4159-8668-568C4DD7D275}"/>
               </a:ext>
             </a:extLst>
           </p:cNvPr>
@@ -28694,7 +28324,7 @@
           <p:cNvPr id="8" name="直接连接符 7">
             <a:extLst>
               <a:ext uri="{FF2B5EF4-FFF2-40B4-BE49-F238E27FC236}">
-                <a16:creationId xmlns:a16="http://schemas.microsoft.com/office/drawing/2014/main" xmlns="" id="{0ACF3961-F30C-4984-A069-C805990B8A96}"/>
+                <a16:creationId xmlns:a16="http://schemas.microsoft.com/office/drawing/2014/main" id="{0ACF3961-F30C-4984-A069-C805990B8A96}"/>
               </a:ext>
             </a:extLst>
           </p:cNvPr>
@@ -28733,7 +28363,7 @@
           <p:cNvPr id="10" name="对象 9">
             <a:extLst>
               <a:ext uri="{FF2B5EF4-FFF2-40B4-BE49-F238E27FC236}">
-                <a16:creationId xmlns:a16="http://schemas.microsoft.com/office/drawing/2014/main" xmlns="" id="{C524E8B0-E276-4024-A2B5-089E19C0CF86}"/>
+                <a16:creationId xmlns:a16="http://schemas.microsoft.com/office/drawing/2014/main" id="{C524E8B0-E276-4024-A2B5-089E19C0CF86}"/>
               </a:ext>
             </a:extLst>
           </p:cNvPr>
@@ -28752,7 +28382,7 @@
           <a:graphicData uri="http://schemas.openxmlformats.org/presentationml/2006/ole">
             <mc:AlternateContent xmlns:mc="http://schemas.openxmlformats.org/markup-compatibility/2006">
               <mc:Choice xmlns:v="urn:schemas-microsoft-com:vml" Requires="v">
-                <p:oleObj spid="_x0000_s18438" name="Equation" r:id="rId4" imgW="495000" imgH="279360" progId="Equation.DSMT4">
+                <p:oleObj spid="_x0000_s18463" name="Equation" r:id="rId4" imgW="495000" imgH="279360" progId="Equation.DSMT4">
                   <p:embed/>
                 </p:oleObj>
               </mc:Choice>
@@ -28792,7 +28422,7 @@
           <p:cNvPr id="12" name="直接箭头连接符 11">
             <a:extLst>
               <a:ext uri="{FF2B5EF4-FFF2-40B4-BE49-F238E27FC236}">
-                <a16:creationId xmlns:a16="http://schemas.microsoft.com/office/drawing/2014/main" xmlns="" id="{B16AAF0E-3925-4EE1-BA5E-C99E91C00445}"/>
+                <a16:creationId xmlns:a16="http://schemas.microsoft.com/office/drawing/2014/main" id="{B16AAF0E-3925-4EE1-BA5E-C99E91C00445}"/>
               </a:ext>
             </a:extLst>
           </p:cNvPr>
@@ -28831,7 +28461,7 @@
           <p:cNvPr id="13" name="对象 12">
             <a:extLst>
               <a:ext uri="{FF2B5EF4-FFF2-40B4-BE49-F238E27FC236}">
-                <a16:creationId xmlns:a16="http://schemas.microsoft.com/office/drawing/2014/main" xmlns="" id="{F8CD53EC-CBC6-43BA-ABA3-28BC86F9136D}"/>
+                <a16:creationId xmlns:a16="http://schemas.microsoft.com/office/drawing/2014/main" id="{F8CD53EC-CBC6-43BA-ABA3-28BC86F9136D}"/>
               </a:ext>
             </a:extLst>
           </p:cNvPr>
@@ -28850,7 +28480,7 @@
           <a:graphicData uri="http://schemas.openxmlformats.org/presentationml/2006/ole">
             <mc:AlternateContent xmlns:mc="http://schemas.openxmlformats.org/markup-compatibility/2006">
               <mc:Choice xmlns:v="urn:schemas-microsoft-com:vml" Requires="v">
-                <p:oleObj spid="_x0000_s18439" name="Equation" r:id="rId6" imgW="507960" imgH="139680" progId="Equation.DSMT4">
+                <p:oleObj spid="_x0000_s18464" name="Equation" r:id="rId6" imgW="507960" imgH="139680" progId="Equation.DSMT4">
                   <p:embed/>
                 </p:oleObj>
               </mc:Choice>
@@ -28890,7 +28520,7 @@
           <p:cNvPr id="14" name="对象 13">
             <a:extLst>
               <a:ext uri="{FF2B5EF4-FFF2-40B4-BE49-F238E27FC236}">
-                <a16:creationId xmlns:a16="http://schemas.microsoft.com/office/drawing/2014/main" xmlns="" id="{E3C7FCB4-BD61-4A32-BF69-3BA388136FF3}"/>
+                <a16:creationId xmlns:a16="http://schemas.microsoft.com/office/drawing/2014/main" id="{E3C7FCB4-BD61-4A32-BF69-3BA388136FF3}"/>
               </a:ext>
             </a:extLst>
           </p:cNvPr>
@@ -28909,7 +28539,7 @@
           <a:graphicData uri="http://schemas.openxmlformats.org/presentationml/2006/ole">
             <mc:AlternateContent xmlns:mc="http://schemas.openxmlformats.org/markup-compatibility/2006">
               <mc:Choice xmlns:v="urn:schemas-microsoft-com:vml" Requires="v">
-                <p:oleObj spid="_x0000_s18440" name="Equation" r:id="rId8" imgW="114120" imgH="114120" progId="Equation.DSMT4">
+                <p:oleObj spid="_x0000_s18465" name="Equation" r:id="rId8" imgW="114120" imgH="114120" progId="Equation.DSMT4">
                   <p:embed/>
                 </p:oleObj>
               </mc:Choice>
@@ -28949,7 +28579,7 @@
           <p:cNvPr id="15" name="直接箭头连接符 14">
             <a:extLst>
               <a:ext uri="{FF2B5EF4-FFF2-40B4-BE49-F238E27FC236}">
-                <a16:creationId xmlns:a16="http://schemas.microsoft.com/office/drawing/2014/main" xmlns="" id="{40BCE914-60BF-41A5-BE1B-DA88F3B78AE3}"/>
+                <a16:creationId xmlns:a16="http://schemas.microsoft.com/office/drawing/2014/main" id="{40BCE914-60BF-41A5-BE1B-DA88F3B78AE3}"/>
               </a:ext>
             </a:extLst>
           </p:cNvPr>
@@ -28988,7 +28618,7 @@
           <p:cNvPr id="16" name="对象 15">
             <a:extLst>
               <a:ext uri="{FF2B5EF4-FFF2-40B4-BE49-F238E27FC236}">
-                <a16:creationId xmlns:a16="http://schemas.microsoft.com/office/drawing/2014/main" xmlns="" id="{59F4FAF9-967A-44BC-A04C-2C0DAC148B0B}"/>
+                <a16:creationId xmlns:a16="http://schemas.microsoft.com/office/drawing/2014/main" id="{59F4FAF9-967A-44BC-A04C-2C0DAC148B0B}"/>
               </a:ext>
             </a:extLst>
           </p:cNvPr>
@@ -29007,7 +28637,7 @@
           <a:graphicData uri="http://schemas.openxmlformats.org/presentationml/2006/ole">
             <mc:AlternateContent xmlns:mc="http://schemas.openxmlformats.org/markup-compatibility/2006">
               <mc:Choice xmlns:v="urn:schemas-microsoft-com:vml" Requires="v">
-                <p:oleObj spid="_x0000_s18441" name="Equation" r:id="rId10" imgW="368280" imgH="139680" progId="Equation.DSMT4">
+                <p:oleObj spid="_x0000_s18466" name="Equation" r:id="rId10" imgW="368280" imgH="139680" progId="Equation.DSMT4">
                   <p:embed/>
                 </p:oleObj>
               </mc:Choice>
@@ -29047,7 +28677,7 @@
           <p:cNvPr id="17" name="对象 16">
             <a:extLst>
               <a:ext uri="{FF2B5EF4-FFF2-40B4-BE49-F238E27FC236}">
-                <a16:creationId xmlns:a16="http://schemas.microsoft.com/office/drawing/2014/main" xmlns="" id="{395C651F-0AAB-459E-BB46-BB8421035E25}"/>
+                <a16:creationId xmlns:a16="http://schemas.microsoft.com/office/drawing/2014/main" id="{395C651F-0AAB-459E-BB46-BB8421035E25}"/>
               </a:ext>
             </a:extLst>
           </p:cNvPr>
@@ -29066,7 +28696,7 @@
           <a:graphicData uri="http://schemas.openxmlformats.org/presentationml/2006/ole">
             <mc:AlternateContent xmlns:mc="http://schemas.openxmlformats.org/markup-compatibility/2006">
               <mc:Choice xmlns:v="urn:schemas-microsoft-com:vml" Requires="v">
-                <p:oleObj spid="_x0000_s18442" name="Equation" r:id="rId12" imgW="507960" imgH="749160" progId="Equation.DSMT4">
+                <p:oleObj spid="_x0000_s18467" name="Equation" r:id="rId12" imgW="507960" imgH="749160" progId="Equation.DSMT4">
                   <p:embed/>
                 </p:oleObj>
               </mc:Choice>
@@ -29106,7 +28736,7 @@
           <p:cNvPr id="18" name="矩形: 圆角 17">
             <a:extLst>
               <a:ext uri="{FF2B5EF4-FFF2-40B4-BE49-F238E27FC236}">
-                <a16:creationId xmlns:a16="http://schemas.microsoft.com/office/drawing/2014/main" xmlns="" id="{AAAB5A61-3FCA-4CC0-ABDC-46BFD3B43E3C}"/>
+                <a16:creationId xmlns:a16="http://schemas.microsoft.com/office/drawing/2014/main" id="{AAAB5A61-3FCA-4CC0-ABDC-46BFD3B43E3C}"/>
               </a:ext>
             </a:extLst>
           </p:cNvPr>
@@ -29158,7 +28788,7 @@
           <p:cNvPr id="19" name="图片 18">
             <a:extLst>
               <a:ext uri="{FF2B5EF4-FFF2-40B4-BE49-F238E27FC236}">
-                <a16:creationId xmlns:a16="http://schemas.microsoft.com/office/drawing/2014/main" xmlns="" id="{C41B4679-78D8-4DC3-8A9D-3BBB5E7E9B55}"/>
+                <a16:creationId xmlns:a16="http://schemas.microsoft.com/office/drawing/2014/main" id="{C41B4679-78D8-4DC3-8A9D-3BBB5E7E9B55}"/>
               </a:ext>
             </a:extLst>
           </p:cNvPr>
@@ -29615,7 +29245,7 @@
           <p:cNvPr id="2" name="标题 1">
             <a:extLst>
               <a:ext uri="{FF2B5EF4-FFF2-40B4-BE49-F238E27FC236}">
-                <a16:creationId xmlns:a16="http://schemas.microsoft.com/office/drawing/2014/main" xmlns="" id="{C961E56F-92A7-41CA-B384-28C25A3E7F51}"/>
+                <a16:creationId xmlns:a16="http://schemas.microsoft.com/office/drawing/2014/main" id="{C961E56F-92A7-41CA-B384-28C25A3E7F51}"/>
               </a:ext>
             </a:extLst>
           </p:cNvPr>
@@ -29632,12 +29262,8 @@
           <a:lstStyle/>
           <a:p>
             <a:r>
-              <a:rPr lang="en-US" altLang="zh-CN" dirty="0" smtClean="0"/>
-              <a:t>Simple </a:t>
-            </a:r>
-            <a:r>
               <a:rPr lang="en-US" altLang="zh-CN" dirty="0"/>
-              <a:t>LR</a:t>
+              <a:t>Simple LR</a:t>
             </a:r>
             <a:endParaRPr lang="zh-CN" altLang="en-US" dirty="0"/>
           </a:p>
@@ -29648,7 +29274,7 @@
           <p:cNvPr id="3" name="内容占位符 2">
             <a:extLst>
               <a:ext uri="{FF2B5EF4-FFF2-40B4-BE49-F238E27FC236}">
-                <a16:creationId xmlns:a16="http://schemas.microsoft.com/office/drawing/2014/main" xmlns="" id="{B86AFA2E-29C9-4A19-97F4-0BC025E05CB7}"/>
+                <a16:creationId xmlns:a16="http://schemas.microsoft.com/office/drawing/2014/main" id="{B86AFA2E-29C9-4A19-97F4-0BC025E05CB7}"/>
               </a:ext>
             </a:extLst>
           </p:cNvPr>
@@ -29755,7 +29381,7 @@
           <p:cNvPr id="2" name="标题 1">
             <a:extLst>
               <a:ext uri="{FF2B5EF4-FFF2-40B4-BE49-F238E27FC236}">
-                <a16:creationId xmlns:a16="http://schemas.microsoft.com/office/drawing/2014/main" xmlns="" id="{FF31F991-EC7E-4280-AE95-09462FFEFAB2}"/>
+                <a16:creationId xmlns:a16="http://schemas.microsoft.com/office/drawing/2014/main" id="{FF31F991-EC7E-4280-AE95-09462FFEFAB2}"/>
               </a:ext>
             </a:extLst>
           </p:cNvPr>
@@ -29772,12 +29398,8 @@
           <a:lstStyle/>
           <a:p>
             <a:r>
-              <a:rPr lang="en-US" altLang="zh-CN" dirty="0" smtClean="0"/>
-              <a:t>The </a:t>
-            </a:r>
-            <a:r>
               <a:rPr lang="en-US" altLang="zh-CN" dirty="0"/>
-              <a:t>LR-Parsing Algorithm</a:t>
+              <a:t>The LR-Parsing Algorithm</a:t>
             </a:r>
             <a:endParaRPr lang="zh-CN" altLang="en-US" dirty="0"/>
           </a:p>
@@ -29788,7 +29410,7 @@
           <p:cNvPr id="4" name="图片 3">
             <a:extLst>
               <a:ext uri="{FF2B5EF4-FFF2-40B4-BE49-F238E27FC236}">
-                <a16:creationId xmlns:a16="http://schemas.microsoft.com/office/drawing/2014/main" xmlns="" id="{0422C1AD-4B5C-4AF3-A25E-954BAF04E06B}"/>
+                <a16:creationId xmlns:a16="http://schemas.microsoft.com/office/drawing/2014/main" id="{0422C1AD-4B5C-4AF3-A25E-954BAF04E06B}"/>
               </a:ext>
             </a:extLst>
           </p:cNvPr>
@@ -29818,7 +29440,7 @@
           <p:cNvPr id="5" name="文本框 4">
             <a:extLst>
               <a:ext uri="{FF2B5EF4-FFF2-40B4-BE49-F238E27FC236}">
-                <a16:creationId xmlns:a16="http://schemas.microsoft.com/office/drawing/2014/main" xmlns="" id="{A881D2AE-C99C-4BB1-9014-9B1CE5A1D2FD}"/>
+                <a16:creationId xmlns:a16="http://schemas.microsoft.com/office/drawing/2014/main" id="{A881D2AE-C99C-4BB1-9014-9B1CE5A1D2FD}"/>
               </a:ext>
             </a:extLst>
           </p:cNvPr>
@@ -29862,7 +29484,7 @@
           <p:cNvPr id="6" name="图片 5">
             <a:extLst>
               <a:ext uri="{FF2B5EF4-FFF2-40B4-BE49-F238E27FC236}">
-                <a16:creationId xmlns:a16="http://schemas.microsoft.com/office/drawing/2014/main" xmlns="" id="{6D9F895C-9CB8-4EF0-AECD-B9844D476B0A}"/>
+                <a16:creationId xmlns:a16="http://schemas.microsoft.com/office/drawing/2014/main" id="{6D9F895C-9CB8-4EF0-AECD-B9844D476B0A}"/>
               </a:ext>
             </a:extLst>
           </p:cNvPr>
@@ -29934,7 +29556,7 @@
           <p:cNvPr id="2" name="标题 1">
             <a:extLst>
               <a:ext uri="{FF2B5EF4-FFF2-40B4-BE49-F238E27FC236}">
-                <a16:creationId xmlns:a16="http://schemas.microsoft.com/office/drawing/2014/main" xmlns="" id="{15AC9027-FBB9-45FE-BDCD-1B8BB576ECC0}"/>
+                <a16:creationId xmlns:a16="http://schemas.microsoft.com/office/drawing/2014/main" id="{15AC9027-FBB9-45FE-BDCD-1B8BB576ECC0}"/>
               </a:ext>
             </a:extLst>
           </p:cNvPr>
@@ -29963,7 +29585,7 @@
           <p:cNvPr id="3" name="内容占位符 2">
             <a:extLst>
               <a:ext uri="{FF2B5EF4-FFF2-40B4-BE49-F238E27FC236}">
-                <a16:creationId xmlns:a16="http://schemas.microsoft.com/office/drawing/2014/main" xmlns="" id="{3969240A-2054-4A46-BACA-6422C5B06D3A}"/>
+                <a16:creationId xmlns:a16="http://schemas.microsoft.com/office/drawing/2014/main" id="{3969240A-2054-4A46-BACA-6422C5B06D3A}"/>
               </a:ext>
             </a:extLst>
           </p:cNvPr>
@@ -30019,7 +29641,7 @@
           <p:cNvPr id="4" name="图片 3">
             <a:extLst>
               <a:ext uri="{FF2B5EF4-FFF2-40B4-BE49-F238E27FC236}">
-                <a16:creationId xmlns:a16="http://schemas.microsoft.com/office/drawing/2014/main" xmlns="" id="{C3898761-2576-4AA1-8D10-049A746D05DF}"/>
+                <a16:creationId xmlns:a16="http://schemas.microsoft.com/office/drawing/2014/main" id="{C3898761-2576-4AA1-8D10-049A746D05DF}"/>
               </a:ext>
             </a:extLst>
           </p:cNvPr>
@@ -30049,7 +29671,7 @@
           <p:cNvPr id="5" name="图片 4">
             <a:extLst>
               <a:ext uri="{FF2B5EF4-FFF2-40B4-BE49-F238E27FC236}">
-                <a16:creationId xmlns:a16="http://schemas.microsoft.com/office/drawing/2014/main" xmlns="" id="{871B4C53-BCC8-4678-BB4B-0F1572A22C72}"/>
+                <a16:creationId xmlns:a16="http://schemas.microsoft.com/office/drawing/2014/main" id="{871B4C53-BCC8-4678-BB4B-0F1572A22C72}"/>
               </a:ext>
             </a:extLst>
           </p:cNvPr>
@@ -30132,7 +29754,7 @@
           <a:lstStyle/>
           <a:p>
             <a:r>
-              <a:rPr lang="en-US" altLang="zh-CN" dirty="0" smtClean="0"/>
+              <a:rPr lang="en-US" altLang="zh-CN" dirty="0"/>
               <a:t>Example</a:t>
             </a:r>
             <a:endParaRPr lang="zh-CN" altLang="en-US" dirty="0"/>
@@ -30215,7 +29837,7 @@
               <a:tabLst/>
             </a:pPr>
             <a:r>
-              <a:rPr kumimoji="0" lang="en-US" altLang="zh-CN" b="0" i="0" u="none" strike="noStrike" cap="none" normalizeH="0" baseline="0" dirty="0" smtClean="0">
+              <a:rPr kumimoji="0" lang="en-US" altLang="zh-CN" b="0" i="0" u="none" strike="noStrike" cap="none" normalizeH="0" baseline="0" dirty="0">
                 <a:ln>
                   <a:noFill/>
                 </a:ln>
@@ -30229,7 +29851,7 @@
               </a:rPr>
               <a:t>Consider grammar G4:</a:t>
             </a:r>
-            <a:endParaRPr kumimoji="0" lang="en-US" altLang="zh-CN" b="0" i="0" u="none" strike="noStrike" cap="none" normalizeH="0" baseline="0" dirty="0" smtClean="0">
+            <a:endParaRPr kumimoji="0" lang="en-US" altLang="zh-CN" b="0" i="0" u="none" strike="noStrike" cap="none" normalizeH="0" baseline="0" dirty="0">
               <a:ln>
                 <a:noFill/>
               </a:ln>
@@ -30264,7 +29886,7 @@
           <a:graphicData uri="http://schemas.openxmlformats.org/presentationml/2006/ole">
             <mc:AlternateContent xmlns:mc="http://schemas.openxmlformats.org/markup-compatibility/2006">
               <mc:Choice xmlns:v="urn:schemas-microsoft-com:vml" Requires="v">
-                <p:oleObj spid="_x0000_s17413" name="Equation" r:id="rId3" imgW="710891" imgH="406224" progId="Equation.DSMT4">
+                <p:oleObj spid="_x0000_s17418" name="Equation" r:id="rId3" imgW="710891" imgH="406224" progId="Equation.DSMT4">
                   <p:embed/>
                 </p:oleObj>
               </mc:Choice>
@@ -30422,11 +30044,7 @@
           <a:p>
             <a:r>
               <a:rPr lang="en-US" altLang="zh-CN" dirty="0"/>
-              <a:t>I</a:t>
-            </a:r>
-            <a:r>
-              <a:rPr lang="en-US" altLang="zh-CN" dirty="0" smtClean="0"/>
-              <a:t>nterpreter</a:t>
+              <a:t>Interpreter</a:t>
             </a:r>
             <a:endParaRPr lang="zh-CN" altLang="en-US" dirty="0"/>
           </a:p>
@@ -31214,7 +30832,7 @@
           <p:cNvPr id="2" name="标题 1">
             <a:extLst>
               <a:ext uri="{FF2B5EF4-FFF2-40B4-BE49-F238E27FC236}">
-                <a16:creationId xmlns:a16="http://schemas.microsoft.com/office/drawing/2014/main" xmlns="" id="{0DD30E7F-B65C-4295-A0CF-6CA3E34F8DD8}"/>
+                <a16:creationId xmlns:a16="http://schemas.microsoft.com/office/drawing/2014/main" id="{0DD30E7F-B65C-4295-A0CF-6CA3E34F8DD8}"/>
               </a:ext>
             </a:extLst>
           </p:cNvPr>
@@ -31243,7 +30861,7 @@
           <p:cNvPr id="3" name="内容占位符 2">
             <a:extLst>
               <a:ext uri="{FF2B5EF4-FFF2-40B4-BE49-F238E27FC236}">
-                <a16:creationId xmlns:a16="http://schemas.microsoft.com/office/drawing/2014/main" xmlns="" id="{6075EA04-0D09-47A3-898C-E17D4DE095B3}"/>
+                <a16:creationId xmlns:a16="http://schemas.microsoft.com/office/drawing/2014/main" id="{6075EA04-0D09-47A3-898C-E17D4DE095B3}"/>
               </a:ext>
             </a:extLst>
           </p:cNvPr>
@@ -31641,13 +31259,1271 @@
           <a:bodyPr/>
           <a:lstStyle/>
           <a:p>
-            <a:endParaRPr lang="zh-CN" altLang="en-US"/>
+            <a:r>
+              <a:rPr lang="en-US" altLang="zh-CN" dirty="0"/>
+              <a:t>Example</a:t>
+            </a:r>
+            <a:endParaRPr lang="zh-CN" altLang="en-US" dirty="0"/>
           </a:p>
         </p:txBody>
       </p:sp>
       <p:sp>
         <p:nvSpPr>
-          <p:cNvPr id="3" name="内容占位符 2"/>
+          <p:cNvPr id="4" name="Rectangle 2">
+            <a:extLst>
+              <a:ext uri="{FF2B5EF4-FFF2-40B4-BE49-F238E27FC236}">
+                <a16:creationId xmlns:a16="http://schemas.microsoft.com/office/drawing/2014/main" id="{9141B60C-5210-4FC0-99EA-1032F394F92A}"/>
+              </a:ext>
+            </a:extLst>
+          </p:cNvPr>
+          <p:cNvSpPr>
+            <a:spLocks noChangeArrowheads="1"/>
+          </p:cNvSpPr>
+          <p:nvPr/>
+        </p:nvSpPr>
+        <p:spPr bwMode="auto">
+          <a:xfrm>
+            <a:off x="828675" y="1574437"/>
+            <a:ext cx="4293741" cy="646331"/>
+          </a:xfrm>
+          <a:prstGeom prst="rect">
+            <a:avLst/>
+          </a:prstGeom>
+          <a:noFill/>
+          <a:ln>
+            <a:noFill/>
+          </a:ln>
+          <a:effectLst/>
+          <a:extLst>
+            <a:ext uri="{909E8E84-426E-40DD-AFC4-6F175D3DCCD1}">
+              <a14:hiddenFill xmlns:a14="http://schemas.microsoft.com/office/drawing/2010/main">
+                <a:solidFill>
+                  <a:schemeClr val="accent1"/>
+                </a:solidFill>
+              </a14:hiddenFill>
+            </a:ext>
+            <a:ext uri="{91240B29-F687-4F45-9708-019B960494DF}">
+              <a14:hiddenLine xmlns:a14="http://schemas.microsoft.com/office/drawing/2010/main" w="9525">
+                <a:solidFill>
+                  <a:schemeClr val="tx1"/>
+                </a:solidFill>
+                <a:miter lim="800000"/>
+                <a:headEnd/>
+                <a:tailEnd/>
+              </a14:hiddenLine>
+            </a:ext>
+            <a:ext uri="{AF507438-7753-43E0-B8FC-AC1667EBCBE1}">
+              <a14:hiddenEffects xmlns:a14="http://schemas.microsoft.com/office/drawing/2010/main">
+                <a:effectLst>
+                  <a:outerShdw dist="35921" dir="2700000" algn="ctr" rotWithShape="0">
+                    <a:schemeClr val="bg2"/>
+                  </a:outerShdw>
+                </a:effectLst>
+              </a14:hiddenEffects>
+            </a:ext>
+          </a:extLst>
+        </p:spPr>
+        <p:txBody>
+          <a:bodyPr vert="horz" wrap="square" lIns="91440" tIns="45720" rIns="91440" bIns="45720" numCol="1" anchor="ctr" anchorCtr="0" compatLnSpc="1">
+            <a:prstTxWarp prst="textNoShape">
+              <a:avLst/>
+            </a:prstTxWarp>
+            <a:spAutoFit/>
+          </a:bodyPr>
+          <a:lstStyle/>
+          <a:p>
+            <a:pPr marL="0" marR="0" lvl="0" indent="0" algn="l" defTabSz="914400" rtl="0" eaLnBrk="0" fontAlgn="base" latinLnBrk="0" hangingPunct="0">
+              <a:lnSpc>
+                <a:spcPct val="100000"/>
+              </a:lnSpc>
+              <a:spcBef>
+                <a:spcPct val="0"/>
+              </a:spcBef>
+              <a:spcAft>
+                <a:spcPct val="0"/>
+              </a:spcAft>
+              <a:buClrTx/>
+              <a:buSzTx/>
+              <a:buFontTx/>
+              <a:buNone/>
+              <a:tabLst/>
+            </a:pPr>
+            <a:r>
+              <a:rPr kumimoji="0" lang="en-US" altLang="zh-CN" b="0" i="0" u="none" strike="noStrike" cap="none" normalizeH="0" baseline="0" dirty="0">
+                <a:ln>
+                  <a:noFill/>
+                </a:ln>
+                <a:solidFill>
+                  <a:schemeClr val="tx1"/>
+                </a:solidFill>
+                <a:effectLst/>
+                <a:latin typeface="等线" panose="02010600030101010101" pitchFamily="2" charset="-122"/>
+                <a:ea typeface="黑体" panose="02010609060101010101" pitchFamily="49" charset="-122"/>
+                <a:cs typeface="Times New Roman" panose="02020603050405020304" pitchFamily="18" charset="0"/>
+              </a:rPr>
+              <a:t>Consider the following grammar</a:t>
+            </a:r>
+            <a:endParaRPr kumimoji="0" lang="en-US" altLang="zh-CN" b="0" i="0" u="none" strike="noStrike" cap="none" normalizeH="0" baseline="0" dirty="0">
+              <a:ln>
+                <a:noFill/>
+              </a:ln>
+              <a:solidFill>
+                <a:schemeClr val="tx1"/>
+              </a:solidFill>
+              <a:effectLst/>
+            </a:endParaRPr>
+          </a:p>
+          <a:p>
+            <a:pPr marL="0" marR="0" lvl="0" indent="0" algn="l" defTabSz="914400" rtl="0" eaLnBrk="0" fontAlgn="base" latinLnBrk="0" hangingPunct="0">
+              <a:lnSpc>
+                <a:spcPct val="100000"/>
+              </a:lnSpc>
+              <a:spcBef>
+                <a:spcPct val="0"/>
+              </a:spcBef>
+              <a:spcAft>
+                <a:spcPct val="0"/>
+              </a:spcAft>
+              <a:buClrTx/>
+              <a:buSzTx/>
+              <a:buFontTx/>
+              <a:buNone/>
+              <a:tabLst/>
+            </a:pPr>
+            <a:endParaRPr kumimoji="0" lang="en-US" altLang="zh-CN" sz="1800" b="0" i="0" u="none" strike="noStrike" cap="none" normalizeH="0" baseline="0" dirty="0">
+              <a:ln>
+                <a:noFill/>
+              </a:ln>
+              <a:solidFill>
+                <a:schemeClr val="tx1"/>
+              </a:solidFill>
+              <a:effectLst/>
+              <a:latin typeface="Arial" panose="020B0604020202020204" pitchFamily="34" charset="0"/>
+            </a:endParaRPr>
+          </a:p>
+        </p:txBody>
+      </p:sp>
+      <p:graphicFrame>
+        <p:nvGraphicFramePr>
+          <p:cNvPr id="5" name="对象 4">
+            <a:extLst>
+              <a:ext uri="{FF2B5EF4-FFF2-40B4-BE49-F238E27FC236}">
+                <a16:creationId xmlns:a16="http://schemas.microsoft.com/office/drawing/2014/main" id="{715C452E-79B4-42E2-A656-4379AB575CBA}"/>
+              </a:ext>
+            </a:extLst>
+          </p:cNvPr>
+          <p:cNvGraphicFramePr>
+            <a:graphicFrameLocks noChangeAspect="1"/>
+          </p:cNvGraphicFramePr>
+          <p:nvPr>
+            <p:extLst>
+              <p:ext uri="{D42A27DB-BD31-4B8C-83A1-F6EECF244321}">
+                <p14:modId xmlns:p14="http://schemas.microsoft.com/office/powerpoint/2010/main" val="419397857"/>
+              </p:ext>
+            </p:extLst>
+          </p:nvPr>
+        </p:nvGraphicFramePr>
+        <p:xfrm>
+          <a:off x="1059493" y="2205822"/>
+          <a:ext cx="1372987" cy="761513"/>
+        </p:xfrm>
+        <a:graphic>
+          <a:graphicData uri="http://schemas.openxmlformats.org/presentationml/2006/ole">
+            <mc:AlternateContent xmlns:mc="http://schemas.openxmlformats.org/markup-compatibility/2006">
+              <mc:Choice xmlns:v="urn:schemas-microsoft-com:vml" Requires="v">
+                <p:oleObj spid="_x0000_s21524" name="Equation" r:id="rId3" imgW="774364" imgH="431613" progId="Equation.DSMT4">
+                  <p:embed/>
+                </p:oleObj>
+              </mc:Choice>
+              <mc:Fallback>
+                <p:oleObj name="Equation" r:id="rId3" imgW="774364" imgH="431613" progId="Equation.DSMT4">
+                  <p:embed/>
+                  <p:pic>
+                    <p:nvPicPr>
+                      <p:cNvPr id="0" name="Object 1"/>
+                      <p:cNvPicPr>
+                        <a:picLocks noChangeAspect="1" noChangeArrowheads="1"/>
+                      </p:cNvPicPr>
+                      <p:nvPr/>
+                    </p:nvPicPr>
+                    <p:blipFill>
+                      <a:blip r:embed="rId4">
+                        <a:extLst>
+                          <a:ext uri="{28A0092B-C50C-407E-A947-70E740481C1C}">
+                            <a14:useLocalDpi xmlns:a14="http://schemas.microsoft.com/office/drawing/2010/main" val="0"/>
+                          </a:ext>
+                        </a:extLst>
+                      </a:blip>
+                      <a:srcRect/>
+                      <a:stretch>
+                        <a:fillRect/>
+                      </a:stretch>
+                    </p:blipFill>
+                    <p:spPr bwMode="auto">
+                      <a:xfrm>
+                        <a:off x="1059493" y="2205822"/>
+                        <a:ext cx="1372987" cy="761513"/>
+                      </a:xfrm>
+                      <a:prstGeom prst="rect">
+                        <a:avLst/>
+                      </a:prstGeom>
+                      <a:noFill/>
+                    </p:spPr>
+                  </p:pic>
+                </p:oleObj>
+              </mc:Fallback>
+            </mc:AlternateContent>
+          </a:graphicData>
+        </a:graphic>
+      </p:graphicFrame>
+      <p:sp>
+        <p:nvSpPr>
+          <p:cNvPr id="6" name="Rectangle 3">
+            <a:extLst>
+              <a:ext uri="{FF2B5EF4-FFF2-40B4-BE49-F238E27FC236}">
+                <a16:creationId xmlns:a16="http://schemas.microsoft.com/office/drawing/2014/main" id="{1487D6F6-9147-4C88-A369-48E49364BE70}"/>
+              </a:ext>
+            </a:extLst>
+          </p:cNvPr>
+          <p:cNvSpPr>
+            <a:spLocks noChangeArrowheads="1"/>
+          </p:cNvSpPr>
+          <p:nvPr/>
+        </p:nvSpPr>
+        <p:spPr bwMode="auto">
+          <a:xfrm>
+            <a:off x="118462" y="2967335"/>
+            <a:ext cx="9025538" cy="923330"/>
+          </a:xfrm>
+          <a:prstGeom prst="rect">
+            <a:avLst/>
+          </a:prstGeom>
+          <a:noFill/>
+          <a:ln>
+            <a:noFill/>
+          </a:ln>
+          <a:effectLst/>
+          <a:extLst>
+            <a:ext uri="{909E8E84-426E-40DD-AFC4-6F175D3DCCD1}">
+              <a14:hiddenFill xmlns:a14="http://schemas.microsoft.com/office/drawing/2010/main">
+                <a:solidFill>
+                  <a:schemeClr val="accent1"/>
+                </a:solidFill>
+              </a14:hiddenFill>
+            </a:ext>
+            <a:ext uri="{91240B29-F687-4F45-9708-019B960494DF}">
+              <a14:hiddenLine xmlns:a14="http://schemas.microsoft.com/office/drawing/2010/main" w="9525">
+                <a:solidFill>
+                  <a:schemeClr val="tx1"/>
+                </a:solidFill>
+                <a:miter lim="800000"/>
+                <a:headEnd/>
+                <a:tailEnd/>
+              </a14:hiddenLine>
+            </a:ext>
+            <a:ext uri="{AF507438-7753-43E0-B8FC-AC1667EBCBE1}">
+              <a14:hiddenEffects xmlns:a14="http://schemas.microsoft.com/office/drawing/2010/main">
+                <a:effectLst>
+                  <a:outerShdw dist="35921" dir="2700000" algn="ctr" rotWithShape="0">
+                    <a:schemeClr val="bg2"/>
+                  </a:outerShdw>
+                </a:effectLst>
+              </a14:hiddenEffects>
+            </a:ext>
+          </a:extLst>
+        </p:spPr>
+        <p:txBody>
+          <a:bodyPr vert="horz" wrap="square" lIns="91440" tIns="45720" rIns="91440" bIns="45720" numCol="1" anchor="ctr" anchorCtr="0" compatLnSpc="1">
+            <a:prstTxWarp prst="textNoShape">
+              <a:avLst/>
+            </a:prstTxWarp>
+            <a:spAutoFit/>
+          </a:bodyPr>
+          <a:lstStyle/>
+          <a:p>
+            <a:pPr marL="0" marR="0" lvl="0" indent="0" algn="l" defTabSz="914400" rtl="0" eaLnBrk="0" fontAlgn="base" latinLnBrk="0" hangingPunct="0">
+              <a:lnSpc>
+                <a:spcPct val="100000"/>
+              </a:lnSpc>
+              <a:spcBef>
+                <a:spcPct val="0"/>
+              </a:spcBef>
+              <a:spcAft>
+                <a:spcPct val="0"/>
+              </a:spcAft>
+              <a:buClrTx/>
+              <a:buSzTx/>
+              <a:buFontTx/>
+              <a:buNone/>
+              <a:tabLst/>
+            </a:pPr>
+            <a:r>
+              <a:rPr kumimoji="0" lang="en-US" altLang="zh-CN" b="0" i="0" u="none" strike="noStrike" cap="none" normalizeH="0" baseline="0" dirty="0">
+                <a:ln>
+                  <a:noFill/>
+                </a:ln>
+                <a:solidFill>
+                  <a:schemeClr val="tx1"/>
+                </a:solidFill>
+                <a:effectLst/>
+                <a:latin typeface="等线" panose="02010600030101010101" pitchFamily="2" charset="-122"/>
+                <a:ea typeface="黑体" panose="02010609060101010101" pitchFamily="49" charset="-122"/>
+                <a:cs typeface="Times New Roman" panose="02020603050405020304" pitchFamily="18" charset="0"/>
+              </a:rPr>
+              <a:t>(a) Write a syntax-directed definition that prints out the number of parenthesis pairs.</a:t>
+            </a:r>
+            <a:endParaRPr kumimoji="0" lang="en-US" altLang="zh-CN" b="0" i="0" u="none" strike="noStrike" cap="none" normalizeH="0" baseline="0" dirty="0">
+              <a:ln>
+                <a:noFill/>
+              </a:ln>
+              <a:solidFill>
+                <a:schemeClr val="tx1"/>
+              </a:solidFill>
+              <a:effectLst/>
+            </a:endParaRPr>
+          </a:p>
+          <a:p>
+            <a:pPr marL="0" marR="0" lvl="0" indent="0" algn="l" defTabSz="914400" rtl="0" eaLnBrk="0" fontAlgn="base" latinLnBrk="0" hangingPunct="0">
+              <a:lnSpc>
+                <a:spcPct val="100000"/>
+              </a:lnSpc>
+              <a:spcBef>
+                <a:spcPct val="0"/>
+              </a:spcBef>
+              <a:spcAft>
+                <a:spcPct val="0"/>
+              </a:spcAft>
+              <a:buClrTx/>
+              <a:buSzTx/>
+              <a:buFontTx/>
+              <a:buNone/>
+              <a:tabLst/>
+            </a:pPr>
+            <a:r>
+              <a:rPr kumimoji="0" lang="en-US" altLang="zh-CN" b="0" i="0" u="none" strike="noStrike" cap="none" normalizeH="0" baseline="0" dirty="0">
+                <a:ln>
+                  <a:noFill/>
+                </a:ln>
+                <a:solidFill>
+                  <a:schemeClr val="tx1"/>
+                </a:solidFill>
+                <a:effectLst/>
+                <a:latin typeface="等线" panose="02010600030101010101" pitchFamily="2" charset="-122"/>
+                <a:ea typeface="黑体" panose="02010609060101010101" pitchFamily="49" charset="-122"/>
+                <a:cs typeface="Times New Roman" panose="02020603050405020304" pitchFamily="18" charset="0"/>
+              </a:rPr>
+              <a:t>(b) Write a syntax-directed translation scheme that prints out the depth of each </a:t>
+            </a:r>
+            <a:r>
+              <a:rPr kumimoji="0" lang="en-US" altLang="zh-CN" b="0" i="0" u="none" strike="noStrike" cap="none" normalizeH="0" baseline="0" dirty="0">
+                <a:ln>
+                  <a:noFill/>
+                </a:ln>
+                <a:solidFill>
+                  <a:schemeClr val="tx1"/>
+                </a:solidFill>
+                <a:effectLst/>
+                <a:latin typeface="Courier New" panose="02070309020205020404" pitchFamily="49" charset="0"/>
+                <a:ea typeface="黑体" panose="02010609060101010101" pitchFamily="49" charset="-122"/>
+                <a:cs typeface="Courier New" panose="02070309020205020404" pitchFamily="49" charset="0"/>
+              </a:rPr>
+              <a:t>a</a:t>
+            </a:r>
+            <a:r>
+              <a:rPr kumimoji="0" lang="en-US" altLang="zh-CN" b="0" i="0" u="none" strike="noStrike" cap="none" normalizeH="0" baseline="0" dirty="0">
+                <a:ln>
+                  <a:noFill/>
+                </a:ln>
+                <a:solidFill>
+                  <a:schemeClr val="tx1"/>
+                </a:solidFill>
+                <a:effectLst/>
+                <a:latin typeface="等线" panose="02010600030101010101" pitchFamily="2" charset="-122"/>
+                <a:ea typeface="黑体" panose="02010609060101010101" pitchFamily="49" charset="-122"/>
+                <a:cs typeface="Times New Roman" panose="02020603050405020304" pitchFamily="18" charset="0"/>
+              </a:rPr>
+              <a:t>.</a:t>
+            </a:r>
+            <a:endParaRPr kumimoji="0" lang="en-US" altLang="zh-CN" b="0" i="0" u="none" strike="noStrike" cap="none" normalizeH="0" baseline="0" dirty="0">
+              <a:ln>
+                <a:noFill/>
+              </a:ln>
+              <a:solidFill>
+                <a:schemeClr val="tx1"/>
+              </a:solidFill>
+              <a:effectLst/>
+            </a:endParaRPr>
+          </a:p>
+          <a:p>
+            <a:pPr marL="0" marR="0" lvl="0" indent="0" algn="l" defTabSz="914400" rtl="0" eaLnBrk="0" fontAlgn="base" latinLnBrk="0" hangingPunct="0">
+              <a:lnSpc>
+                <a:spcPct val="100000"/>
+              </a:lnSpc>
+              <a:spcBef>
+                <a:spcPct val="0"/>
+              </a:spcBef>
+              <a:spcAft>
+                <a:spcPct val="0"/>
+              </a:spcAft>
+              <a:buClrTx/>
+              <a:buSzTx/>
+              <a:buFontTx/>
+              <a:buNone/>
+              <a:tabLst/>
+            </a:pPr>
+            <a:r>
+              <a:rPr kumimoji="0" lang="en-US" altLang="zh-CN" b="0" i="0" u="none" strike="noStrike" cap="none" normalizeH="0" baseline="0" dirty="0">
+                <a:ln>
+                  <a:noFill/>
+                </a:ln>
+                <a:solidFill>
+                  <a:schemeClr val="tx1"/>
+                </a:solidFill>
+                <a:effectLst/>
+                <a:latin typeface="等线" panose="02010600030101010101" pitchFamily="2" charset="-122"/>
+                <a:ea typeface="黑体" panose="02010609060101010101" pitchFamily="49" charset="-122"/>
+                <a:cs typeface="Times New Roman" panose="02020603050405020304" pitchFamily="18" charset="0"/>
+              </a:rPr>
+              <a:t>(c) Write a syntax-directed translation scheme that prints out the order number of each </a:t>
+            </a:r>
+            <a:r>
+              <a:rPr kumimoji="0" lang="en-US" altLang="zh-CN" b="0" i="0" u="none" strike="noStrike" cap="none" normalizeH="0" baseline="0" dirty="0">
+                <a:ln>
+                  <a:noFill/>
+                </a:ln>
+                <a:solidFill>
+                  <a:schemeClr val="tx1"/>
+                </a:solidFill>
+                <a:effectLst/>
+                <a:latin typeface="Courier New" panose="02070309020205020404" pitchFamily="49" charset="0"/>
+                <a:ea typeface="黑体" panose="02010609060101010101" pitchFamily="49" charset="-122"/>
+                <a:cs typeface="Courier New" panose="02070309020205020404" pitchFamily="49" charset="0"/>
+              </a:rPr>
+              <a:t>a</a:t>
+            </a:r>
+            <a:r>
+              <a:rPr kumimoji="0" lang="en-US" altLang="zh-CN" b="0" i="0" u="none" strike="noStrike" cap="none" normalizeH="0" baseline="0" dirty="0">
+                <a:ln>
+                  <a:noFill/>
+                </a:ln>
+                <a:solidFill>
+                  <a:schemeClr val="tx1"/>
+                </a:solidFill>
+                <a:effectLst/>
+                <a:latin typeface="等线" panose="02010600030101010101" pitchFamily="2" charset="-122"/>
+                <a:ea typeface="黑体" panose="02010609060101010101" pitchFamily="49" charset="-122"/>
+                <a:cs typeface="Times New Roman" panose="02020603050405020304" pitchFamily="18" charset="0"/>
+              </a:rPr>
+              <a:t>.</a:t>
+            </a:r>
+            <a:endParaRPr kumimoji="0" lang="en-US" altLang="zh-CN" b="0" i="0" u="none" strike="noStrike" cap="none" normalizeH="0" baseline="0" dirty="0">
+              <a:ln>
+                <a:noFill/>
+              </a:ln>
+              <a:solidFill>
+                <a:schemeClr val="tx1"/>
+              </a:solidFill>
+              <a:effectLst/>
+              <a:latin typeface="Arial" panose="020B0604020202020204" pitchFamily="34" charset="0"/>
+            </a:endParaRPr>
+          </a:p>
+        </p:txBody>
+      </p:sp>
+      <p:sp>
+        <p:nvSpPr>
+          <p:cNvPr id="7" name="Rectangle 5">
+            <a:extLst>
+              <a:ext uri="{FF2B5EF4-FFF2-40B4-BE49-F238E27FC236}">
+                <a16:creationId xmlns:a16="http://schemas.microsoft.com/office/drawing/2014/main" id="{FFCE49CF-3109-4F44-B507-C195B699447B}"/>
+              </a:ext>
+            </a:extLst>
+          </p:cNvPr>
+          <p:cNvSpPr>
+            <a:spLocks noChangeArrowheads="1"/>
+          </p:cNvSpPr>
+          <p:nvPr/>
+        </p:nvSpPr>
+        <p:spPr bwMode="auto">
+          <a:xfrm>
+            <a:off x="390617" y="4213026"/>
+            <a:ext cx="9144000" cy="0"/>
+          </a:xfrm>
+          <a:prstGeom prst="rect">
+            <a:avLst/>
+          </a:prstGeom>
+          <a:noFill/>
+          <a:ln>
+            <a:noFill/>
+          </a:ln>
+          <a:effectLst/>
+          <a:extLst>
+            <a:ext uri="{909E8E84-426E-40DD-AFC4-6F175D3DCCD1}">
+              <a14:hiddenFill xmlns:a14="http://schemas.microsoft.com/office/drawing/2010/main">
+                <a:solidFill>
+                  <a:schemeClr val="accent1"/>
+                </a:solidFill>
+              </a14:hiddenFill>
+            </a:ext>
+            <a:ext uri="{91240B29-F687-4F45-9708-019B960494DF}">
+              <a14:hiddenLine xmlns:a14="http://schemas.microsoft.com/office/drawing/2010/main" w="9525">
+                <a:solidFill>
+                  <a:schemeClr val="tx1"/>
+                </a:solidFill>
+                <a:miter lim="800000"/>
+                <a:headEnd/>
+                <a:tailEnd/>
+              </a14:hiddenLine>
+            </a:ext>
+            <a:ext uri="{AF507438-7753-43E0-B8FC-AC1667EBCBE1}">
+              <a14:hiddenEffects xmlns:a14="http://schemas.microsoft.com/office/drawing/2010/main">
+                <a:effectLst>
+                  <a:outerShdw dist="35921" dir="2700000" algn="ctr" rotWithShape="0">
+                    <a:schemeClr val="bg2"/>
+                  </a:outerShdw>
+                </a:effectLst>
+              </a14:hiddenEffects>
+            </a:ext>
+          </a:extLst>
+        </p:spPr>
+        <p:txBody>
+          <a:bodyPr vert="horz" wrap="none" lIns="91440" tIns="45720" rIns="91440" bIns="45720" numCol="1" anchor="ctr" anchorCtr="0" compatLnSpc="1">
+            <a:prstTxWarp prst="textNoShape">
+              <a:avLst/>
+            </a:prstTxWarp>
+            <a:spAutoFit/>
+          </a:bodyPr>
+          <a:lstStyle/>
+          <a:p>
+            <a:endParaRPr lang="zh-CN" altLang="en-US"/>
+          </a:p>
+        </p:txBody>
+      </p:sp>
+      <p:graphicFrame>
+        <p:nvGraphicFramePr>
+          <p:cNvPr id="8" name="对象 7">
+            <a:extLst>
+              <a:ext uri="{FF2B5EF4-FFF2-40B4-BE49-F238E27FC236}">
+                <a16:creationId xmlns:a16="http://schemas.microsoft.com/office/drawing/2014/main" id="{AE3BF782-A74D-4FBE-9452-596654444A48}"/>
+              </a:ext>
+            </a:extLst>
+          </p:cNvPr>
+          <p:cNvGraphicFramePr>
+            <a:graphicFrameLocks noChangeAspect="1"/>
+          </p:cNvGraphicFramePr>
+          <p:nvPr>
+            <p:extLst>
+              <p:ext uri="{D42A27DB-BD31-4B8C-83A1-F6EECF244321}">
+                <p14:modId xmlns:p14="http://schemas.microsoft.com/office/powerpoint/2010/main" val="3882518848"/>
+              </p:ext>
+            </p:extLst>
+          </p:nvPr>
+        </p:nvGraphicFramePr>
+        <p:xfrm>
+          <a:off x="828675" y="4223333"/>
+          <a:ext cx="2885152" cy="1277975"/>
+        </p:xfrm>
+        <a:graphic>
+          <a:graphicData uri="http://schemas.openxmlformats.org/presentationml/2006/ole">
+            <mc:AlternateContent xmlns:mc="http://schemas.openxmlformats.org/markup-compatibility/2006">
+              <mc:Choice xmlns:v="urn:schemas-microsoft-com:vml" Requires="v">
+                <p:oleObj spid="_x0000_s21525" name="Equation" r:id="rId5" imgW="2476500" imgH="1092200" progId="Equation.DSMT4">
+                  <p:embed/>
+                </p:oleObj>
+              </mc:Choice>
+              <mc:Fallback>
+                <p:oleObj name="Equation" r:id="rId5" imgW="2476500" imgH="1092200" progId="Equation.DSMT4">
+                  <p:embed/>
+                  <p:pic>
+                    <p:nvPicPr>
+                      <p:cNvPr id="0" name="Object 4"/>
+                      <p:cNvPicPr>
+                        <a:picLocks noChangeAspect="1" noChangeArrowheads="1"/>
+                      </p:cNvPicPr>
+                      <p:nvPr/>
+                    </p:nvPicPr>
+                    <p:blipFill>
+                      <a:blip r:embed="rId6">
+                        <a:extLst>
+                          <a:ext uri="{28A0092B-C50C-407E-A947-70E740481C1C}">
+                            <a14:useLocalDpi xmlns:a14="http://schemas.microsoft.com/office/drawing/2010/main" val="0"/>
+                          </a:ext>
+                        </a:extLst>
+                      </a:blip>
+                      <a:srcRect/>
+                      <a:stretch>
+                        <a:fillRect/>
+                      </a:stretch>
+                    </p:blipFill>
+                    <p:spPr bwMode="auto">
+                      <a:xfrm>
+                        <a:off x="828675" y="4223333"/>
+                        <a:ext cx="2885152" cy="1277975"/>
+                      </a:xfrm>
+                      <a:prstGeom prst="rect">
+                        <a:avLst/>
+                      </a:prstGeom>
+                      <a:noFill/>
+                    </p:spPr>
+                  </p:pic>
+                </p:oleObj>
+              </mc:Fallback>
+            </mc:AlternateContent>
+          </a:graphicData>
+        </a:graphic>
+      </p:graphicFrame>
+      <p:sp>
+        <p:nvSpPr>
+          <p:cNvPr id="9" name="矩形 8">
+            <a:extLst>
+              <a:ext uri="{FF2B5EF4-FFF2-40B4-BE49-F238E27FC236}">
+                <a16:creationId xmlns:a16="http://schemas.microsoft.com/office/drawing/2014/main" id="{D23A4813-7F92-48CA-B3FC-24BD8701ABED}"/>
+              </a:ext>
+            </a:extLst>
+          </p:cNvPr>
+          <p:cNvSpPr/>
+          <p:nvPr/>
+        </p:nvSpPr>
+        <p:spPr>
+          <a:xfrm>
+            <a:off x="331423" y="4649056"/>
+            <a:ext cx="497252" cy="369332"/>
+          </a:xfrm>
+          <a:prstGeom prst="rect">
+            <a:avLst/>
+          </a:prstGeom>
+        </p:spPr>
+        <p:txBody>
+          <a:bodyPr wrap="none">
+            <a:spAutoFit/>
+          </a:bodyPr>
+          <a:lstStyle/>
+          <a:p>
+            <a:r>
+              <a:rPr lang="en-US" altLang="zh-CN" dirty="0">
+                <a:latin typeface="等线" panose="02010600030101010101" pitchFamily="2" charset="-122"/>
+                <a:ea typeface="黑体" panose="02010609060101010101" pitchFamily="49" charset="-122"/>
+                <a:cs typeface="Times New Roman" panose="02020603050405020304" pitchFamily="18" charset="0"/>
+              </a:rPr>
+              <a:t>(a) </a:t>
+            </a:r>
+            <a:endParaRPr lang="zh-CN" altLang="en-US" dirty="0"/>
+          </a:p>
+        </p:txBody>
+      </p:sp>
+      <p:sp>
+        <p:nvSpPr>
+          <p:cNvPr id="10" name="矩形 9">
+            <a:extLst>
+              <a:ext uri="{FF2B5EF4-FFF2-40B4-BE49-F238E27FC236}">
+                <a16:creationId xmlns:a16="http://schemas.microsoft.com/office/drawing/2014/main" id="{3A7DA4DA-FF67-4F5A-9347-27DE0634B268}"/>
+              </a:ext>
+            </a:extLst>
+          </p:cNvPr>
+          <p:cNvSpPr/>
+          <p:nvPr/>
+        </p:nvSpPr>
+        <p:spPr>
+          <a:xfrm>
+            <a:off x="3837444" y="4601825"/>
+            <a:ext cx="514885" cy="369332"/>
+          </a:xfrm>
+          <a:prstGeom prst="rect">
+            <a:avLst/>
+          </a:prstGeom>
+        </p:spPr>
+        <p:txBody>
+          <a:bodyPr wrap="none">
+            <a:spAutoFit/>
+          </a:bodyPr>
+          <a:lstStyle/>
+          <a:p>
+            <a:r>
+              <a:rPr lang="en-US" altLang="zh-CN" dirty="0">
+                <a:latin typeface="等线" panose="02010600030101010101" pitchFamily="2" charset="-122"/>
+                <a:ea typeface="黑体" panose="02010609060101010101" pitchFamily="49" charset="-122"/>
+                <a:cs typeface="Times New Roman" panose="02020603050405020304" pitchFamily="18" charset="0"/>
+              </a:rPr>
+              <a:t>(b) </a:t>
+            </a:r>
+            <a:endParaRPr lang="zh-CN" altLang="en-US" dirty="0"/>
+          </a:p>
+        </p:txBody>
+      </p:sp>
+      <p:sp>
+        <p:nvSpPr>
+          <p:cNvPr id="11" name="Rectangle 7">
+            <a:extLst>
+              <a:ext uri="{FF2B5EF4-FFF2-40B4-BE49-F238E27FC236}">
+                <a16:creationId xmlns:a16="http://schemas.microsoft.com/office/drawing/2014/main" id="{5644E6A2-BDBF-4271-8625-8436E5AE7CD3}"/>
+              </a:ext>
+            </a:extLst>
+          </p:cNvPr>
+          <p:cNvSpPr>
+            <a:spLocks noChangeArrowheads="1"/>
+          </p:cNvSpPr>
+          <p:nvPr/>
+        </p:nvSpPr>
+        <p:spPr bwMode="auto">
+          <a:xfrm>
+            <a:off x="4475946" y="4092637"/>
+            <a:ext cx="9144000" cy="0"/>
+          </a:xfrm>
+          <a:prstGeom prst="rect">
+            <a:avLst/>
+          </a:prstGeom>
+          <a:noFill/>
+          <a:ln>
+            <a:noFill/>
+          </a:ln>
+          <a:effectLst/>
+          <a:extLst>
+            <a:ext uri="{909E8E84-426E-40DD-AFC4-6F175D3DCCD1}">
+              <a14:hiddenFill xmlns:a14="http://schemas.microsoft.com/office/drawing/2010/main">
+                <a:solidFill>
+                  <a:schemeClr val="accent1"/>
+                </a:solidFill>
+              </a14:hiddenFill>
+            </a:ext>
+            <a:ext uri="{91240B29-F687-4F45-9708-019B960494DF}">
+              <a14:hiddenLine xmlns:a14="http://schemas.microsoft.com/office/drawing/2010/main" w="9525">
+                <a:solidFill>
+                  <a:schemeClr val="tx1"/>
+                </a:solidFill>
+                <a:miter lim="800000"/>
+                <a:headEnd/>
+                <a:tailEnd/>
+              </a14:hiddenLine>
+            </a:ext>
+            <a:ext uri="{AF507438-7753-43E0-B8FC-AC1667EBCBE1}">
+              <a14:hiddenEffects xmlns:a14="http://schemas.microsoft.com/office/drawing/2010/main">
+                <a:effectLst>
+                  <a:outerShdw dist="35921" dir="2700000" algn="ctr" rotWithShape="0">
+                    <a:schemeClr val="bg2"/>
+                  </a:outerShdw>
+                </a:effectLst>
+              </a14:hiddenEffects>
+            </a:ext>
+          </a:extLst>
+        </p:spPr>
+        <p:txBody>
+          <a:bodyPr vert="horz" wrap="none" lIns="91440" tIns="45720" rIns="91440" bIns="45720" numCol="1" anchor="ctr" anchorCtr="0" compatLnSpc="1">
+            <a:prstTxWarp prst="textNoShape">
+              <a:avLst/>
+            </a:prstTxWarp>
+            <a:spAutoFit/>
+          </a:bodyPr>
+          <a:lstStyle/>
+          <a:p>
+            <a:endParaRPr lang="zh-CN" altLang="en-US"/>
+          </a:p>
+        </p:txBody>
+      </p:sp>
+      <p:graphicFrame>
+        <p:nvGraphicFramePr>
+          <p:cNvPr id="12" name="对象 11">
+            <a:extLst>
+              <a:ext uri="{FF2B5EF4-FFF2-40B4-BE49-F238E27FC236}">
+                <a16:creationId xmlns:a16="http://schemas.microsoft.com/office/drawing/2014/main" id="{92C685F3-A1C2-4246-B65E-D663DA7614AD}"/>
+              </a:ext>
+            </a:extLst>
+          </p:cNvPr>
+          <p:cNvGraphicFramePr>
+            <a:graphicFrameLocks noChangeAspect="1"/>
+          </p:cNvGraphicFramePr>
+          <p:nvPr>
+            <p:extLst>
+              <p:ext uri="{D42A27DB-BD31-4B8C-83A1-F6EECF244321}">
+                <p14:modId xmlns:p14="http://schemas.microsoft.com/office/powerpoint/2010/main" val="3803007775"/>
+              </p:ext>
+            </p:extLst>
+          </p:nvPr>
+        </p:nvGraphicFramePr>
+        <p:xfrm>
+          <a:off x="4475946" y="4092636"/>
+          <a:ext cx="4328107" cy="1526927"/>
+        </p:xfrm>
+        <a:graphic>
+          <a:graphicData uri="http://schemas.openxmlformats.org/presentationml/2006/ole">
+            <mc:AlternateContent xmlns:mc="http://schemas.openxmlformats.org/markup-compatibility/2006">
+              <mc:Choice xmlns:v="urn:schemas-microsoft-com:vml" Requires="v">
+                <p:oleObj spid="_x0000_s21526" name="Equation" r:id="rId7" imgW="3149600" imgH="1117600" progId="Equation.DSMT4">
+                  <p:embed/>
+                </p:oleObj>
+              </mc:Choice>
+              <mc:Fallback>
+                <p:oleObj name="Equation" r:id="rId7" imgW="3149600" imgH="1117600" progId="Equation.DSMT4">
+                  <p:embed/>
+                  <p:pic>
+                    <p:nvPicPr>
+                      <p:cNvPr id="0" name="Object 6"/>
+                      <p:cNvPicPr>
+                        <a:picLocks noChangeAspect="1" noChangeArrowheads="1"/>
+                      </p:cNvPicPr>
+                      <p:nvPr/>
+                    </p:nvPicPr>
+                    <p:blipFill>
+                      <a:blip r:embed="rId8">
+                        <a:extLst>
+                          <a:ext uri="{28A0092B-C50C-407E-A947-70E740481C1C}">
+                            <a14:useLocalDpi xmlns:a14="http://schemas.microsoft.com/office/drawing/2010/main" val="0"/>
+                          </a:ext>
+                        </a:extLst>
+                      </a:blip>
+                      <a:srcRect/>
+                      <a:stretch>
+                        <a:fillRect/>
+                      </a:stretch>
+                    </p:blipFill>
+                    <p:spPr bwMode="auto">
+                      <a:xfrm>
+                        <a:off x="4475946" y="4092636"/>
+                        <a:ext cx="4328107" cy="1526927"/>
+                      </a:xfrm>
+                      <a:prstGeom prst="rect">
+                        <a:avLst/>
+                      </a:prstGeom>
+                      <a:noFill/>
+                    </p:spPr>
+                  </p:pic>
+                </p:oleObj>
+              </mc:Fallback>
+            </mc:AlternateContent>
+          </a:graphicData>
+        </a:graphic>
+      </p:graphicFrame>
+    </p:spTree>
+    <p:extLst>
+      <p:ext uri="{BB962C8B-B14F-4D97-AF65-F5344CB8AC3E}">
+        <p14:creationId xmlns:p14="http://schemas.microsoft.com/office/powerpoint/2010/main" val="3404876331"/>
+      </p:ext>
+    </p:extLst>
+  </p:cSld>
+  <p:clrMapOvr>
+    <a:masterClrMapping/>
+  </p:clrMapOvr>
+  <mc:AlternateContent xmlns:mc="http://schemas.openxmlformats.org/markup-compatibility/2006" xmlns:p14="http://schemas.microsoft.com/office/powerpoint/2010/main">
+    <mc:Choice Requires="p14">
+      <p:transition spd="med" p14:dur="700">
+        <p:fade/>
+      </p:transition>
+    </mc:Choice>
+    <mc:Fallback xmlns="">
+      <p:transition spd="med">
+        <p:fade/>
+      </p:transition>
+    </mc:Fallback>
+  </mc:AlternateContent>
+</p:sld>
+</file>
+
+<file path=ppt/slides/slide43.xml><?xml version="1.0" encoding="utf-8"?>
+<p:sld xmlns:a="http://schemas.openxmlformats.org/drawingml/2006/main" xmlns:r="http://schemas.openxmlformats.org/officeDocument/2006/relationships" xmlns:p="http://schemas.openxmlformats.org/presentationml/2006/main">
+  <p:cSld>
+    <p:spTree>
+      <p:nvGrpSpPr>
+        <p:cNvPr id="1" name=""/>
+        <p:cNvGrpSpPr/>
+        <p:nvPr/>
+      </p:nvGrpSpPr>
+      <p:grpSpPr>
+        <a:xfrm>
+          <a:off x="0" y="0"/>
+          <a:ext cx="0" cy="0"/>
+          <a:chOff x="0" y="0"/>
+          <a:chExt cx="0" cy="0"/>
+        </a:xfrm>
+      </p:grpSpPr>
+      <p:sp>
+        <p:nvSpPr>
+          <p:cNvPr id="2" name="标题 1">
+            <a:extLst>
+              <a:ext uri="{FF2B5EF4-FFF2-40B4-BE49-F238E27FC236}">
+                <a16:creationId xmlns:a16="http://schemas.microsoft.com/office/drawing/2014/main" id="{2E6EDE80-53E4-416F-A789-5E5B71B9E124}"/>
+              </a:ext>
+            </a:extLst>
+          </p:cNvPr>
+          <p:cNvSpPr>
+            <a:spLocks noGrp="1"/>
+          </p:cNvSpPr>
+          <p:nvPr>
+            <p:ph type="title"/>
+          </p:nvPr>
+        </p:nvSpPr>
+        <p:spPr/>
+        <p:txBody>
+          <a:bodyPr/>
+          <a:lstStyle/>
+          <a:p>
+            <a:r>
+              <a:rPr lang="en-US" altLang="zh-CN" dirty="0"/>
+              <a:t>Example</a:t>
+            </a:r>
+            <a:endParaRPr lang="zh-CN" altLang="en-US" dirty="0"/>
+          </a:p>
+        </p:txBody>
+      </p:sp>
+      <p:sp>
+        <p:nvSpPr>
+          <p:cNvPr id="4" name="Rectangle 2">
+            <a:extLst>
+              <a:ext uri="{FF2B5EF4-FFF2-40B4-BE49-F238E27FC236}">
+                <a16:creationId xmlns:a16="http://schemas.microsoft.com/office/drawing/2014/main" id="{E73639E3-C736-4A00-B1E6-D22927418CFF}"/>
+              </a:ext>
+            </a:extLst>
+          </p:cNvPr>
+          <p:cNvSpPr>
+            <a:spLocks noChangeArrowheads="1"/>
+          </p:cNvSpPr>
+          <p:nvPr/>
+        </p:nvSpPr>
+        <p:spPr bwMode="auto">
+          <a:xfrm>
+            <a:off x="745723" y="1490941"/>
+            <a:ext cx="7485512" cy="1477328"/>
+          </a:xfrm>
+          <a:prstGeom prst="rect">
+            <a:avLst/>
+          </a:prstGeom>
+          <a:noFill/>
+          <a:ln>
+            <a:noFill/>
+          </a:ln>
+          <a:effectLst/>
+          <a:extLst>
+            <a:ext uri="{909E8E84-426E-40DD-AFC4-6F175D3DCCD1}">
+              <a14:hiddenFill xmlns:a14="http://schemas.microsoft.com/office/drawing/2010/main">
+                <a:solidFill>
+                  <a:schemeClr val="accent1"/>
+                </a:solidFill>
+              </a14:hiddenFill>
+            </a:ext>
+            <a:ext uri="{91240B29-F687-4F45-9708-019B960494DF}">
+              <a14:hiddenLine xmlns:a14="http://schemas.microsoft.com/office/drawing/2010/main" w="9525">
+                <a:solidFill>
+                  <a:schemeClr val="tx1"/>
+                </a:solidFill>
+                <a:miter lim="800000"/>
+                <a:headEnd/>
+                <a:tailEnd/>
+              </a14:hiddenLine>
+            </a:ext>
+            <a:ext uri="{AF507438-7753-43E0-B8FC-AC1667EBCBE1}">
+              <a14:hiddenEffects xmlns:a14="http://schemas.microsoft.com/office/drawing/2010/main">
+                <a:effectLst>
+                  <a:outerShdw dist="35921" dir="2700000" algn="ctr" rotWithShape="0">
+                    <a:schemeClr val="bg2"/>
+                  </a:outerShdw>
+                </a:effectLst>
+              </a14:hiddenEffects>
+            </a:ext>
+          </a:extLst>
+        </p:spPr>
+        <p:txBody>
+          <a:bodyPr vert="horz" wrap="square" lIns="91440" tIns="45720" rIns="91440" bIns="45720" numCol="1" anchor="ctr" anchorCtr="0" compatLnSpc="1">
+            <a:prstTxWarp prst="textNoShape">
+              <a:avLst/>
+            </a:prstTxWarp>
+            <a:spAutoFit/>
+          </a:bodyPr>
+          <a:lstStyle/>
+          <a:p>
+            <a:pPr marL="0" marR="0" lvl="0" indent="0" algn="l" defTabSz="914400" rtl="0" eaLnBrk="0" fontAlgn="base" latinLnBrk="0" hangingPunct="0">
+              <a:lnSpc>
+                <a:spcPct val="100000"/>
+              </a:lnSpc>
+              <a:spcBef>
+                <a:spcPct val="0"/>
+              </a:spcBef>
+              <a:spcAft>
+                <a:spcPct val="0"/>
+              </a:spcAft>
+              <a:buClrTx/>
+              <a:buSzTx/>
+              <a:buFontTx/>
+              <a:buNone/>
+              <a:tabLst/>
+            </a:pPr>
+            <a:r>
+              <a:rPr kumimoji="0" lang="en-US" altLang="zh-CN" b="0" i="0" u="none" strike="noStrike" cap="none" normalizeH="0" baseline="0" dirty="0">
+                <a:ln>
+                  <a:noFill/>
+                </a:ln>
+                <a:solidFill>
+                  <a:schemeClr val="tx1"/>
+                </a:solidFill>
+                <a:effectLst/>
+                <a:latin typeface="等线" panose="02010600030101010101" pitchFamily="2" charset="-122"/>
+                <a:ea typeface="黑体" panose="02010609060101010101" pitchFamily="49" charset="-122"/>
+                <a:cs typeface="Times New Roman" panose="02020603050405020304" pitchFamily="18" charset="0"/>
+              </a:rPr>
+              <a:t>(c) We use an inherited attribute </a:t>
+            </a:r>
+            <a:r>
+              <a:rPr kumimoji="0" lang="en-US" altLang="zh-CN" b="0" i="1" u="none" strike="noStrike" cap="none" normalizeH="0" baseline="0" dirty="0">
+                <a:ln>
+                  <a:noFill/>
+                </a:ln>
+                <a:solidFill>
+                  <a:schemeClr val="tx1"/>
+                </a:solidFill>
+                <a:effectLst/>
+                <a:latin typeface="等线" panose="02010600030101010101" pitchFamily="2" charset="-122"/>
+                <a:ea typeface="黑体" panose="02010609060101010101" pitchFamily="49" charset="-122"/>
+                <a:cs typeface="Times New Roman" panose="02020603050405020304" pitchFamily="18" charset="0"/>
+              </a:rPr>
+              <a:t>in</a:t>
+            </a:r>
+            <a:r>
+              <a:rPr kumimoji="0" lang="en-US" altLang="zh-CN" b="0" i="0" u="none" strike="noStrike" cap="none" normalizeH="0" baseline="0" dirty="0">
+                <a:ln>
+                  <a:noFill/>
+                </a:ln>
+                <a:solidFill>
+                  <a:schemeClr val="tx1"/>
+                </a:solidFill>
+                <a:effectLst/>
+                <a:latin typeface="等线" panose="02010600030101010101" pitchFamily="2" charset="-122"/>
+                <a:ea typeface="黑体" panose="02010609060101010101" pitchFamily="49" charset="-122"/>
+                <a:cs typeface="Times New Roman" panose="02020603050405020304" pitchFamily="18" charset="0"/>
+              </a:rPr>
+              <a:t> to represent the order number of the character left to a symbol.</a:t>
+            </a:r>
+            <a:endParaRPr kumimoji="0" lang="en-US" altLang="zh-CN" b="0" i="0" u="none" strike="noStrike" cap="none" normalizeH="0" baseline="0" dirty="0">
+              <a:ln>
+                <a:noFill/>
+              </a:ln>
+              <a:solidFill>
+                <a:schemeClr val="tx1"/>
+              </a:solidFill>
+              <a:effectLst/>
+            </a:endParaRPr>
+          </a:p>
+          <a:p>
+            <a:pPr marL="0" marR="0" lvl="0" indent="0" algn="l" defTabSz="914400" rtl="0" eaLnBrk="0" fontAlgn="base" latinLnBrk="0" hangingPunct="0">
+              <a:lnSpc>
+                <a:spcPct val="100000"/>
+              </a:lnSpc>
+              <a:spcBef>
+                <a:spcPct val="0"/>
+              </a:spcBef>
+              <a:spcAft>
+                <a:spcPct val="0"/>
+              </a:spcAft>
+              <a:buClrTx/>
+              <a:buSzTx/>
+              <a:buFontTx/>
+              <a:buNone/>
+              <a:tabLst/>
+            </a:pPr>
+            <a:r>
+              <a:rPr kumimoji="0" lang="en-US" altLang="zh-CN" b="0" i="0" u="none" strike="noStrike" cap="none" normalizeH="0" baseline="0" dirty="0">
+                <a:ln>
+                  <a:noFill/>
+                </a:ln>
+                <a:solidFill>
+                  <a:schemeClr val="tx1"/>
+                </a:solidFill>
+                <a:effectLst/>
+                <a:latin typeface="等线" panose="02010600030101010101" pitchFamily="2" charset="-122"/>
+                <a:ea typeface="黑体" panose="02010609060101010101" pitchFamily="49" charset="-122"/>
+                <a:cs typeface="Times New Roman" panose="02020603050405020304" pitchFamily="18" charset="0"/>
+              </a:rPr>
+              <a:t>   We use a synthesized attribute </a:t>
+            </a:r>
+            <a:r>
+              <a:rPr kumimoji="0" lang="en-US" altLang="zh-CN" b="0" i="1" u="none" strike="noStrike" cap="none" normalizeH="0" baseline="0" dirty="0">
+                <a:ln>
+                  <a:noFill/>
+                </a:ln>
+                <a:solidFill>
+                  <a:schemeClr val="tx1"/>
+                </a:solidFill>
+                <a:effectLst/>
+                <a:latin typeface="等线" panose="02010600030101010101" pitchFamily="2" charset="-122"/>
+                <a:ea typeface="黑体" panose="02010609060101010101" pitchFamily="49" charset="-122"/>
+                <a:cs typeface="Times New Roman" panose="02020603050405020304" pitchFamily="18" charset="0"/>
+              </a:rPr>
+              <a:t>out</a:t>
+            </a:r>
+            <a:r>
+              <a:rPr kumimoji="0" lang="en-US" altLang="zh-CN" b="0" i="0" u="none" strike="noStrike" cap="none" normalizeH="0" baseline="0" dirty="0">
+                <a:ln>
+                  <a:noFill/>
+                </a:ln>
+                <a:solidFill>
+                  <a:schemeClr val="tx1"/>
+                </a:solidFill>
+                <a:effectLst/>
+                <a:latin typeface="等线" panose="02010600030101010101" pitchFamily="2" charset="-122"/>
+                <a:ea typeface="黑体" panose="02010609060101010101" pitchFamily="49" charset="-122"/>
+                <a:cs typeface="Times New Roman" panose="02020603050405020304" pitchFamily="18" charset="0"/>
+              </a:rPr>
+              <a:t> to represent the order number of the last character derived by a symbol.</a:t>
+            </a:r>
+            <a:endParaRPr kumimoji="0" lang="en-US" altLang="zh-CN" b="0" i="0" u="none" strike="noStrike" cap="none" normalizeH="0" baseline="0" dirty="0">
+              <a:ln>
+                <a:noFill/>
+              </a:ln>
+              <a:solidFill>
+                <a:schemeClr val="tx1"/>
+              </a:solidFill>
+              <a:effectLst/>
+            </a:endParaRPr>
+          </a:p>
+          <a:p>
+            <a:pPr marL="0" marR="0" lvl="0" indent="0" algn="l" defTabSz="914400" rtl="0" eaLnBrk="0" fontAlgn="base" latinLnBrk="0" hangingPunct="0">
+              <a:lnSpc>
+                <a:spcPct val="100000"/>
+              </a:lnSpc>
+              <a:spcBef>
+                <a:spcPct val="0"/>
+              </a:spcBef>
+              <a:spcAft>
+                <a:spcPct val="0"/>
+              </a:spcAft>
+              <a:buClrTx/>
+              <a:buSzTx/>
+              <a:buFontTx/>
+              <a:buNone/>
+              <a:tabLst/>
+            </a:pPr>
+            <a:endParaRPr kumimoji="0" lang="en-US" altLang="zh-CN" b="0" i="0" u="none" strike="noStrike" cap="none" normalizeH="0" baseline="0" dirty="0">
+              <a:ln>
+                <a:noFill/>
+              </a:ln>
+              <a:solidFill>
+                <a:schemeClr val="tx1"/>
+              </a:solidFill>
+              <a:effectLst/>
+              <a:latin typeface="Arial" panose="020B0604020202020204" pitchFamily="34" charset="0"/>
+            </a:endParaRPr>
+          </a:p>
+        </p:txBody>
+      </p:sp>
+      <p:graphicFrame>
+        <p:nvGraphicFramePr>
+          <p:cNvPr id="5" name="对象 4">
+            <a:extLst>
+              <a:ext uri="{FF2B5EF4-FFF2-40B4-BE49-F238E27FC236}">
+                <a16:creationId xmlns:a16="http://schemas.microsoft.com/office/drawing/2014/main" id="{EE1E42B8-4FC6-4DA2-8422-04F9CE4385BA}"/>
+              </a:ext>
+            </a:extLst>
+          </p:cNvPr>
+          <p:cNvGraphicFramePr>
+            <a:graphicFrameLocks noChangeAspect="1"/>
+          </p:cNvGraphicFramePr>
+          <p:nvPr>
+            <p:extLst>
+              <p:ext uri="{D42A27DB-BD31-4B8C-83A1-F6EECF244321}">
+                <p14:modId xmlns:p14="http://schemas.microsoft.com/office/powerpoint/2010/main" val="2922964145"/>
+              </p:ext>
+            </p:extLst>
+          </p:nvPr>
+        </p:nvGraphicFramePr>
+        <p:xfrm>
+          <a:off x="1267828" y="2968269"/>
+          <a:ext cx="4339738" cy="1362974"/>
+        </p:xfrm>
+        <a:graphic>
+          <a:graphicData uri="http://schemas.openxmlformats.org/presentationml/2006/ole">
+            <mc:AlternateContent xmlns:mc="http://schemas.openxmlformats.org/markup-compatibility/2006">
+              <mc:Choice xmlns:v="urn:schemas-microsoft-com:vml" Requires="v">
+                <p:oleObj spid="_x0000_s22535" name="Equation" r:id="rId3" imgW="3543300" imgH="1117600" progId="Equation.DSMT4">
+                  <p:embed/>
+                </p:oleObj>
+              </mc:Choice>
+              <mc:Fallback>
+                <p:oleObj name="Equation" r:id="rId3" imgW="3543300" imgH="1117600" progId="Equation.DSMT4">
+                  <p:embed/>
+                  <p:pic>
+                    <p:nvPicPr>
+                      <p:cNvPr id="0" name="Object 1"/>
+                      <p:cNvPicPr>
+                        <a:picLocks noChangeAspect="1" noChangeArrowheads="1"/>
+                      </p:cNvPicPr>
+                      <p:nvPr/>
+                    </p:nvPicPr>
+                    <p:blipFill>
+                      <a:blip r:embed="rId4">
+                        <a:extLst>
+                          <a:ext uri="{28A0092B-C50C-407E-A947-70E740481C1C}">
+                            <a14:useLocalDpi xmlns:a14="http://schemas.microsoft.com/office/drawing/2010/main" val="0"/>
+                          </a:ext>
+                        </a:extLst>
+                      </a:blip>
+                      <a:srcRect/>
+                      <a:stretch>
+                        <a:fillRect/>
+                      </a:stretch>
+                    </p:blipFill>
+                    <p:spPr bwMode="auto">
+                      <a:xfrm>
+                        <a:off x="1267828" y="2968269"/>
+                        <a:ext cx="4339738" cy="1362974"/>
+                      </a:xfrm>
+                      <a:prstGeom prst="rect">
+                        <a:avLst/>
+                      </a:prstGeom>
+                      <a:noFill/>
+                    </p:spPr>
+                  </p:pic>
+                </p:oleObj>
+              </mc:Fallback>
+            </mc:AlternateContent>
+          </a:graphicData>
+        </a:graphic>
+      </p:graphicFrame>
+    </p:spTree>
+    <p:extLst>
+      <p:ext uri="{BB962C8B-B14F-4D97-AF65-F5344CB8AC3E}">
+        <p14:creationId xmlns:p14="http://schemas.microsoft.com/office/powerpoint/2010/main" val="1303890801"/>
+      </p:ext>
+    </p:extLst>
+  </p:cSld>
+  <p:clrMapOvr>
+    <a:masterClrMapping/>
+  </p:clrMapOvr>
+  <mc:AlternateContent xmlns:mc="http://schemas.openxmlformats.org/markup-compatibility/2006" xmlns:p14="http://schemas.microsoft.com/office/powerpoint/2010/main">
+    <mc:Choice Requires="p14">
+      <p:transition spd="med" p14:dur="700">
+        <p:fade/>
+      </p:transition>
+    </mc:Choice>
+    <mc:Fallback xmlns="">
+      <p:transition spd="med">
+        <p:fade/>
+      </p:transition>
+    </mc:Fallback>
+  </mc:AlternateContent>
+</p:sld>
+</file>
+
+<file path=ppt/slides/slide44.xml><?xml version="1.0" encoding="utf-8"?>
+<p:sld xmlns:a="http://schemas.openxmlformats.org/drawingml/2006/main" xmlns:r="http://schemas.openxmlformats.org/officeDocument/2006/relationships" xmlns:p="http://schemas.openxmlformats.org/presentationml/2006/main">
+  <p:cSld>
+    <p:spTree>
+      <p:nvGrpSpPr>
+        <p:cNvPr id="1" name=""/>
+        <p:cNvGrpSpPr/>
+        <p:nvPr/>
+      </p:nvGrpSpPr>
+      <p:grpSpPr>
+        <a:xfrm>
+          <a:off x="0" y="0"/>
+          <a:ext cx="0" cy="0"/>
+          <a:chOff x="0" y="0"/>
+          <a:chExt cx="0" cy="0"/>
+        </a:xfrm>
+      </p:grpSpPr>
+      <p:sp>
+        <p:nvSpPr>
+          <p:cNvPr id="3" name="内容占位符 2">
+            <a:extLst>
+              <a:ext uri="{FF2B5EF4-FFF2-40B4-BE49-F238E27FC236}">
+                <a16:creationId xmlns:a16="http://schemas.microsoft.com/office/drawing/2014/main" id="{A1A43CDA-980C-4CE6-96A6-84A0AB61E834}"/>
+              </a:ext>
+            </a:extLst>
+          </p:cNvPr>
           <p:cNvSpPr>
             <a:spLocks noGrp="1"/>
           </p:cNvSpPr>
@@ -31655,27 +32531,33 @@
             <p:ph idx="1"/>
           </p:nvPr>
         </p:nvSpPr>
-        <p:spPr/>
+        <p:spPr>
+          <a:xfrm>
+            <a:off x="955306" y="2644436"/>
+            <a:ext cx="7232250" cy="1569128"/>
+          </a:xfrm>
+        </p:spPr>
         <p:txBody>
-          <a:bodyPr/>
+          <a:bodyPr>
+            <a:normAutofit/>
+          </a:bodyPr>
           <a:lstStyle/>
           <a:p>
-            <a:r>
-              <a:rPr lang="en-US" altLang="zh-CN" dirty="0" smtClean="0"/>
-              <a:t>Understand you </a:t>
-            </a:r>
-            <a:r>
-              <a:rPr lang="en-US" altLang="zh-CN" smtClean="0"/>
-              <a:t>last homework!!</a:t>
-            </a:r>
-            <a:endParaRPr lang="zh-CN" altLang="en-US"/>
+            <a:pPr marL="0" indent="0" algn="ctr">
+              <a:buNone/>
+            </a:pPr>
+            <a:r>
+              <a:rPr lang="en-US" altLang="zh-CN" sz="4400" dirty="0"/>
+              <a:t>Hope you all pass the final examination!</a:t>
+            </a:r>
+            <a:endParaRPr lang="zh-CN" altLang="en-US" sz="4400" dirty="0"/>
           </a:p>
         </p:txBody>
       </p:sp>
     </p:spTree>
     <p:extLst>
       <p:ext uri="{BB962C8B-B14F-4D97-AF65-F5344CB8AC3E}">
-        <p14:creationId xmlns:p14="http://schemas.microsoft.com/office/powerpoint/2010/main" val="3404876331"/>
+        <p14:creationId xmlns:p14="http://schemas.microsoft.com/office/powerpoint/2010/main" val="403219353"/>
       </p:ext>
     </p:extLst>
   </p:cSld>
@@ -31730,7 +32612,7 @@
           <a:lstStyle/>
           <a:p>
             <a:r>
-              <a:rPr lang="en-US" altLang="zh-CN" dirty="0" smtClean="0"/>
+              <a:rPr lang="en-US" altLang="zh-CN" dirty="0"/>
               <a:t>Structure of a Compiler</a:t>
             </a:r>
             <a:endParaRPr lang="zh-CN" altLang="en-US" dirty="0"/>
@@ -31822,7 +32704,7 @@
           <a:graphicData uri="http://schemas.openxmlformats.org/presentationml/2006/ole">
             <mc:AlternateContent xmlns:mc="http://schemas.openxmlformats.org/markup-compatibility/2006">
               <mc:Choice xmlns:v="urn:schemas-microsoft-com:vml" Requires="v">
-                <p:oleObj spid="_x0000_s2066" name="Visio" r:id="rId3" imgW="4676926" imgH="2162060" progId="Visio.Drawing.15">
+                <p:oleObj spid="_x0000_s2071" name="Visio" r:id="rId3" imgW="4676926" imgH="2162060" progId="Visio.Drawing.15">
                   <p:embed/>
                 </p:oleObj>
               </mc:Choice>
@@ -31925,7 +32807,7 @@
           <a:lstStyle/>
           <a:p>
             <a:r>
-              <a:rPr lang="en-US" altLang="zh-CN" dirty="0" smtClean="0"/>
+              <a:rPr lang="en-US" altLang="zh-CN" dirty="0"/>
               <a:t>The Running of a Program</a:t>
             </a:r>
             <a:endParaRPr lang="zh-CN" altLang="en-US" dirty="0"/>
@@ -31971,12 +32853,8 @@
               <a:buNone/>
             </a:pPr>
             <a:r>
-              <a:rPr lang="en-US" altLang="zh-CN" dirty="0" smtClean="0"/>
-              <a:t>      </a:t>
-            </a:r>
-            <a:r>
               <a:rPr lang="en-US" altLang="zh-CN" dirty="0"/>
-              <a:t>C </a:t>
+              <a:t>      C </a:t>
             </a:r>
           </a:p>
           <a:p>
@@ -31984,7 +32862,7 @@
               <a:buNone/>
             </a:pPr>
             <a:r>
-              <a:rPr lang="en-US" altLang="zh-CN" dirty="0" smtClean="0"/>
+              <a:rPr lang="en-US" altLang="zh-CN" dirty="0"/>
               <a:t>      C++</a:t>
             </a:r>
           </a:p>
@@ -31994,15 +32872,7 @@
             </a:pPr>
             <a:r>
               <a:rPr lang="en-US" altLang="zh-CN" dirty="0"/>
-              <a:t> </a:t>
-            </a:r>
-            <a:r>
-              <a:rPr lang="en-US" altLang="zh-CN" dirty="0" smtClean="0"/>
-              <a:t>     </a:t>
-            </a:r>
-            <a:r>
-              <a:rPr lang="en-US" altLang="zh-CN" dirty="0"/>
-              <a:t>PASCAL</a:t>
+              <a:t>      PASCAL</a:t>
             </a:r>
           </a:p>
           <a:p>
@@ -32019,12 +32889,8 @@
               <a:buNone/>
             </a:pPr>
             <a:r>
-              <a:rPr lang="en-US" altLang="zh-CN" dirty="0" smtClean="0"/>
-              <a:t>     </a:t>
-            </a:r>
-            <a:r>
               <a:rPr lang="en-US" altLang="zh-CN" dirty="0"/>
-              <a:t>BASIC</a:t>
+              <a:t>     BASIC</a:t>
             </a:r>
           </a:p>
           <a:p>
@@ -32032,12 +32898,8 @@
               <a:buNone/>
             </a:pPr>
             <a:r>
-              <a:rPr lang="en-US" altLang="zh-CN" dirty="0" smtClean="0"/>
-              <a:t>     </a:t>
-            </a:r>
-            <a:r>
               <a:rPr lang="en-US" altLang="zh-CN" dirty="0"/>
-              <a:t>Java</a:t>
+              <a:t>     Java</a:t>
             </a:r>
           </a:p>
           <a:p>
@@ -32045,12 +32907,8 @@
               <a:buNone/>
             </a:pPr>
             <a:r>
-              <a:rPr lang="en-US" altLang="zh-CN" dirty="0" smtClean="0"/>
-              <a:t>     </a:t>
-            </a:r>
-            <a:r>
               <a:rPr lang="en-US" altLang="zh-CN" dirty="0"/>
-              <a:t>Python</a:t>
+              <a:t>     Python</a:t>
             </a:r>
           </a:p>
           <a:p>
@@ -32116,12 +32974,8 @@
           <a:lstStyle/>
           <a:p>
             <a:r>
-              <a:rPr lang="en-US" altLang="zh-CN" dirty="0" smtClean="0"/>
-              <a:t>Parameter </a:t>
-            </a:r>
-            <a:r>
               <a:rPr lang="en-US" altLang="zh-CN" dirty="0"/>
-              <a:t>Passing Mechanisms</a:t>
+              <a:t>Parameter Passing Mechanisms</a:t>
             </a:r>
             <a:endParaRPr lang="zh-CN" altLang="en-US" dirty="0"/>
           </a:p>
@@ -32442,12 +33296,8 @@
           <a:lstStyle/>
           <a:p>
             <a:r>
-              <a:rPr lang="en-US" altLang="zh-CN" sz="2400" dirty="0" smtClean="0"/>
-              <a:t>The </a:t>
-            </a:r>
-            <a:r>
               <a:rPr lang="en-US" altLang="zh-CN" sz="2400" dirty="0"/>
-              <a:t>Construction of a Lexical Analyzer</a:t>
+              <a:t>The Construction of a Lexical Analyzer</a:t>
             </a:r>
             <a:endParaRPr lang="zh-CN" altLang="en-US" dirty="0"/>
           </a:p>
@@ -34227,132 +35077,6 @@
 </file>
 
 <file path=customXml/item1.xml><?xml version="1.0" encoding="utf-8"?>
-<p:properties xmlns:p="http://schemas.microsoft.com/office/2006/metadata/properties" xmlns:xsi="http://www.w3.org/2001/XMLSchema-instance" xmlns:pc="http://schemas.microsoft.com/office/infopath/2007/PartnerControls">
-  <documentManagement>
-    <APDescription xmlns="4873beb7-5857-4685-be1f-d57550cc96cc" xsi:nil="true"/>
-    <AssetExpire xmlns="4873beb7-5857-4685-be1f-d57550cc96cc">2029-01-01T08:00:00+00:00</AssetExpire>
-    <CampaignTagsTaxHTField0 xmlns="4873beb7-5857-4685-be1f-d57550cc96cc">
-      <Terms xmlns="http://schemas.microsoft.com/office/infopath/2007/PartnerControls"/>
-    </CampaignTagsTaxHTField0>
-    <IntlLangReviewDate xmlns="4873beb7-5857-4685-be1f-d57550cc96cc" xsi:nil="true"/>
-    <TPFriendlyName xmlns="4873beb7-5857-4685-be1f-d57550cc96cc" xsi:nil="true"/>
-    <IntlLangReview xmlns="4873beb7-5857-4685-be1f-d57550cc96cc">false</IntlLangReview>
-    <LocLastLocAttemptVersionLookup xmlns="4873beb7-5857-4685-be1f-d57550cc96cc">855024</LocLastLocAttemptVersionLookup>
-    <PolicheckWords xmlns="4873beb7-5857-4685-be1f-d57550cc96cc" xsi:nil="true"/>
-    <SubmitterId xmlns="4873beb7-5857-4685-be1f-d57550cc96cc" xsi:nil="true"/>
-    <AcquiredFrom xmlns="4873beb7-5857-4685-be1f-d57550cc96cc">Internal MS</AcquiredFrom>
-    <EditorialStatus xmlns="4873beb7-5857-4685-be1f-d57550cc96cc">Complete</EditorialStatus>
-    <Markets xmlns="4873beb7-5857-4685-be1f-d57550cc96cc"/>
-    <OriginAsset xmlns="4873beb7-5857-4685-be1f-d57550cc96cc" xsi:nil="true"/>
-    <AssetStart xmlns="4873beb7-5857-4685-be1f-d57550cc96cc">2012-08-31T08:50:00+00:00</AssetStart>
-    <FriendlyTitle xmlns="4873beb7-5857-4685-be1f-d57550cc96cc" xsi:nil="true"/>
-    <MarketSpecific xmlns="4873beb7-5857-4685-be1f-d57550cc96cc">false</MarketSpecific>
-    <TPNamespace xmlns="4873beb7-5857-4685-be1f-d57550cc96cc" xsi:nil="true"/>
-    <PublishStatusLookup xmlns="4873beb7-5857-4685-be1f-d57550cc96cc">
-      <Value>1616423</Value>
-    </PublishStatusLookup>
-    <APAuthor xmlns="4873beb7-5857-4685-be1f-d57550cc96cc">
-      <UserInfo>
-        <DisplayName>REDMOND\kristaa</DisplayName>
-        <AccountId>136</AccountId>
-        <AccountType/>
-      </UserInfo>
-    </APAuthor>
-    <TPCommandLine xmlns="4873beb7-5857-4685-be1f-d57550cc96cc" xsi:nil="true"/>
-    <IntlLangReviewer xmlns="4873beb7-5857-4685-be1f-d57550cc96cc" xsi:nil="true"/>
-    <OpenTemplate xmlns="4873beb7-5857-4685-be1f-d57550cc96cc">true</OpenTemplate>
-    <CSXSubmissionDate xmlns="4873beb7-5857-4685-be1f-d57550cc96cc" xsi:nil="true"/>
-    <TaxCatchAll xmlns="4873beb7-5857-4685-be1f-d57550cc96cc"/>
-    <Manager xmlns="4873beb7-5857-4685-be1f-d57550cc96cc" xsi:nil="true"/>
-    <NumericId xmlns="4873beb7-5857-4685-be1f-d57550cc96cc" xsi:nil="true"/>
-    <ParentAssetId xmlns="4873beb7-5857-4685-be1f-d57550cc96cc" xsi:nil="true"/>
-    <OriginalSourceMarket xmlns="4873beb7-5857-4685-be1f-d57550cc96cc" xsi:nil="true"/>
-    <ApprovalStatus xmlns="4873beb7-5857-4685-be1f-d57550cc96cc">InProgress</ApprovalStatus>
-    <TPComponent xmlns="4873beb7-5857-4685-be1f-d57550cc96cc" xsi:nil="true"/>
-    <EditorialTags xmlns="4873beb7-5857-4685-be1f-d57550cc96cc" xsi:nil="true"/>
-    <TPExecutable xmlns="4873beb7-5857-4685-be1f-d57550cc96cc" xsi:nil="true"/>
-    <TPLaunchHelpLink xmlns="4873beb7-5857-4685-be1f-d57550cc96cc" xsi:nil="true"/>
-    <LocComments xmlns="4873beb7-5857-4685-be1f-d57550cc96cc" xsi:nil="true"/>
-    <LocRecommendedHandoff xmlns="4873beb7-5857-4685-be1f-d57550cc96cc" xsi:nil="true"/>
-    <SourceTitle xmlns="4873beb7-5857-4685-be1f-d57550cc96cc" xsi:nil="true"/>
-    <CSXUpdate xmlns="4873beb7-5857-4685-be1f-d57550cc96cc">false</CSXUpdate>
-    <IntlLocPriority xmlns="4873beb7-5857-4685-be1f-d57550cc96cc" xsi:nil="true"/>
-    <UAProjectedTotalWords xmlns="4873beb7-5857-4685-be1f-d57550cc96cc" xsi:nil="true"/>
-    <AssetType xmlns="4873beb7-5857-4685-be1f-d57550cc96cc">TP</AssetType>
-    <MachineTranslated xmlns="4873beb7-5857-4685-be1f-d57550cc96cc">false</MachineTranslated>
-    <OutputCachingOn xmlns="4873beb7-5857-4685-be1f-d57550cc96cc">false</OutputCachingOn>
-    <TemplateStatus xmlns="4873beb7-5857-4685-be1f-d57550cc96cc">Complete</TemplateStatus>
-    <IsSearchable xmlns="4873beb7-5857-4685-be1f-d57550cc96cc">true</IsSearchable>
-    <ContentItem xmlns="4873beb7-5857-4685-be1f-d57550cc96cc" xsi:nil="true"/>
-    <HandoffToMSDN xmlns="4873beb7-5857-4685-be1f-d57550cc96cc" xsi:nil="true"/>
-    <ShowIn xmlns="4873beb7-5857-4685-be1f-d57550cc96cc">Show everywhere</ShowIn>
-    <ThumbnailAssetId xmlns="4873beb7-5857-4685-be1f-d57550cc96cc" xsi:nil="true"/>
-    <UALocComments xmlns="4873beb7-5857-4685-be1f-d57550cc96cc" xsi:nil="true"/>
-    <UALocRecommendation xmlns="4873beb7-5857-4685-be1f-d57550cc96cc">Localize</UALocRecommendation>
-    <LastModifiedDateTime xmlns="4873beb7-5857-4685-be1f-d57550cc96cc" xsi:nil="true"/>
-    <LegacyData xmlns="4873beb7-5857-4685-be1f-d57550cc96cc" xsi:nil="true"/>
-    <LocManualTestRequired xmlns="4873beb7-5857-4685-be1f-d57550cc96cc">false</LocManualTestRequired>
-    <LocMarketGroupTiers2 xmlns="4873beb7-5857-4685-be1f-d57550cc96cc" xsi:nil="true"/>
-    <ClipArtFilename xmlns="4873beb7-5857-4685-be1f-d57550cc96cc" xsi:nil="true"/>
-    <TPApplication xmlns="4873beb7-5857-4685-be1f-d57550cc96cc" xsi:nil="true"/>
-    <CSXHash xmlns="4873beb7-5857-4685-be1f-d57550cc96cc" xsi:nil="true"/>
-    <DirectSourceMarket xmlns="4873beb7-5857-4685-be1f-d57550cc96cc" xsi:nil="true"/>
-    <PrimaryImageGen xmlns="4873beb7-5857-4685-be1f-d57550cc96cc">true</PrimaryImageGen>
-    <PlannedPubDate xmlns="4873beb7-5857-4685-be1f-d57550cc96cc" xsi:nil="true"/>
-    <CSXSubmissionMarket xmlns="4873beb7-5857-4685-be1f-d57550cc96cc" xsi:nil="true"/>
-    <Downloads xmlns="4873beb7-5857-4685-be1f-d57550cc96cc">0</Downloads>
-    <ArtSampleDocs xmlns="4873beb7-5857-4685-be1f-d57550cc96cc" xsi:nil="true"/>
-    <TrustLevel xmlns="4873beb7-5857-4685-be1f-d57550cc96cc">1 Microsoft Managed Content</TrustLevel>
-    <BlockPublish xmlns="4873beb7-5857-4685-be1f-d57550cc96cc">false</BlockPublish>
-    <TPLaunchHelpLinkType xmlns="4873beb7-5857-4685-be1f-d57550cc96cc">Template</TPLaunchHelpLinkType>
-    <LocalizationTagsTaxHTField0 xmlns="4873beb7-5857-4685-be1f-d57550cc96cc">
-      <Terms xmlns="http://schemas.microsoft.com/office/infopath/2007/PartnerControls"/>
-    </LocalizationTagsTaxHTField0>
-    <BusinessGroup xmlns="4873beb7-5857-4685-be1f-d57550cc96cc" xsi:nil="true"/>
-    <Providers xmlns="4873beb7-5857-4685-be1f-d57550cc96cc" xsi:nil="true"/>
-    <TemplateTemplateType xmlns="4873beb7-5857-4685-be1f-d57550cc96cc">PowerPoint Presentation Template</TemplateTemplateType>
-    <TimesCloned xmlns="4873beb7-5857-4685-be1f-d57550cc96cc" xsi:nil="true"/>
-    <TPAppVersion xmlns="4873beb7-5857-4685-be1f-d57550cc96cc" xsi:nil="true"/>
-    <VoteCount xmlns="4873beb7-5857-4685-be1f-d57550cc96cc" xsi:nil="true"/>
-    <AverageRating xmlns="4873beb7-5857-4685-be1f-d57550cc96cc" xsi:nil="true"/>
-    <FeatureTagsTaxHTField0 xmlns="4873beb7-5857-4685-be1f-d57550cc96cc">
-      <Terms xmlns="http://schemas.microsoft.com/office/infopath/2007/PartnerControls"/>
-    </FeatureTagsTaxHTField0>
-    <Provider xmlns="4873beb7-5857-4685-be1f-d57550cc96cc" xsi:nil="true"/>
-    <UACurrentWords xmlns="4873beb7-5857-4685-be1f-d57550cc96cc" xsi:nil="true"/>
-    <AssetId xmlns="4873beb7-5857-4685-be1f-d57550cc96cc">TP103431361</AssetId>
-    <TPClientViewer xmlns="4873beb7-5857-4685-be1f-d57550cc96cc" xsi:nil="true"/>
-    <DSATActionTaken xmlns="4873beb7-5857-4685-be1f-d57550cc96cc" xsi:nil="true"/>
-    <APEditor xmlns="4873beb7-5857-4685-be1f-d57550cc96cc">
-      <UserInfo>
-        <DisplayName/>
-        <AccountId xsi:nil="true"/>
-        <AccountType/>
-      </UserInfo>
-    </APEditor>
-    <TPInstallLocation xmlns="4873beb7-5857-4685-be1f-d57550cc96cc" xsi:nil="true"/>
-    <OOCacheId xmlns="4873beb7-5857-4685-be1f-d57550cc96cc" xsi:nil="true"/>
-    <IsDeleted xmlns="4873beb7-5857-4685-be1f-d57550cc96cc">false</IsDeleted>
-    <PublishTargets xmlns="4873beb7-5857-4685-be1f-d57550cc96cc">OfficeOnlineVNext</PublishTargets>
-    <ApprovalLog xmlns="4873beb7-5857-4685-be1f-d57550cc96cc" xsi:nil="true"/>
-    <BugNumber xmlns="4873beb7-5857-4685-be1f-d57550cc96cc" xsi:nil="true"/>
-    <CrawlForDependencies xmlns="4873beb7-5857-4685-be1f-d57550cc96cc">false</CrawlForDependencies>
-    <InternalTagsTaxHTField0 xmlns="4873beb7-5857-4685-be1f-d57550cc96cc">
-      <Terms xmlns="http://schemas.microsoft.com/office/infopath/2007/PartnerControls"/>
-    </InternalTagsTaxHTField0>
-    <LastHandOff xmlns="4873beb7-5857-4685-be1f-d57550cc96cc" xsi:nil="true"/>
-    <Milestone xmlns="4873beb7-5857-4685-be1f-d57550cc96cc" xsi:nil="true"/>
-    <OriginalRelease xmlns="4873beb7-5857-4685-be1f-d57550cc96cc">15</OriginalRelease>
-    <RecommendationsModifier xmlns="4873beb7-5857-4685-be1f-d57550cc96cc" xsi:nil="true"/>
-    <ScenarioTagsTaxHTField0 xmlns="4873beb7-5857-4685-be1f-d57550cc96cc">
-      <Terms xmlns="http://schemas.microsoft.com/office/infopath/2007/PartnerControls"/>
-    </ScenarioTagsTaxHTField0>
-    <UANotes xmlns="4873beb7-5857-4685-be1f-d57550cc96cc" xsi:nil="true"/>
-  </documentManagement>
-</p:properties>
-</file>
-
-<file path=customXml/item2.xml><?xml version="1.0" encoding="utf-8"?>
 <?mso-contentType ?>
 <FormTemplates xmlns="http://schemas.microsoft.com/sharepoint/v3/contenttype/forms">
   <Display>DocumentLibraryForm</Display>
@@ -34361,7 +35085,7 @@
 </FormTemplates>
 </file>
 
-<file path=customXml/item3.xml><?xml version="1.0" encoding="utf-8"?>
+<file path=customXml/item2.xml><?xml version="1.0" encoding="utf-8"?>
 <ct:contentTypeSchema xmlns:ct="http://schemas.microsoft.com/office/2006/metadata/contentType" xmlns:ma="http://schemas.microsoft.com/office/2006/metadata/properties/metaAttributes" ct:_="" ma:_="" ma:contentTypeName="TemplateFile" ma:contentTypeID="0x0101006EDDDB5EE6D98C44930B742096920B300400F5B6D36B3EF94B4E9A635CDF2A18F5B8" ma:contentTypeVersion="72" ma:contentTypeDescription="Create a new document." ma:contentTypeScope="" ma:versionID="a23e56308344d904b51738559c3d67c9">
   <xsd:schema xmlns:xsd="http://www.w3.org/2001/XMLSchema" xmlns:xs="http://www.w3.org/2001/XMLSchema" xmlns:p="http://schemas.microsoft.com/office/2006/metadata/properties" xmlns:ns2="4873beb7-5857-4685-be1f-d57550cc96cc" targetNamespace="http://schemas.microsoft.com/office/2006/metadata/properties" ma:root="true" ma:fieldsID="cd0908cc4600e77bf5da051303e00c8d" ns2:_="">
     <xsd:import namespace="4873beb7-5857-4685-be1f-d57550cc96cc"/>
@@ -35401,23 +36125,133 @@
 </ct:contentTypeSchema>
 </file>
 
-<file path=customXml/itemProps1.xml><?xml version="1.0" encoding="utf-8"?>
-<ds:datastoreItem xmlns:ds="http://schemas.openxmlformats.org/officeDocument/2006/customXml" ds:itemID="{8CDDBB83-77C1-4099-A0AA-289882E745E2}">
-  <ds:schemaRefs>
-    <ds:schemaRef ds:uri="http://schemas.microsoft.com/office/infopath/2007/PartnerControls"/>
-    <ds:schemaRef ds:uri="http://purl.org/dc/dcmitype/"/>
-    <ds:schemaRef ds:uri="http://purl.org/dc/elements/1.1/"/>
-    <ds:schemaRef ds:uri="4873beb7-5857-4685-be1f-d57550cc96cc"/>
-    <ds:schemaRef ds:uri="http://schemas.microsoft.com/office/2006/documentManagement/types"/>
-    <ds:schemaRef ds:uri="http://purl.org/dc/terms/"/>
-    <ds:schemaRef ds:uri="http://schemas.openxmlformats.org/package/2006/metadata/core-properties"/>
-    <ds:schemaRef ds:uri="http://schemas.microsoft.com/office/2006/metadata/properties"/>
-    <ds:schemaRef ds:uri="http://www.w3.org/XML/1998/namespace"/>
-  </ds:schemaRefs>
-</ds:datastoreItem>
+<file path=customXml/item3.xml><?xml version="1.0" encoding="utf-8"?>
+<p:properties xmlns:p="http://schemas.microsoft.com/office/2006/metadata/properties" xmlns:xsi="http://www.w3.org/2001/XMLSchema-instance" xmlns:pc="http://schemas.microsoft.com/office/infopath/2007/PartnerControls">
+  <documentManagement>
+    <APDescription xmlns="4873beb7-5857-4685-be1f-d57550cc96cc" xsi:nil="true"/>
+    <AssetExpire xmlns="4873beb7-5857-4685-be1f-d57550cc96cc">2029-01-01T08:00:00+00:00</AssetExpire>
+    <CampaignTagsTaxHTField0 xmlns="4873beb7-5857-4685-be1f-d57550cc96cc">
+      <Terms xmlns="http://schemas.microsoft.com/office/infopath/2007/PartnerControls"/>
+    </CampaignTagsTaxHTField0>
+    <IntlLangReviewDate xmlns="4873beb7-5857-4685-be1f-d57550cc96cc" xsi:nil="true"/>
+    <TPFriendlyName xmlns="4873beb7-5857-4685-be1f-d57550cc96cc" xsi:nil="true"/>
+    <IntlLangReview xmlns="4873beb7-5857-4685-be1f-d57550cc96cc">false</IntlLangReview>
+    <LocLastLocAttemptVersionLookup xmlns="4873beb7-5857-4685-be1f-d57550cc96cc">855024</LocLastLocAttemptVersionLookup>
+    <PolicheckWords xmlns="4873beb7-5857-4685-be1f-d57550cc96cc" xsi:nil="true"/>
+    <SubmitterId xmlns="4873beb7-5857-4685-be1f-d57550cc96cc" xsi:nil="true"/>
+    <AcquiredFrom xmlns="4873beb7-5857-4685-be1f-d57550cc96cc">Internal MS</AcquiredFrom>
+    <EditorialStatus xmlns="4873beb7-5857-4685-be1f-d57550cc96cc">Complete</EditorialStatus>
+    <Markets xmlns="4873beb7-5857-4685-be1f-d57550cc96cc"/>
+    <OriginAsset xmlns="4873beb7-5857-4685-be1f-d57550cc96cc" xsi:nil="true"/>
+    <AssetStart xmlns="4873beb7-5857-4685-be1f-d57550cc96cc">2012-08-31T08:50:00+00:00</AssetStart>
+    <FriendlyTitle xmlns="4873beb7-5857-4685-be1f-d57550cc96cc" xsi:nil="true"/>
+    <MarketSpecific xmlns="4873beb7-5857-4685-be1f-d57550cc96cc">false</MarketSpecific>
+    <TPNamespace xmlns="4873beb7-5857-4685-be1f-d57550cc96cc" xsi:nil="true"/>
+    <PublishStatusLookup xmlns="4873beb7-5857-4685-be1f-d57550cc96cc">
+      <Value>1616423</Value>
+    </PublishStatusLookup>
+    <APAuthor xmlns="4873beb7-5857-4685-be1f-d57550cc96cc">
+      <UserInfo>
+        <DisplayName>REDMOND\kristaa</DisplayName>
+        <AccountId>136</AccountId>
+        <AccountType/>
+      </UserInfo>
+    </APAuthor>
+    <TPCommandLine xmlns="4873beb7-5857-4685-be1f-d57550cc96cc" xsi:nil="true"/>
+    <IntlLangReviewer xmlns="4873beb7-5857-4685-be1f-d57550cc96cc" xsi:nil="true"/>
+    <OpenTemplate xmlns="4873beb7-5857-4685-be1f-d57550cc96cc">true</OpenTemplate>
+    <CSXSubmissionDate xmlns="4873beb7-5857-4685-be1f-d57550cc96cc" xsi:nil="true"/>
+    <TaxCatchAll xmlns="4873beb7-5857-4685-be1f-d57550cc96cc"/>
+    <Manager xmlns="4873beb7-5857-4685-be1f-d57550cc96cc" xsi:nil="true"/>
+    <NumericId xmlns="4873beb7-5857-4685-be1f-d57550cc96cc" xsi:nil="true"/>
+    <ParentAssetId xmlns="4873beb7-5857-4685-be1f-d57550cc96cc" xsi:nil="true"/>
+    <OriginalSourceMarket xmlns="4873beb7-5857-4685-be1f-d57550cc96cc" xsi:nil="true"/>
+    <ApprovalStatus xmlns="4873beb7-5857-4685-be1f-d57550cc96cc">InProgress</ApprovalStatus>
+    <TPComponent xmlns="4873beb7-5857-4685-be1f-d57550cc96cc" xsi:nil="true"/>
+    <EditorialTags xmlns="4873beb7-5857-4685-be1f-d57550cc96cc" xsi:nil="true"/>
+    <TPExecutable xmlns="4873beb7-5857-4685-be1f-d57550cc96cc" xsi:nil="true"/>
+    <TPLaunchHelpLink xmlns="4873beb7-5857-4685-be1f-d57550cc96cc" xsi:nil="true"/>
+    <LocComments xmlns="4873beb7-5857-4685-be1f-d57550cc96cc" xsi:nil="true"/>
+    <LocRecommendedHandoff xmlns="4873beb7-5857-4685-be1f-d57550cc96cc" xsi:nil="true"/>
+    <SourceTitle xmlns="4873beb7-5857-4685-be1f-d57550cc96cc" xsi:nil="true"/>
+    <CSXUpdate xmlns="4873beb7-5857-4685-be1f-d57550cc96cc">false</CSXUpdate>
+    <IntlLocPriority xmlns="4873beb7-5857-4685-be1f-d57550cc96cc" xsi:nil="true"/>
+    <UAProjectedTotalWords xmlns="4873beb7-5857-4685-be1f-d57550cc96cc" xsi:nil="true"/>
+    <AssetType xmlns="4873beb7-5857-4685-be1f-d57550cc96cc">TP</AssetType>
+    <MachineTranslated xmlns="4873beb7-5857-4685-be1f-d57550cc96cc">false</MachineTranslated>
+    <OutputCachingOn xmlns="4873beb7-5857-4685-be1f-d57550cc96cc">false</OutputCachingOn>
+    <TemplateStatus xmlns="4873beb7-5857-4685-be1f-d57550cc96cc">Complete</TemplateStatus>
+    <IsSearchable xmlns="4873beb7-5857-4685-be1f-d57550cc96cc">true</IsSearchable>
+    <ContentItem xmlns="4873beb7-5857-4685-be1f-d57550cc96cc" xsi:nil="true"/>
+    <HandoffToMSDN xmlns="4873beb7-5857-4685-be1f-d57550cc96cc" xsi:nil="true"/>
+    <ShowIn xmlns="4873beb7-5857-4685-be1f-d57550cc96cc">Show everywhere</ShowIn>
+    <ThumbnailAssetId xmlns="4873beb7-5857-4685-be1f-d57550cc96cc" xsi:nil="true"/>
+    <UALocComments xmlns="4873beb7-5857-4685-be1f-d57550cc96cc" xsi:nil="true"/>
+    <UALocRecommendation xmlns="4873beb7-5857-4685-be1f-d57550cc96cc">Localize</UALocRecommendation>
+    <LastModifiedDateTime xmlns="4873beb7-5857-4685-be1f-d57550cc96cc" xsi:nil="true"/>
+    <LegacyData xmlns="4873beb7-5857-4685-be1f-d57550cc96cc" xsi:nil="true"/>
+    <LocManualTestRequired xmlns="4873beb7-5857-4685-be1f-d57550cc96cc">false</LocManualTestRequired>
+    <LocMarketGroupTiers2 xmlns="4873beb7-5857-4685-be1f-d57550cc96cc" xsi:nil="true"/>
+    <ClipArtFilename xmlns="4873beb7-5857-4685-be1f-d57550cc96cc" xsi:nil="true"/>
+    <TPApplication xmlns="4873beb7-5857-4685-be1f-d57550cc96cc" xsi:nil="true"/>
+    <CSXHash xmlns="4873beb7-5857-4685-be1f-d57550cc96cc" xsi:nil="true"/>
+    <DirectSourceMarket xmlns="4873beb7-5857-4685-be1f-d57550cc96cc" xsi:nil="true"/>
+    <PrimaryImageGen xmlns="4873beb7-5857-4685-be1f-d57550cc96cc">true</PrimaryImageGen>
+    <PlannedPubDate xmlns="4873beb7-5857-4685-be1f-d57550cc96cc" xsi:nil="true"/>
+    <CSXSubmissionMarket xmlns="4873beb7-5857-4685-be1f-d57550cc96cc" xsi:nil="true"/>
+    <Downloads xmlns="4873beb7-5857-4685-be1f-d57550cc96cc">0</Downloads>
+    <ArtSampleDocs xmlns="4873beb7-5857-4685-be1f-d57550cc96cc" xsi:nil="true"/>
+    <TrustLevel xmlns="4873beb7-5857-4685-be1f-d57550cc96cc">1 Microsoft Managed Content</TrustLevel>
+    <BlockPublish xmlns="4873beb7-5857-4685-be1f-d57550cc96cc">false</BlockPublish>
+    <TPLaunchHelpLinkType xmlns="4873beb7-5857-4685-be1f-d57550cc96cc">Template</TPLaunchHelpLinkType>
+    <LocalizationTagsTaxHTField0 xmlns="4873beb7-5857-4685-be1f-d57550cc96cc">
+      <Terms xmlns="http://schemas.microsoft.com/office/infopath/2007/PartnerControls"/>
+    </LocalizationTagsTaxHTField0>
+    <BusinessGroup xmlns="4873beb7-5857-4685-be1f-d57550cc96cc" xsi:nil="true"/>
+    <Providers xmlns="4873beb7-5857-4685-be1f-d57550cc96cc" xsi:nil="true"/>
+    <TemplateTemplateType xmlns="4873beb7-5857-4685-be1f-d57550cc96cc">PowerPoint Presentation Template</TemplateTemplateType>
+    <TimesCloned xmlns="4873beb7-5857-4685-be1f-d57550cc96cc" xsi:nil="true"/>
+    <TPAppVersion xmlns="4873beb7-5857-4685-be1f-d57550cc96cc" xsi:nil="true"/>
+    <VoteCount xmlns="4873beb7-5857-4685-be1f-d57550cc96cc" xsi:nil="true"/>
+    <AverageRating xmlns="4873beb7-5857-4685-be1f-d57550cc96cc" xsi:nil="true"/>
+    <FeatureTagsTaxHTField0 xmlns="4873beb7-5857-4685-be1f-d57550cc96cc">
+      <Terms xmlns="http://schemas.microsoft.com/office/infopath/2007/PartnerControls"/>
+    </FeatureTagsTaxHTField0>
+    <Provider xmlns="4873beb7-5857-4685-be1f-d57550cc96cc" xsi:nil="true"/>
+    <UACurrentWords xmlns="4873beb7-5857-4685-be1f-d57550cc96cc" xsi:nil="true"/>
+    <AssetId xmlns="4873beb7-5857-4685-be1f-d57550cc96cc">TP103431361</AssetId>
+    <TPClientViewer xmlns="4873beb7-5857-4685-be1f-d57550cc96cc" xsi:nil="true"/>
+    <DSATActionTaken xmlns="4873beb7-5857-4685-be1f-d57550cc96cc" xsi:nil="true"/>
+    <APEditor xmlns="4873beb7-5857-4685-be1f-d57550cc96cc">
+      <UserInfo>
+        <DisplayName/>
+        <AccountId xsi:nil="true"/>
+        <AccountType/>
+      </UserInfo>
+    </APEditor>
+    <TPInstallLocation xmlns="4873beb7-5857-4685-be1f-d57550cc96cc" xsi:nil="true"/>
+    <OOCacheId xmlns="4873beb7-5857-4685-be1f-d57550cc96cc" xsi:nil="true"/>
+    <IsDeleted xmlns="4873beb7-5857-4685-be1f-d57550cc96cc">false</IsDeleted>
+    <PublishTargets xmlns="4873beb7-5857-4685-be1f-d57550cc96cc">OfficeOnlineVNext</PublishTargets>
+    <ApprovalLog xmlns="4873beb7-5857-4685-be1f-d57550cc96cc" xsi:nil="true"/>
+    <BugNumber xmlns="4873beb7-5857-4685-be1f-d57550cc96cc" xsi:nil="true"/>
+    <CrawlForDependencies xmlns="4873beb7-5857-4685-be1f-d57550cc96cc">false</CrawlForDependencies>
+    <InternalTagsTaxHTField0 xmlns="4873beb7-5857-4685-be1f-d57550cc96cc">
+      <Terms xmlns="http://schemas.microsoft.com/office/infopath/2007/PartnerControls"/>
+    </InternalTagsTaxHTField0>
+    <LastHandOff xmlns="4873beb7-5857-4685-be1f-d57550cc96cc" xsi:nil="true"/>
+    <Milestone xmlns="4873beb7-5857-4685-be1f-d57550cc96cc" xsi:nil="true"/>
+    <OriginalRelease xmlns="4873beb7-5857-4685-be1f-d57550cc96cc">15</OriginalRelease>
+    <RecommendationsModifier xmlns="4873beb7-5857-4685-be1f-d57550cc96cc" xsi:nil="true"/>
+    <ScenarioTagsTaxHTField0 xmlns="4873beb7-5857-4685-be1f-d57550cc96cc">
+      <Terms xmlns="http://schemas.microsoft.com/office/infopath/2007/PartnerControls"/>
+    </ScenarioTagsTaxHTField0>
+    <UANotes xmlns="4873beb7-5857-4685-be1f-d57550cc96cc" xsi:nil="true"/>
+  </documentManagement>
+</p:properties>
 </file>
 
-<file path=customXml/itemProps2.xml><?xml version="1.0" encoding="utf-8"?>
+<file path=customXml/itemProps1.xml><?xml version="1.0" encoding="utf-8"?>
 <ds:datastoreItem xmlns:ds="http://schemas.openxmlformats.org/officeDocument/2006/customXml" ds:itemID="{561E720F-F05D-4536-9C34-0CFCED65D3B7}">
   <ds:schemaRefs>
     <ds:schemaRef ds:uri="http://schemas.microsoft.com/sharepoint/v3/contenttype/forms"/>
@@ -35425,7 +36259,7 @@
 </ds:datastoreItem>
 </file>
 
-<file path=customXml/itemProps3.xml><?xml version="1.0" encoding="utf-8"?>
+<file path=customXml/itemProps2.xml><?xml version="1.0" encoding="utf-8"?>
 <ds:datastoreItem xmlns:ds="http://schemas.openxmlformats.org/officeDocument/2006/customXml" ds:itemID="{28C8B9CA-0273-4370-889A-FC05DA5C2FA5}">
   <ds:schemaRefs>
     <ds:schemaRef ds:uri="http://schemas.microsoft.com/office/2006/metadata/contentType"/>
@@ -35441,4 +36275,20 @@
     <ds:schemaRef ds:uri="http://schemas.microsoft.com/internal/obd"/>
   </ds:schemaRefs>
 </ds:datastoreItem>
+</file>
+
+<file path=customXml/itemProps3.xml><?xml version="1.0" encoding="utf-8"?>
+<ds:datastoreItem xmlns:ds="http://schemas.openxmlformats.org/officeDocument/2006/customXml" ds:itemID="{8CDDBB83-77C1-4099-A0AA-289882E745E2}">
+  <ds:schemaRefs>
+    <ds:schemaRef ds:uri="http://schemas.microsoft.com/office/infopath/2007/PartnerControls"/>
+    <ds:schemaRef ds:uri="http://purl.org/dc/dcmitype/"/>
+    <ds:schemaRef ds:uri="http://purl.org/dc/elements/1.1/"/>
+    <ds:schemaRef ds:uri="4873beb7-5857-4685-be1f-d57550cc96cc"/>
+    <ds:schemaRef ds:uri="http://schemas.microsoft.com/office/2006/documentManagement/types"/>
+    <ds:schemaRef ds:uri="http://purl.org/dc/terms/"/>
+    <ds:schemaRef ds:uri="http://schemas.openxmlformats.org/package/2006/metadata/core-properties"/>
+    <ds:schemaRef ds:uri="http://schemas.microsoft.com/office/2006/metadata/properties"/>
+    <ds:schemaRef ds:uri="http://www.w3.org/XML/1998/namespace"/>
+  </ds:schemaRefs>
+</ds:datastoreItem>
 </file>